--- a/6-neon/neon.pptx
+++ b/6-neon/neon.pptx
@@ -24,7 +24,15 @@
     <p:sldId id="323" r:id="rId18"/>
     <p:sldId id="324" r:id="rId19"/>
     <p:sldId id="325" r:id="rId20"/>
-    <p:sldId id="267" r:id="rId21"/>
+    <p:sldId id="326" r:id="rId21"/>
+    <p:sldId id="327" r:id="rId22"/>
+    <p:sldId id="328" r:id="rId23"/>
+    <p:sldId id="329" r:id="rId24"/>
+    <p:sldId id="330" r:id="rId25"/>
+    <p:sldId id="331" r:id="rId26"/>
+    <p:sldId id="332" r:id="rId27"/>
+    <p:sldId id="333" r:id="rId28"/>
+    <p:sldId id="267" r:id="rId29"/>
   </p:sldIdLst>
   <p:sldSz cx="9144000" cy="6858000" type="screen4x3"/>
   <p:notesSz cx="6858000" cy="9144000"/>
@@ -125,7 +133,7 @@
   </p:defaultTextStyle>
   <p:extLst>
     <p:ext uri="{EFAFB233-063F-42B5-8137-9DF3F51BA10A}">
-      <p15:sldGuideLst xmlns:p15="http://schemas.microsoft.com/office/powerpoint/2012/main">
+      <p15:sldGuideLst xmlns:p15="http://schemas.microsoft.com/office/powerpoint/2012/main" xmlns="">
         <p15:guide id="1" orient="horz" pos="2160">
           <p15:clr>
             <a:srgbClr val="A4A3A4"/>
@@ -323,7 +331,7 @@
           <a:p>
             <a:fld id="{17C7C8FB-1C37-4023-AA22-09D5A8E13DCF}" type="datetimeFigureOut">
               <a:rPr lang="zh-CN" altLang="en-US" smtClean="0"/>
-              <a:t>2018/5/22</a:t>
+              <a:t>2018/5/23</a:t>
             </a:fld>
             <a:endParaRPr lang="zh-CN" altLang="en-US"/>
           </a:p>
@@ -493,7 +501,7 @@
           <a:p>
             <a:fld id="{17C7C8FB-1C37-4023-AA22-09D5A8E13DCF}" type="datetimeFigureOut">
               <a:rPr lang="zh-CN" altLang="en-US" smtClean="0"/>
-              <a:t>2018/5/22</a:t>
+              <a:t>2018/5/23</a:t>
             </a:fld>
             <a:endParaRPr lang="zh-CN" altLang="en-US"/>
           </a:p>
@@ -673,7 +681,7 @@
           <a:p>
             <a:fld id="{17C7C8FB-1C37-4023-AA22-09D5A8E13DCF}" type="datetimeFigureOut">
               <a:rPr lang="zh-CN" altLang="en-US" smtClean="0"/>
-              <a:t>2018/5/22</a:t>
+              <a:t>2018/5/23</a:t>
             </a:fld>
             <a:endParaRPr lang="zh-CN" altLang="en-US"/>
           </a:p>
@@ -843,7 +851,7 @@
           <a:p>
             <a:fld id="{17C7C8FB-1C37-4023-AA22-09D5A8E13DCF}" type="datetimeFigureOut">
               <a:rPr lang="zh-CN" altLang="en-US" smtClean="0"/>
-              <a:t>2018/5/22</a:t>
+              <a:t>2018/5/23</a:t>
             </a:fld>
             <a:endParaRPr lang="zh-CN" altLang="en-US"/>
           </a:p>
@@ -1089,7 +1097,7 @@
           <a:p>
             <a:fld id="{17C7C8FB-1C37-4023-AA22-09D5A8E13DCF}" type="datetimeFigureOut">
               <a:rPr lang="zh-CN" altLang="en-US" smtClean="0"/>
-              <a:t>2018/5/22</a:t>
+              <a:t>2018/5/23</a:t>
             </a:fld>
             <a:endParaRPr lang="zh-CN" altLang="en-US"/>
           </a:p>
@@ -1377,7 +1385,7 @@
           <a:p>
             <a:fld id="{17C7C8FB-1C37-4023-AA22-09D5A8E13DCF}" type="datetimeFigureOut">
               <a:rPr lang="zh-CN" altLang="en-US" smtClean="0"/>
-              <a:t>2018/5/22</a:t>
+              <a:t>2018/5/23</a:t>
             </a:fld>
             <a:endParaRPr lang="zh-CN" altLang="en-US"/>
           </a:p>
@@ -1799,7 +1807,7 @@
           <a:p>
             <a:fld id="{17C7C8FB-1C37-4023-AA22-09D5A8E13DCF}" type="datetimeFigureOut">
               <a:rPr lang="zh-CN" altLang="en-US" smtClean="0"/>
-              <a:t>2018/5/22</a:t>
+              <a:t>2018/5/23</a:t>
             </a:fld>
             <a:endParaRPr lang="zh-CN" altLang="en-US"/>
           </a:p>
@@ -1917,7 +1925,7 @@
           <a:p>
             <a:fld id="{17C7C8FB-1C37-4023-AA22-09D5A8E13DCF}" type="datetimeFigureOut">
               <a:rPr lang="zh-CN" altLang="en-US" smtClean="0"/>
-              <a:t>2018/5/22</a:t>
+              <a:t>2018/5/23</a:t>
             </a:fld>
             <a:endParaRPr lang="zh-CN" altLang="en-US"/>
           </a:p>
@@ -2012,7 +2020,7 @@
           <a:p>
             <a:fld id="{17C7C8FB-1C37-4023-AA22-09D5A8E13DCF}" type="datetimeFigureOut">
               <a:rPr lang="zh-CN" altLang="en-US" smtClean="0"/>
-              <a:t>2018/5/22</a:t>
+              <a:t>2018/5/23</a:t>
             </a:fld>
             <a:endParaRPr lang="zh-CN" altLang="en-US"/>
           </a:p>
@@ -2289,7 +2297,7 @@
           <a:p>
             <a:fld id="{17C7C8FB-1C37-4023-AA22-09D5A8E13DCF}" type="datetimeFigureOut">
               <a:rPr lang="zh-CN" altLang="en-US" smtClean="0"/>
-              <a:t>2018/5/22</a:t>
+              <a:t>2018/5/23</a:t>
             </a:fld>
             <a:endParaRPr lang="zh-CN" altLang="en-US"/>
           </a:p>
@@ -2542,7 +2550,7 @@
           <a:p>
             <a:fld id="{17C7C8FB-1C37-4023-AA22-09D5A8E13DCF}" type="datetimeFigureOut">
               <a:rPr lang="zh-CN" altLang="en-US" smtClean="0"/>
-              <a:t>2018/5/22</a:t>
+              <a:t>2018/5/23</a:t>
             </a:fld>
             <a:endParaRPr lang="zh-CN" altLang="en-US"/>
           </a:p>
@@ -2755,7 +2763,7 @@
           <a:p>
             <a:fld id="{17C7C8FB-1C37-4023-AA22-09D5A8E13DCF}" type="datetimeFigureOut">
               <a:rPr lang="zh-CN" altLang="en-US" smtClean="0"/>
-              <a:t>2018/5/22</a:t>
+              <a:t>2018/5/23</a:t>
             </a:fld>
             <a:endParaRPr lang="zh-CN" altLang="en-US"/>
           </a:p>
@@ -3438,6 +3446,16 @@
           <a:prstGeom prst="rect">
             <a:avLst/>
           </a:prstGeom>
+          <a:ln>
+            <a:noFill/>
+          </a:ln>
+          <a:effectLst>
+            <a:outerShdw blurRad="292100" dist="139700" dir="2700000" algn="tl" rotWithShape="0">
+              <a:srgbClr val="333333">
+                <a:alpha val="65000"/>
+              </a:srgbClr>
+            </a:outerShdw>
+          </a:effectLst>
         </p:spPr>
       </p:pic>
       <p:sp>
@@ -5268,20 +5286,7 @@
                 <a:latin typeface="微软雅黑" panose="020B0503020204020204" pitchFamily="34" charset="-122"/>
                 <a:ea typeface="微软雅黑" panose="020B0503020204020204" pitchFamily="34" charset="-122"/>
               </a:rPr>
-              <a:t>12</a:t>
-            </a:r>
-            <a:r>
-              <a:rPr lang="en-US" altLang="zh-CN" sz="2000" dirty="0" smtClean="0">
-                <a:solidFill>
-                  <a:schemeClr val="tx1">
-                    <a:lumMod val="75000"/>
-                    <a:lumOff val="25000"/>
-                  </a:schemeClr>
-                </a:solidFill>
-                <a:latin typeface="微软雅黑" panose="020B0503020204020204" pitchFamily="34" charset="-122"/>
-                <a:ea typeface="微软雅黑" panose="020B0503020204020204" pitchFamily="34" charset="-122"/>
-              </a:rPr>
-              <a:t>%</a:t>
+              <a:t>12%</a:t>
             </a:r>
             <a:r>
               <a:rPr lang="zh-CN" altLang="en-US" sz="2000" dirty="0" smtClean="0">
@@ -6010,7 +6015,7 @@
           </p:cNvPicPr>
           <p:nvPr/>
         </p:nvPicPr>
-        <p:blipFill>
+        <p:blipFill rotWithShape="1">
           <a:blip r:embed="rId2">
             <a:extLst>
               <a:ext uri="{28A0092B-C50C-407E-A947-70E740481C1C}">
@@ -6018,14 +6023,13 @@
               </a:ext>
             </a:extLst>
           </a:blip>
-          <a:stretch>
-            <a:fillRect/>
-          </a:stretch>
+          <a:srcRect r="55229"/>
+          <a:stretch/>
         </p:blipFill>
         <p:spPr>
           <a:xfrm>
-            <a:off x="1043608" y="332656"/>
-            <a:ext cx="4115374" cy="1781424"/>
+            <a:off x="4318862" y="2731923"/>
+            <a:ext cx="995501" cy="962511"/>
           </a:xfrm>
           <a:prstGeom prst="rect">
             <a:avLst/>
@@ -6040,24 +6044,39 @@
       </p:pic>
       <p:sp>
         <p:nvSpPr>
-          <p:cNvPr id="5" name="TextBox 3"/>
-          <p:cNvSpPr txBox="1"/>
+          <p:cNvPr id="4" name="圆角矩形标注 3"/>
+          <p:cNvSpPr/>
           <p:nvPr/>
         </p:nvSpPr>
         <p:spPr>
           <a:xfrm>
-            <a:off x="755576" y="2348880"/>
-            <a:ext cx="7200800" cy="581057"/>
-          </a:xfrm>
-          <a:prstGeom prst="rect">
-            <a:avLst/>
+            <a:off x="5724128" y="2933032"/>
+            <a:ext cx="2304256" cy="432048"/>
+          </a:xfrm>
+          <a:prstGeom prst="wedgeRoundRectCallout">
+            <a:avLst>
+              <a:gd name="adj1" fmla="val -69674"/>
+              <a:gd name="adj2" fmla="val 27779"/>
+              <a:gd name="adj3" fmla="val 16667"/>
+            </a:avLst>
           </a:prstGeom>
-          <a:noFill/>
-        </p:spPr>
-        <p:txBody>
-          <a:bodyPr wrap="square" rtlCol="0">
-            <a:spAutoFit/>
-          </a:bodyPr>
+        </p:spPr>
+        <p:style>
+          <a:lnRef idx="2">
+            <a:schemeClr val="accent6"/>
+          </a:lnRef>
+          <a:fillRef idx="1">
+            <a:schemeClr val="lt1"/>
+          </a:fillRef>
+          <a:effectRef idx="0">
+            <a:schemeClr val="accent6"/>
+          </a:effectRef>
+          <a:fontRef idx="minor">
+            <a:schemeClr val="dk1"/>
+          </a:fontRef>
+        </p:style>
+        <p:txBody>
+          <a:bodyPr rtlCol="0" anchor="ctr"/>
           <a:lstStyle/>
           <a:p>
             <a:pPr>
@@ -6066,40 +6085,545 @@
               </a:lnSpc>
             </a:pPr>
             <a:r>
-              <a:rPr lang="en-US" altLang="zh-CN" sz="2400" dirty="0" smtClean="0">
-                <a:solidFill>
-                  <a:schemeClr val="tx1">
-                    <a:lumMod val="75000"/>
-                    <a:lumOff val="25000"/>
-                  </a:schemeClr>
-                </a:solidFill>
-                <a:latin typeface="微软雅黑" pitchFamily="34" charset="-122"/>
-                <a:ea typeface="微软雅黑" pitchFamily="34" charset="-122"/>
-              </a:rPr>
-              <a:t>f.</a:t>
-            </a:r>
-            <a:r>
-              <a:rPr lang="zh-CN" altLang="en-US" sz="2400" dirty="0" smtClean="0">
-                <a:solidFill>
-                  <a:schemeClr val="tx1">
-                    <a:lumMod val="75000"/>
-                    <a:lumOff val="25000"/>
-                  </a:schemeClr>
-                </a:solidFill>
-                <a:latin typeface="微软雅黑" pitchFamily="34" charset="-122"/>
-                <a:ea typeface="微软雅黑" pitchFamily="34" charset="-122"/>
-              </a:rPr>
-              <a:t>底面条纹</a:t>
-            </a:r>
-            <a:endParaRPr lang="zh-CN" altLang="en-US" sz="2400" dirty="0">
+              <a:rPr lang="zh-CN" altLang="en-US" sz="2000" dirty="0" smtClean="0">
+                <a:solidFill>
+                  <a:schemeClr val="tx1">
+                    <a:lumMod val="75000"/>
+                    <a:lumOff val="25000"/>
+                  </a:schemeClr>
+                </a:solidFill>
+                <a:latin typeface="微软雅黑" panose="020B0503020204020204" pitchFamily="34" charset="-122"/>
+                <a:ea typeface="微软雅黑" panose="020B0503020204020204" pitchFamily="34" charset="-122"/>
+              </a:rPr>
+              <a:t>最终合成最终效果</a:t>
+            </a:r>
+            <a:endParaRPr lang="zh-CN" altLang="en-US" sz="2000" dirty="0">
               <a:solidFill>
                 <a:schemeClr val="tx1">
                   <a:lumMod val="75000"/>
                   <a:lumOff val="25000"/>
                 </a:schemeClr>
               </a:solidFill>
-              <a:latin typeface="微软雅黑" pitchFamily="34" charset="-122"/>
-              <a:ea typeface="微软雅黑" pitchFamily="34" charset="-122"/>
+              <a:latin typeface="微软雅黑" panose="020B0503020204020204" pitchFamily="34" charset="-122"/>
+              <a:ea typeface="微软雅黑" panose="020B0503020204020204" pitchFamily="34" charset="-122"/>
+            </a:endParaRPr>
+          </a:p>
+        </p:txBody>
+      </p:sp>
+      <p:pic>
+        <p:nvPicPr>
+          <p:cNvPr id="3" name="图片 2" descr="屏幕剪辑"/>
+          <p:cNvPicPr>
+            <a:picLocks noChangeAspect="1"/>
+          </p:cNvPicPr>
+          <p:nvPr/>
+        </p:nvPicPr>
+        <p:blipFill rotWithShape="1">
+          <a:blip r:embed="rId3">
+            <a:extLst>
+              <a:ext uri="{28A0092B-C50C-407E-A947-70E740481C1C}">
+                <a14:useLocalDpi xmlns:a14="http://schemas.microsoft.com/office/drawing/2010/main" val="0"/>
+              </a:ext>
+            </a:extLst>
+          </a:blip>
+          <a:srcRect r="50000"/>
+          <a:stretch/>
+        </p:blipFill>
+        <p:spPr>
+          <a:xfrm>
+            <a:off x="4318862" y="1585492"/>
+            <a:ext cx="995501" cy="885949"/>
+          </a:xfrm>
+          <a:prstGeom prst="rect">
+            <a:avLst/>
+          </a:prstGeom>
+          <a:ln>
+            <a:noFill/>
+          </a:ln>
+          <a:effectLst>
+            <a:outerShdw blurRad="292100" dist="139700" dir="2700000" algn="tl" rotWithShape="0">
+              <a:srgbClr val="333333">
+                <a:alpha val="65000"/>
+              </a:srgbClr>
+            </a:outerShdw>
+          </a:effectLst>
+        </p:spPr>
+      </p:pic>
+      <p:pic>
+        <p:nvPicPr>
+          <p:cNvPr id="6" name="图片 5" descr="屏幕剪辑"/>
+          <p:cNvPicPr>
+            <a:picLocks noChangeAspect="1"/>
+          </p:cNvPicPr>
+          <p:nvPr/>
+        </p:nvPicPr>
+        <p:blipFill rotWithShape="1">
+          <a:blip r:embed="rId4">
+            <a:extLst>
+              <a:ext uri="{28A0092B-C50C-407E-A947-70E740481C1C}">
+                <a14:useLocalDpi xmlns:a14="http://schemas.microsoft.com/office/drawing/2010/main" val="0"/>
+              </a:ext>
+            </a:extLst>
+          </a:blip>
+          <a:srcRect r="50000"/>
+          <a:stretch/>
+        </p:blipFill>
+        <p:spPr>
+          <a:xfrm>
+            <a:off x="1187624" y="404664"/>
+            <a:ext cx="1005028" cy="885949"/>
+          </a:xfrm>
+          <a:prstGeom prst="rect">
+            <a:avLst/>
+          </a:prstGeom>
+        </p:spPr>
+      </p:pic>
+      <p:pic>
+        <p:nvPicPr>
+          <p:cNvPr id="7" name="图片 6" descr="屏幕剪辑"/>
+          <p:cNvPicPr>
+            <a:picLocks noChangeAspect="1"/>
+          </p:cNvPicPr>
+          <p:nvPr/>
+        </p:nvPicPr>
+        <p:blipFill rotWithShape="1">
+          <a:blip r:embed="rId5">
+            <a:extLst>
+              <a:ext uri="{28A0092B-C50C-407E-A947-70E740481C1C}">
+                <a14:useLocalDpi xmlns:a14="http://schemas.microsoft.com/office/drawing/2010/main" val="0"/>
+              </a:ext>
+            </a:extLst>
+          </a:blip>
+          <a:srcRect r="51387"/>
+          <a:stretch/>
+        </p:blipFill>
+        <p:spPr>
+          <a:xfrm>
+            <a:off x="4332587" y="434594"/>
+            <a:ext cx="981776" cy="933580"/>
+          </a:xfrm>
+          <a:prstGeom prst="rect">
+            <a:avLst/>
+          </a:prstGeom>
+        </p:spPr>
+      </p:pic>
+      <p:pic>
+        <p:nvPicPr>
+          <p:cNvPr id="8" name="图片 7" descr="屏幕剪辑"/>
+          <p:cNvPicPr>
+            <a:picLocks noChangeAspect="1"/>
+          </p:cNvPicPr>
+          <p:nvPr/>
+        </p:nvPicPr>
+        <p:blipFill rotWithShape="1">
+          <a:blip r:embed="rId6">
+            <a:extLst>
+              <a:ext uri="{28A0092B-C50C-407E-A947-70E740481C1C}">
+                <a14:useLocalDpi xmlns:a14="http://schemas.microsoft.com/office/drawing/2010/main" val="0"/>
+              </a:ext>
+            </a:extLst>
+          </a:blip>
+          <a:srcRect t="8592" r="53287" b="8404"/>
+          <a:stretch/>
+        </p:blipFill>
+        <p:spPr>
+          <a:xfrm>
+            <a:off x="1239455" y="1601646"/>
+            <a:ext cx="1005707" cy="869795"/>
+          </a:xfrm>
+          <a:prstGeom prst="rect">
+            <a:avLst/>
+          </a:prstGeom>
+        </p:spPr>
+      </p:pic>
+      <p:sp>
+        <p:nvSpPr>
+          <p:cNvPr id="9" name="圆角矩形标注 8"/>
+          <p:cNvSpPr/>
+          <p:nvPr/>
+        </p:nvSpPr>
+        <p:spPr>
+          <a:xfrm>
+            <a:off x="2350147" y="631614"/>
+            <a:ext cx="1760621" cy="432048"/>
+          </a:xfrm>
+          <a:prstGeom prst="wedgeRoundRectCallout">
+            <a:avLst>
+              <a:gd name="adj1" fmla="val -69674"/>
+              <a:gd name="adj2" fmla="val 27779"/>
+              <a:gd name="adj3" fmla="val 16667"/>
+            </a:avLst>
+          </a:prstGeom>
+        </p:spPr>
+        <p:style>
+          <a:lnRef idx="2">
+            <a:schemeClr val="accent5"/>
+          </a:lnRef>
+          <a:fillRef idx="1">
+            <a:schemeClr val="lt1"/>
+          </a:fillRef>
+          <a:effectRef idx="0">
+            <a:schemeClr val="accent5"/>
+          </a:effectRef>
+          <a:fontRef idx="minor">
+            <a:schemeClr val="dk1"/>
+          </a:fontRef>
+        </p:style>
+        <p:txBody>
+          <a:bodyPr rtlCol="0" anchor="ctr"/>
+          <a:lstStyle/>
+          <a:p>
+            <a:pPr>
+              <a:lnSpc>
+                <a:spcPct val="150000"/>
+              </a:lnSpc>
+            </a:pPr>
+            <a:r>
+              <a:rPr lang="zh-CN" altLang="en-US" sz="2000" dirty="0">
+                <a:solidFill>
+                  <a:schemeClr val="tx1">
+                    <a:lumMod val="75000"/>
+                    <a:lumOff val="25000"/>
+                  </a:schemeClr>
+                </a:solidFill>
+                <a:latin typeface="微软雅黑" panose="020B0503020204020204" pitchFamily="34" charset="-122"/>
+                <a:ea typeface="微软雅黑" panose="020B0503020204020204" pitchFamily="34" charset="-122"/>
+              </a:rPr>
+              <a:t>第一</a:t>
+            </a:r>
+            <a:r>
+              <a:rPr lang="zh-CN" altLang="en-US" sz="2000" dirty="0" smtClean="0">
+                <a:solidFill>
+                  <a:schemeClr val="tx1">
+                    <a:lumMod val="75000"/>
+                    <a:lumOff val="25000"/>
+                  </a:schemeClr>
+                </a:solidFill>
+                <a:latin typeface="微软雅黑" panose="020B0503020204020204" pitchFamily="34" charset="-122"/>
+                <a:ea typeface="微软雅黑" panose="020B0503020204020204" pitchFamily="34" charset="-122"/>
+              </a:rPr>
+              <a:t>种花纹</a:t>
+            </a:r>
+            <a:endParaRPr lang="zh-CN" altLang="en-US" sz="2000" dirty="0">
+              <a:solidFill>
+                <a:schemeClr val="tx1">
+                  <a:lumMod val="75000"/>
+                  <a:lumOff val="25000"/>
+                </a:schemeClr>
+              </a:solidFill>
+              <a:latin typeface="微软雅黑" panose="020B0503020204020204" pitchFamily="34" charset="-122"/>
+              <a:ea typeface="微软雅黑" panose="020B0503020204020204" pitchFamily="34" charset="-122"/>
+            </a:endParaRPr>
+          </a:p>
+        </p:txBody>
+      </p:sp>
+      <p:sp>
+        <p:nvSpPr>
+          <p:cNvPr id="10" name="圆角矩形标注 9"/>
+          <p:cNvSpPr/>
+          <p:nvPr/>
+        </p:nvSpPr>
+        <p:spPr>
+          <a:xfrm>
+            <a:off x="5580112" y="620688"/>
+            <a:ext cx="1760621" cy="432048"/>
+          </a:xfrm>
+          <a:prstGeom prst="wedgeRoundRectCallout">
+            <a:avLst>
+              <a:gd name="adj1" fmla="val -69674"/>
+              <a:gd name="adj2" fmla="val 27779"/>
+              <a:gd name="adj3" fmla="val 16667"/>
+            </a:avLst>
+          </a:prstGeom>
+        </p:spPr>
+        <p:style>
+          <a:lnRef idx="2">
+            <a:schemeClr val="accent5"/>
+          </a:lnRef>
+          <a:fillRef idx="1">
+            <a:schemeClr val="lt1"/>
+          </a:fillRef>
+          <a:effectRef idx="0">
+            <a:schemeClr val="accent5"/>
+          </a:effectRef>
+          <a:fontRef idx="minor">
+            <a:schemeClr val="dk1"/>
+          </a:fontRef>
+        </p:style>
+        <p:txBody>
+          <a:bodyPr rtlCol="0" anchor="ctr"/>
+          <a:lstStyle/>
+          <a:p>
+            <a:pPr>
+              <a:lnSpc>
+                <a:spcPct val="150000"/>
+              </a:lnSpc>
+            </a:pPr>
+            <a:r>
+              <a:rPr lang="zh-CN" altLang="en-US" sz="2000" dirty="0" smtClean="0">
+                <a:solidFill>
+                  <a:schemeClr val="tx1">
+                    <a:lumMod val="75000"/>
+                    <a:lumOff val="25000"/>
+                  </a:schemeClr>
+                </a:solidFill>
+                <a:latin typeface="微软雅黑" panose="020B0503020204020204" pitchFamily="34" charset="-122"/>
+                <a:ea typeface="微软雅黑" panose="020B0503020204020204" pitchFamily="34" charset="-122"/>
+              </a:rPr>
+              <a:t>第二种花纹</a:t>
+            </a:r>
+            <a:endParaRPr lang="zh-CN" altLang="en-US" sz="2000" dirty="0">
+              <a:solidFill>
+                <a:schemeClr val="tx1">
+                  <a:lumMod val="75000"/>
+                  <a:lumOff val="25000"/>
+                </a:schemeClr>
+              </a:solidFill>
+              <a:latin typeface="微软雅黑" panose="020B0503020204020204" pitchFamily="34" charset="-122"/>
+              <a:ea typeface="微软雅黑" panose="020B0503020204020204" pitchFamily="34" charset="-122"/>
+            </a:endParaRPr>
+          </a:p>
+        </p:txBody>
+      </p:sp>
+      <p:sp>
+        <p:nvSpPr>
+          <p:cNvPr id="11" name="圆角矩形标注 10"/>
+          <p:cNvSpPr/>
+          <p:nvPr/>
+        </p:nvSpPr>
+        <p:spPr>
+          <a:xfrm>
+            <a:off x="2547821" y="1812443"/>
+            <a:ext cx="1562947" cy="432048"/>
+          </a:xfrm>
+          <a:prstGeom prst="wedgeRoundRectCallout">
+            <a:avLst>
+              <a:gd name="adj1" fmla="val -69674"/>
+              <a:gd name="adj2" fmla="val 27779"/>
+              <a:gd name="adj3" fmla="val 16667"/>
+            </a:avLst>
+          </a:prstGeom>
+        </p:spPr>
+        <p:style>
+          <a:lnRef idx="2">
+            <a:schemeClr val="accent5"/>
+          </a:lnRef>
+          <a:fillRef idx="1">
+            <a:schemeClr val="lt1"/>
+          </a:fillRef>
+          <a:effectRef idx="0">
+            <a:schemeClr val="accent5"/>
+          </a:effectRef>
+          <a:fontRef idx="minor">
+            <a:schemeClr val="dk1"/>
+          </a:fontRef>
+        </p:style>
+        <p:txBody>
+          <a:bodyPr rtlCol="0" anchor="ctr"/>
+          <a:lstStyle/>
+          <a:p>
+            <a:pPr>
+              <a:lnSpc>
+                <a:spcPct val="150000"/>
+              </a:lnSpc>
+            </a:pPr>
+            <a:r>
+              <a:rPr lang="zh-CN" altLang="en-US" sz="2000" dirty="0" smtClean="0">
+                <a:solidFill>
+                  <a:schemeClr val="tx1">
+                    <a:lumMod val="75000"/>
+                    <a:lumOff val="25000"/>
+                  </a:schemeClr>
+                </a:solidFill>
+                <a:latin typeface="微软雅黑" panose="020B0503020204020204" pitchFamily="34" charset="-122"/>
+                <a:ea typeface="微软雅黑" panose="020B0503020204020204" pitchFamily="34" charset="-122"/>
+              </a:rPr>
+              <a:t>第三种花纹</a:t>
+            </a:r>
+            <a:endParaRPr lang="zh-CN" altLang="en-US" sz="2000" dirty="0">
+              <a:solidFill>
+                <a:schemeClr val="tx1">
+                  <a:lumMod val="75000"/>
+                  <a:lumOff val="25000"/>
+                </a:schemeClr>
+              </a:solidFill>
+              <a:latin typeface="微软雅黑" panose="020B0503020204020204" pitchFamily="34" charset="-122"/>
+              <a:ea typeface="微软雅黑" panose="020B0503020204020204" pitchFamily="34" charset="-122"/>
+            </a:endParaRPr>
+          </a:p>
+        </p:txBody>
+      </p:sp>
+      <p:sp>
+        <p:nvSpPr>
+          <p:cNvPr id="12" name="圆角矩形标注 11"/>
+          <p:cNvSpPr/>
+          <p:nvPr/>
+        </p:nvSpPr>
+        <p:spPr>
+          <a:xfrm>
+            <a:off x="5553173" y="1844824"/>
+            <a:ext cx="1323083" cy="432048"/>
+          </a:xfrm>
+          <a:prstGeom prst="wedgeRoundRectCallout">
+            <a:avLst>
+              <a:gd name="adj1" fmla="val -69674"/>
+              <a:gd name="adj2" fmla="val 27779"/>
+              <a:gd name="adj3" fmla="val 16667"/>
+            </a:avLst>
+          </a:prstGeom>
+        </p:spPr>
+        <p:style>
+          <a:lnRef idx="2">
+            <a:schemeClr val="accent5"/>
+          </a:lnRef>
+          <a:fillRef idx="1">
+            <a:schemeClr val="lt1"/>
+          </a:fillRef>
+          <a:effectRef idx="0">
+            <a:schemeClr val="accent5"/>
+          </a:effectRef>
+          <a:fontRef idx="minor">
+            <a:schemeClr val="dk1"/>
+          </a:fontRef>
+        </p:style>
+        <p:txBody>
+          <a:bodyPr rtlCol="0" anchor="ctr"/>
+          <a:lstStyle/>
+          <a:p>
+            <a:pPr>
+              <a:lnSpc>
+                <a:spcPct val="150000"/>
+              </a:lnSpc>
+            </a:pPr>
+            <a:r>
+              <a:rPr lang="zh-CN" altLang="en-US" sz="2000" dirty="0" smtClean="0">
+                <a:solidFill>
+                  <a:schemeClr val="tx1">
+                    <a:lumMod val="75000"/>
+                    <a:lumOff val="25000"/>
+                  </a:schemeClr>
+                </a:solidFill>
+                <a:latin typeface="微软雅黑" panose="020B0503020204020204" pitchFamily="34" charset="-122"/>
+                <a:ea typeface="微软雅黑" panose="020B0503020204020204" pitchFamily="34" charset="-122"/>
+              </a:rPr>
+              <a:t>整体明暗</a:t>
+            </a:r>
+            <a:endParaRPr lang="zh-CN" altLang="en-US" sz="2000" dirty="0">
+              <a:solidFill>
+                <a:schemeClr val="tx1">
+                  <a:lumMod val="75000"/>
+                  <a:lumOff val="25000"/>
+                </a:schemeClr>
+              </a:solidFill>
+              <a:latin typeface="微软雅黑" panose="020B0503020204020204" pitchFamily="34" charset="-122"/>
+              <a:ea typeface="微软雅黑" panose="020B0503020204020204" pitchFamily="34" charset="-122"/>
+            </a:endParaRPr>
+          </a:p>
+        </p:txBody>
+      </p:sp>
+      <p:pic>
+        <p:nvPicPr>
+          <p:cNvPr id="13" name="图片 12" descr="屏幕剪辑"/>
+          <p:cNvPicPr>
+            <a:picLocks noChangeAspect="1"/>
+          </p:cNvPicPr>
+          <p:nvPr/>
+        </p:nvPicPr>
+        <p:blipFill rotWithShape="1">
+          <a:blip r:embed="rId7">
+            <a:extLst>
+              <a:ext uri="{28A0092B-C50C-407E-A947-70E740481C1C}">
+                <a14:useLocalDpi xmlns:a14="http://schemas.microsoft.com/office/drawing/2010/main" val="0"/>
+              </a:ext>
+            </a:extLst>
+          </a:blip>
+          <a:srcRect r="51350"/>
+          <a:stretch/>
+        </p:blipFill>
+        <p:spPr>
+          <a:xfrm>
+            <a:off x="1239455" y="2706590"/>
+            <a:ext cx="1005707" cy="895475"/>
+          </a:xfrm>
+          <a:prstGeom prst="rect">
+            <a:avLst/>
+          </a:prstGeom>
+          <a:ln>
+            <a:noFill/>
+          </a:ln>
+          <a:effectLst>
+            <a:outerShdw blurRad="292100" dist="139700" dir="2700000" algn="tl" rotWithShape="0">
+              <a:srgbClr val="333333">
+                <a:alpha val="65000"/>
+              </a:srgbClr>
+            </a:outerShdw>
+          </a:effectLst>
+        </p:spPr>
+      </p:pic>
+      <p:sp>
+        <p:nvSpPr>
+          <p:cNvPr id="14" name="圆角矩形标注 13"/>
+          <p:cNvSpPr/>
+          <p:nvPr/>
+        </p:nvSpPr>
+        <p:spPr>
+          <a:xfrm>
+            <a:off x="2448983" y="2938303"/>
+            <a:ext cx="781473" cy="432048"/>
+          </a:xfrm>
+          <a:prstGeom prst="wedgeRoundRectCallout">
+            <a:avLst>
+              <a:gd name="adj1" fmla="val -69674"/>
+              <a:gd name="adj2" fmla="val 27779"/>
+              <a:gd name="adj3" fmla="val 16667"/>
+            </a:avLst>
+          </a:prstGeom>
+        </p:spPr>
+        <p:style>
+          <a:lnRef idx="2">
+            <a:schemeClr val="accent5"/>
+          </a:lnRef>
+          <a:fillRef idx="1">
+            <a:schemeClr val="lt1"/>
+          </a:fillRef>
+          <a:effectRef idx="0">
+            <a:schemeClr val="accent5"/>
+          </a:effectRef>
+          <a:fontRef idx="minor">
+            <a:schemeClr val="dk1"/>
+          </a:fontRef>
+        </p:style>
+        <p:txBody>
+          <a:bodyPr rtlCol="0" anchor="ctr"/>
+          <a:lstStyle/>
+          <a:p>
+            <a:pPr>
+              <a:lnSpc>
+                <a:spcPct val="150000"/>
+              </a:lnSpc>
+            </a:pPr>
+            <a:r>
+              <a:rPr lang="zh-CN" altLang="en-US" sz="2000" dirty="0">
+                <a:solidFill>
+                  <a:schemeClr val="tx1">
+                    <a:lumMod val="75000"/>
+                    <a:lumOff val="25000"/>
+                  </a:schemeClr>
+                </a:solidFill>
+                <a:latin typeface="微软雅黑" panose="020B0503020204020204" pitchFamily="34" charset="-122"/>
+                <a:ea typeface="微软雅黑" panose="020B0503020204020204" pitchFamily="34" charset="-122"/>
+              </a:rPr>
+              <a:t>光晕</a:t>
+            </a:r>
+            <a:endParaRPr lang="zh-CN" altLang="en-US" sz="2000" dirty="0">
+              <a:solidFill>
+                <a:schemeClr val="tx1">
+                  <a:lumMod val="75000"/>
+                  <a:lumOff val="25000"/>
+                </a:schemeClr>
+              </a:solidFill>
+              <a:latin typeface="微软雅黑" panose="020B0503020204020204" pitchFamily="34" charset="-122"/>
+              <a:ea typeface="微软雅黑" panose="020B0503020204020204" pitchFamily="34" charset="-122"/>
             </a:endParaRPr>
           </a:p>
         </p:txBody>
@@ -6156,7 +6680,7 @@
         </p:blipFill>
         <p:spPr>
           <a:xfrm>
-            <a:off x="683568" y="332656"/>
+            <a:off x="971600" y="1327532"/>
             <a:ext cx="6077798" cy="4505954"/>
           </a:xfrm>
           <a:prstGeom prst="rect">
@@ -6182,7 +6706,7 @@
         </p:nvSpPr>
         <p:spPr>
           <a:xfrm>
-            <a:off x="5277921" y="1844824"/>
+            <a:off x="5565953" y="2839700"/>
             <a:ext cx="1670343" cy="411206"/>
           </a:xfrm>
           <a:prstGeom prst="wedgeRoundRectCallout">
@@ -6276,7 +6800,7 @@
         </p:nvSpPr>
         <p:spPr>
           <a:xfrm>
-            <a:off x="1852110" y="4639759"/>
+            <a:off x="2140142" y="5634635"/>
             <a:ext cx="5096154" cy="890709"/>
           </a:xfrm>
           <a:prstGeom prst="wedgeRoundRectCallout">
@@ -6344,7 +6868,7 @@
         </p:nvSpPr>
         <p:spPr>
           <a:xfrm>
-            <a:off x="4067944" y="2492896"/>
+            <a:off x="4355976" y="3487772"/>
             <a:ext cx="1296144" cy="411206"/>
           </a:xfrm>
           <a:prstGeom prst="wedgeRoundRectCallout">
@@ -6425,7 +6949,7 @@
         </p:nvSpPr>
         <p:spPr>
           <a:xfrm>
-            <a:off x="3884748" y="3118480"/>
+            <a:off x="4172780" y="4113356"/>
             <a:ext cx="1479340" cy="411206"/>
           </a:xfrm>
           <a:prstGeom prst="wedgeRoundRectCallout">
@@ -6506,7 +7030,7 @@
         </p:nvSpPr>
         <p:spPr>
           <a:xfrm>
-            <a:off x="5036476" y="579160"/>
+            <a:off x="5324508" y="1574036"/>
             <a:ext cx="1911788" cy="806427"/>
           </a:xfrm>
           <a:prstGeom prst="wedgeRoundRectCallout">
@@ -6575,6 +7099,72 @@
               </a:solidFill>
               <a:latin typeface="微软雅黑" panose="020B0503020204020204" pitchFamily="34" charset="-122"/>
               <a:ea typeface="微软雅黑" panose="020B0503020204020204" pitchFamily="34" charset="-122"/>
+            </a:endParaRPr>
+          </a:p>
+        </p:txBody>
+      </p:sp>
+      <p:sp>
+        <p:nvSpPr>
+          <p:cNvPr id="10" name="TextBox 3"/>
+          <p:cNvSpPr txBox="1"/>
+          <p:nvPr/>
+        </p:nvSpPr>
+        <p:spPr>
+          <a:xfrm>
+            <a:off x="655319" y="327663"/>
+            <a:ext cx="7200800" cy="581057"/>
+          </a:xfrm>
+          <a:prstGeom prst="rect">
+            <a:avLst/>
+          </a:prstGeom>
+          <a:noFill/>
+        </p:spPr>
+        <p:txBody>
+          <a:bodyPr wrap="square" rtlCol="0">
+            <a:spAutoFit/>
+          </a:bodyPr>
+          <a:lstStyle/>
+          <a:p>
+            <a:pPr>
+              <a:lnSpc>
+                <a:spcPct val="150000"/>
+              </a:lnSpc>
+            </a:pPr>
+            <a:r>
+              <a:rPr lang="en-US" altLang="zh-CN" sz="2400" dirty="0" smtClean="0">
+                <a:solidFill>
+                  <a:schemeClr val="tx1">
+                    <a:lumMod val="75000"/>
+                    <a:lumOff val="25000"/>
+                  </a:schemeClr>
+                </a:solidFill>
+                <a:latin typeface="微软雅黑" pitchFamily="34" charset="-122"/>
+                <a:ea typeface="微软雅黑" pitchFamily="34" charset="-122"/>
+              </a:rPr>
+              <a:t>f.</a:t>
+            </a:r>
+            <a:r>
+              <a:rPr lang="zh-CN" altLang="en-US" sz="2400" dirty="0" smtClean="0">
+                <a:solidFill>
+                  <a:schemeClr val="tx1">
+                    <a:lumMod val="75000"/>
+                    <a:lumOff val="25000"/>
+                  </a:schemeClr>
+                </a:solidFill>
+                <a:latin typeface="微软雅黑" pitchFamily="34" charset="-122"/>
+                <a:ea typeface="微软雅黑" pitchFamily="34" charset="-122"/>
+              </a:rPr>
+              <a:t>底面条纹</a:t>
+            </a:r>
+            <a:endParaRPr lang="zh-CN" altLang="en-US" sz="2400" dirty="0">
+              <a:solidFill>
+                <a:schemeClr val="tx1">
+                  <a:lumMod val="75000"/>
+                  <a:lumOff val="25000"/>
+                </a:schemeClr>
+              </a:solidFill>
+              <a:latin typeface="微软雅黑" pitchFamily="34" charset="-122"/>
+              <a:ea typeface="微软雅黑" pitchFamily="34" charset="-122"/>
             </a:endParaRPr>
           </a:p>
         </p:txBody>
@@ -7035,7 +7625,7 @@
         <p:spPr>
           <a:xfrm>
             <a:off x="1763688" y="1950360"/>
-            <a:ext cx="1584176" cy="864096"/>
+            <a:ext cx="1584176" cy="902576"/>
           </a:xfrm>
           <a:prstGeom prst="rect">
             <a:avLst/>
@@ -7369,7 +7959,7 @@
         </p:nvSpPr>
         <p:spPr>
           <a:xfrm>
-            <a:off x="467544" y="1484784"/>
+            <a:off x="539552" y="1340768"/>
             <a:ext cx="7200800" cy="1754326"/>
           </a:xfrm>
           <a:prstGeom prst="rect">
@@ -7425,7 +8015,20 @@
                 <a:latin typeface="微软雅黑" pitchFamily="34" charset="-122"/>
                 <a:ea typeface="微软雅黑" pitchFamily="34" charset="-122"/>
               </a:rPr>
-              <a:t>标签的特有选择器：</a:t>
+              <a:t>标签的特有选择</a:t>
+            </a:r>
+            <a:r>
+              <a:rPr lang="zh-CN" altLang="en-US" sz="2400" dirty="0" smtClean="0">
+                <a:solidFill>
+                  <a:schemeClr val="tx1">
+                    <a:lumMod val="75000"/>
+                    <a:lumOff val="25000"/>
+                  </a:schemeClr>
+                </a:solidFill>
+                <a:latin typeface="微软雅黑" pitchFamily="34" charset="-122"/>
+                <a:ea typeface="微软雅黑" pitchFamily="34" charset="-122"/>
+              </a:rPr>
+              <a:t>器 </a:t>
             </a:r>
             <a:r>
               <a:rPr lang="en-US" altLang="zh-CN" sz="2400" dirty="0" smtClean="0">
@@ -7438,7 +8041,7 @@
                 <a:latin typeface="微软雅黑" pitchFamily="34" charset="-122"/>
                 <a:ea typeface="微软雅黑" pitchFamily="34" charset="-122"/>
               </a:rPr>
-              <a:t>checked</a:t>
+              <a:t>:checked</a:t>
             </a:r>
             <a:r>
               <a:rPr lang="zh-CN" altLang="en-US" sz="2400" dirty="0" smtClean="0">
@@ -7505,6 +8108,248 @@
               </a:solidFill>
               <a:latin typeface="微软雅黑" pitchFamily="34" charset="-122"/>
               <a:ea typeface="微软雅黑" pitchFamily="34" charset="-122"/>
+            </a:endParaRPr>
+          </a:p>
+        </p:txBody>
+      </p:sp>
+      <p:pic>
+        <p:nvPicPr>
+          <p:cNvPr id="4" name="图片 3" descr="屏幕剪辑"/>
+          <p:cNvPicPr>
+            <a:picLocks noChangeAspect="1"/>
+          </p:cNvPicPr>
+          <p:nvPr/>
+        </p:nvPicPr>
+        <p:blipFill>
+          <a:blip r:embed="rId2">
+            <a:extLst>
+              <a:ext uri="{28A0092B-C50C-407E-A947-70E740481C1C}">
+                <a14:useLocalDpi xmlns:a14="http://schemas.microsoft.com/office/drawing/2010/main" val="0"/>
+              </a:ext>
+            </a:extLst>
+          </a:blip>
+          <a:stretch>
+            <a:fillRect/>
+          </a:stretch>
+        </p:blipFill>
+        <p:spPr>
+          <a:xfrm>
+            <a:off x="683568" y="3429000"/>
+            <a:ext cx="2676899" cy="342948"/>
+          </a:xfrm>
+          <a:prstGeom prst="rect">
+            <a:avLst/>
+          </a:prstGeom>
+          <a:ln>
+            <a:noFill/>
+          </a:ln>
+          <a:effectLst>
+            <a:outerShdw blurRad="292100" dist="139700" dir="2700000" algn="tl" rotWithShape="0">
+              <a:srgbClr val="333333">
+                <a:alpha val="65000"/>
+              </a:srgbClr>
+            </a:outerShdw>
+          </a:effectLst>
+        </p:spPr>
+      </p:pic>
+      <p:pic>
+        <p:nvPicPr>
+          <p:cNvPr id="5" name="图片 4" descr="屏幕剪辑"/>
+          <p:cNvPicPr>
+            <a:picLocks noChangeAspect="1"/>
+          </p:cNvPicPr>
+          <p:nvPr/>
+        </p:nvPicPr>
+        <p:blipFill>
+          <a:blip r:embed="rId3">
+            <a:extLst>
+              <a:ext uri="{28A0092B-C50C-407E-A947-70E740481C1C}">
+                <a14:useLocalDpi xmlns:a14="http://schemas.microsoft.com/office/drawing/2010/main" val="0"/>
+              </a:ext>
+            </a:extLst>
+          </a:blip>
+          <a:stretch>
+            <a:fillRect/>
+          </a:stretch>
+        </p:blipFill>
+        <p:spPr>
+          <a:xfrm>
+            <a:off x="683568" y="4365104"/>
+            <a:ext cx="3696216" cy="362001"/>
+          </a:xfrm>
+          <a:prstGeom prst="rect">
+            <a:avLst/>
+          </a:prstGeom>
+          <a:ln>
+            <a:noFill/>
+          </a:ln>
+          <a:effectLst>
+            <a:outerShdw blurRad="292100" dist="139700" dir="2700000" algn="tl" rotWithShape="0">
+              <a:srgbClr val="333333">
+                <a:alpha val="65000"/>
+              </a:srgbClr>
+            </a:outerShdw>
+          </a:effectLst>
+        </p:spPr>
+      </p:pic>
+      <p:sp>
+        <p:nvSpPr>
+          <p:cNvPr id="7" name="圆角矩形标注 6"/>
+          <p:cNvSpPr/>
+          <p:nvPr/>
+        </p:nvSpPr>
+        <p:spPr>
+          <a:xfrm>
+            <a:off x="3635896" y="3363158"/>
+            <a:ext cx="3384376" cy="403214"/>
+          </a:xfrm>
+          <a:prstGeom prst="wedgeRoundRectCallout">
+            <a:avLst>
+              <a:gd name="adj1" fmla="val -56494"/>
+              <a:gd name="adj2" fmla="val 18912"/>
+              <a:gd name="adj3" fmla="val 16667"/>
+            </a:avLst>
+          </a:prstGeom>
+        </p:spPr>
+        <p:style>
+          <a:lnRef idx="2">
+            <a:schemeClr val="accent6"/>
+          </a:lnRef>
+          <a:fillRef idx="1">
+            <a:schemeClr val="lt1"/>
+          </a:fillRef>
+          <a:effectRef idx="0">
+            <a:schemeClr val="accent6"/>
+          </a:effectRef>
+          <a:fontRef idx="minor">
+            <a:schemeClr val="dk1"/>
+          </a:fontRef>
+        </p:style>
+        <p:txBody>
+          <a:bodyPr rtlCol="0" anchor="ctr"/>
+          <a:lstStyle/>
+          <a:p>
+            <a:pPr>
+              <a:lnSpc>
+                <a:spcPct val="150000"/>
+              </a:lnSpc>
+            </a:pPr>
+            <a:r>
+              <a:rPr lang="en-US" altLang="zh-CN" sz="2000" dirty="0" smtClean="0">
+                <a:solidFill>
+                  <a:schemeClr val="tx1">
+                    <a:lumMod val="75000"/>
+                    <a:lumOff val="25000"/>
+                  </a:schemeClr>
+                </a:solidFill>
+                <a:latin typeface="微软雅黑" panose="020B0503020204020204" pitchFamily="34" charset="-122"/>
+                <a:ea typeface="微软雅黑" panose="020B0503020204020204" pitchFamily="34" charset="-122"/>
+              </a:rPr>
+              <a:t> </a:t>
+            </a:r>
+            <a:r>
+              <a:rPr lang="zh-CN" altLang="en-US" sz="2000" dirty="0" smtClean="0">
+                <a:solidFill>
+                  <a:schemeClr val="tx1">
+                    <a:lumMod val="75000"/>
+                    <a:lumOff val="25000"/>
+                  </a:schemeClr>
+                </a:solidFill>
+                <a:latin typeface="微软雅黑" panose="020B0503020204020204" pitchFamily="34" charset="-122"/>
+                <a:ea typeface="微软雅黑" panose="020B0503020204020204" pitchFamily="34" charset="-122"/>
+              </a:rPr>
+              <a:t>复选框选中时的开关底面</a:t>
+            </a:r>
+            <a:endParaRPr lang="zh-CN" altLang="en-US" sz="2000" dirty="0">
+              <a:solidFill>
+                <a:schemeClr val="tx1">
+                  <a:lumMod val="75000"/>
+                  <a:lumOff val="25000"/>
+                </a:schemeClr>
+              </a:solidFill>
+              <a:latin typeface="微软雅黑" panose="020B0503020204020204" pitchFamily="34" charset="-122"/>
+              <a:ea typeface="微软雅黑" panose="020B0503020204020204" pitchFamily="34" charset="-122"/>
+            </a:endParaRPr>
+          </a:p>
+        </p:txBody>
+      </p:sp>
+      <p:sp>
+        <p:nvSpPr>
+          <p:cNvPr id="8" name="圆角矩形标注 7"/>
+          <p:cNvSpPr/>
+          <p:nvPr/>
+        </p:nvSpPr>
+        <p:spPr>
+          <a:xfrm>
+            <a:off x="4644008" y="4323891"/>
+            <a:ext cx="2520280" cy="403214"/>
+          </a:xfrm>
+          <a:prstGeom prst="wedgeRoundRectCallout">
+            <a:avLst>
+              <a:gd name="adj1" fmla="val -56494"/>
+              <a:gd name="adj2" fmla="val 18912"/>
+              <a:gd name="adj3" fmla="val 16667"/>
+            </a:avLst>
+          </a:prstGeom>
+        </p:spPr>
+        <p:style>
+          <a:lnRef idx="2">
+            <a:schemeClr val="accent6"/>
+          </a:lnRef>
+          <a:fillRef idx="1">
+            <a:schemeClr val="lt1"/>
+          </a:fillRef>
+          <a:effectRef idx="0">
+            <a:schemeClr val="accent6"/>
+          </a:effectRef>
+          <a:fontRef idx="minor">
+            <a:schemeClr val="dk1"/>
+          </a:fontRef>
+        </p:style>
+        <p:txBody>
+          <a:bodyPr rtlCol="0" anchor="ctr"/>
+          <a:lstStyle/>
+          <a:p>
+            <a:pPr>
+              <a:lnSpc>
+                <a:spcPct val="150000"/>
+              </a:lnSpc>
+            </a:pPr>
+            <a:r>
+              <a:rPr lang="zh-CN" altLang="en-US" sz="2000" dirty="0">
+                <a:solidFill>
+                  <a:schemeClr val="tx1">
+                    <a:lumMod val="75000"/>
+                    <a:lumOff val="25000"/>
+                  </a:schemeClr>
+                </a:solidFill>
+                <a:latin typeface="微软雅黑" panose="020B0503020204020204" pitchFamily="34" charset="-122"/>
+                <a:ea typeface="微软雅黑" panose="020B0503020204020204" pitchFamily="34" charset="-122"/>
+              </a:rPr>
+              <a:t>复选框选中时</a:t>
+            </a:r>
+            <a:r>
+              <a:rPr lang="zh-CN" altLang="en-US" sz="2000" dirty="0" smtClean="0">
+                <a:solidFill>
+                  <a:schemeClr val="tx1">
+                    <a:lumMod val="75000"/>
+                    <a:lumOff val="25000"/>
+                  </a:schemeClr>
+                </a:solidFill>
+                <a:latin typeface="微软雅黑" panose="020B0503020204020204" pitchFamily="34" charset="-122"/>
+                <a:ea typeface="微软雅黑" panose="020B0503020204020204" pitchFamily="34" charset="-122"/>
+              </a:rPr>
+              <a:t>的按钮</a:t>
+            </a:r>
+            <a:endParaRPr lang="zh-CN" altLang="en-US" sz="2000" dirty="0">
+              <a:solidFill>
+                <a:schemeClr val="tx1">
+                  <a:lumMod val="75000"/>
+                  <a:lumOff val="25000"/>
+                </a:schemeClr>
+              </a:solidFill>
+              <a:latin typeface="微软雅黑" panose="020B0503020204020204" pitchFamily="34" charset="-122"/>
+              <a:ea typeface="微软雅黑" panose="020B0503020204020204" pitchFamily="34" charset="-122"/>
             </a:endParaRPr>
           </a:p>
         </p:txBody>
@@ -7679,16 +8524,6 @@
               </a:rPr>
               <a:t>2.5</a:t>
             </a:r>
-            <a:endParaRPr lang="en-US" altLang="zh-CN" sz="2400" dirty="0" smtClean="0">
-              <a:solidFill>
-                <a:schemeClr val="tx1">
-                  <a:lumMod val="75000"/>
-                  <a:lumOff val="25000"/>
-                </a:schemeClr>
-              </a:solidFill>
-              <a:latin typeface="微软雅黑" pitchFamily="34" charset="-122"/>
-              <a:ea typeface="微软雅黑" pitchFamily="34" charset="-122"/>
-            </a:endParaRPr>
           </a:p>
           <a:p>
             <a:pPr>
@@ -7772,7 +8607,20 @@
                 <a:latin typeface="微软雅黑" pitchFamily="34" charset="-122"/>
                 <a:ea typeface="微软雅黑" pitchFamily="34" charset="-122"/>
               </a:rPr>
-              <a:t>通过</a:t>
+              <a:t>通过渐变背景</a:t>
+            </a:r>
+            <a:r>
+              <a:rPr lang="zh-CN" altLang="en-US" sz="2400" dirty="0">
+                <a:solidFill>
+                  <a:schemeClr val="tx1">
+                    <a:lumMod val="75000"/>
+                    <a:lumOff val="25000"/>
+                  </a:schemeClr>
+                </a:solidFill>
+                <a:latin typeface="微软雅黑" pitchFamily="34" charset="-122"/>
+                <a:ea typeface="微软雅黑" pitchFamily="34" charset="-122"/>
+              </a:rPr>
+              <a:t>色</a:t>
             </a:r>
             <a:r>
               <a:rPr lang="zh-CN" altLang="en-US" sz="2400" dirty="0" smtClean="0">
@@ -7785,7 +8633,7 @@
                 <a:latin typeface="微软雅黑" pitchFamily="34" charset="-122"/>
                 <a:ea typeface="微软雅黑" pitchFamily="34" charset="-122"/>
               </a:rPr>
-              <a:t>渐变背景</a:t>
+              <a:t>技术，</a:t>
             </a:r>
             <a:r>
               <a:rPr lang="zh-CN" altLang="en-US" sz="2400" dirty="0">
@@ -7798,7 +8646,7 @@
                 <a:latin typeface="微软雅黑" pitchFamily="34" charset="-122"/>
                 <a:ea typeface="微软雅黑" pitchFamily="34" charset="-122"/>
               </a:rPr>
-              <a:t>色</a:t>
+              <a:t>模拟金属</a:t>
             </a:r>
             <a:r>
               <a:rPr lang="zh-CN" altLang="en-US" sz="2400" dirty="0" smtClean="0">
@@ -7811,20 +8659,17 @@
                 <a:latin typeface="微软雅黑" pitchFamily="34" charset="-122"/>
                 <a:ea typeface="微软雅黑" pitchFamily="34" charset="-122"/>
               </a:rPr>
-              <a:t>技术，</a:t>
-            </a:r>
-            <a:r>
-              <a:rPr lang="zh-CN" altLang="en-US" sz="2400" dirty="0">
-                <a:solidFill>
-                  <a:schemeClr val="tx1">
-                    <a:lumMod val="75000"/>
-                    <a:lumOff val="25000"/>
-                  </a:schemeClr>
-                </a:solidFill>
-                <a:latin typeface="微软雅黑" pitchFamily="34" charset="-122"/>
-                <a:ea typeface="微软雅黑" pitchFamily="34" charset="-122"/>
-              </a:rPr>
-              <a:t>模拟金属</a:t>
+              <a:t>拉丝的</a:t>
+            </a:r>
+            <a:r>
+              <a:rPr lang="zh-CN" altLang="en-US" sz="2400" b="1" dirty="0" smtClean="0">
+                <a:solidFill>
+                  <a:srgbClr val="C00000"/>
+                </a:solidFill>
+                <a:latin typeface="微软雅黑" pitchFamily="34" charset="-122"/>
+                <a:ea typeface="微软雅黑" pitchFamily="34" charset="-122"/>
+              </a:rPr>
+              <a:t>按钮</a:t>
             </a:r>
             <a:r>
               <a:rPr lang="zh-CN" altLang="en-US" sz="2400" dirty="0" smtClean="0">
@@ -7837,7 +8682,17 @@
                 <a:latin typeface="微软雅黑" pitchFamily="34" charset="-122"/>
                 <a:ea typeface="微软雅黑" pitchFamily="34" charset="-122"/>
               </a:rPr>
-              <a:t>拉丝</a:t>
+              <a:t>，用投影技术实现</a:t>
+            </a:r>
+            <a:r>
+              <a:rPr lang="zh-CN" altLang="en-US" sz="2400" b="1" dirty="0" smtClean="0">
+                <a:solidFill>
+                  <a:srgbClr val="C00000"/>
+                </a:solidFill>
+                <a:latin typeface="微软雅黑" pitchFamily="34" charset="-122"/>
+                <a:ea typeface="微软雅黑" pitchFamily="34" charset="-122"/>
+              </a:rPr>
+              <a:t>霓虹灯</a:t>
             </a:r>
             <a:r>
               <a:rPr lang="zh-CN" altLang="en-US" sz="2400" dirty="0" smtClean="0">
@@ -7850,17 +8705,43 @@
                 <a:latin typeface="微软雅黑" pitchFamily="34" charset="-122"/>
                 <a:ea typeface="微软雅黑" pitchFamily="34" charset="-122"/>
               </a:rPr>
-              <a:t>的</a:t>
-            </a:r>
-            <a:r>
-              <a:rPr lang="zh-CN" altLang="en-US" sz="2400" b="1" dirty="0" smtClean="0">
+              <a:t>效果。用</a:t>
+            </a:r>
+            <a:r>
+              <a:rPr lang="en-US" altLang="zh-CN" sz="2400" dirty="0" smtClean="0">
+                <a:solidFill>
+                  <a:schemeClr val="tx1">
+                    <a:lumMod val="75000"/>
+                    <a:lumOff val="25000"/>
+                  </a:schemeClr>
+                </a:solidFill>
+                <a:latin typeface="微软雅黑" pitchFamily="34" charset="-122"/>
+                <a:ea typeface="微软雅黑" pitchFamily="34" charset="-122"/>
+              </a:rPr>
+              <a:t>:check</a:t>
+            </a:r>
+            <a:r>
+              <a:rPr lang="zh-CN" altLang="en-US" sz="2400" dirty="0" smtClean="0">
+                <a:solidFill>
+                  <a:schemeClr val="tx1">
+                    <a:lumMod val="75000"/>
+                    <a:lumOff val="25000"/>
+                  </a:schemeClr>
+                </a:solidFill>
+                <a:latin typeface="微软雅黑" pitchFamily="34" charset="-122"/>
+                <a:ea typeface="微软雅黑" pitchFamily="34" charset="-122"/>
+              </a:rPr>
+              <a:t>和兄弟选择器实现按钮</a:t>
+            </a:r>
+            <a:r>
+              <a:rPr lang="zh-CN" altLang="en-US" sz="2400" b="1" dirty="0">
                 <a:solidFill>
                   <a:srgbClr val="C00000"/>
                 </a:solidFill>
                 <a:latin typeface="微软雅黑" pitchFamily="34" charset="-122"/>
                 <a:ea typeface="微软雅黑" pitchFamily="34" charset="-122"/>
               </a:rPr>
-              <a:t>按钮</a:t>
+              <a:t>开关</a:t>
             </a:r>
             <a:r>
               <a:rPr lang="zh-CN" altLang="en-US" sz="2400" dirty="0" smtClean="0">
@@ -7873,118 +8754,7 @@
                 <a:latin typeface="微软雅黑" pitchFamily="34" charset="-122"/>
                 <a:ea typeface="微软雅黑" pitchFamily="34" charset="-122"/>
               </a:rPr>
-              <a:t>，用投影技术实现</a:t>
-            </a:r>
-            <a:r>
-              <a:rPr lang="zh-CN" altLang="en-US" sz="2400" b="1" dirty="0" smtClean="0">
-                <a:solidFill>
-                  <a:srgbClr val="C00000"/>
-                </a:solidFill>
-                <a:latin typeface="微软雅黑" pitchFamily="34" charset="-122"/>
-                <a:ea typeface="微软雅黑" pitchFamily="34" charset="-122"/>
-              </a:rPr>
-              <a:t>霓虹灯</a:t>
-            </a:r>
-            <a:r>
-              <a:rPr lang="zh-CN" altLang="en-US" sz="2400" dirty="0" smtClean="0">
-                <a:solidFill>
-                  <a:schemeClr val="tx1">
-                    <a:lumMod val="75000"/>
-                    <a:lumOff val="25000"/>
-                  </a:schemeClr>
-                </a:solidFill>
-                <a:latin typeface="微软雅黑" pitchFamily="34" charset="-122"/>
-                <a:ea typeface="微软雅黑" pitchFamily="34" charset="-122"/>
-              </a:rPr>
-              <a:t>效果</a:t>
-            </a:r>
-            <a:r>
-              <a:rPr lang="zh-CN" altLang="en-US" sz="2400" dirty="0" smtClean="0">
-                <a:solidFill>
-                  <a:schemeClr val="tx1">
-                    <a:lumMod val="75000"/>
-                    <a:lumOff val="25000"/>
-                  </a:schemeClr>
-                </a:solidFill>
-                <a:latin typeface="微软雅黑" pitchFamily="34" charset="-122"/>
-                <a:ea typeface="微软雅黑" pitchFamily="34" charset="-122"/>
-              </a:rPr>
-              <a:t>。用</a:t>
-            </a:r>
-            <a:r>
-              <a:rPr lang="en-US" altLang="zh-CN" sz="2400" dirty="0" smtClean="0">
-                <a:solidFill>
-                  <a:schemeClr val="tx1">
-                    <a:lumMod val="75000"/>
-                    <a:lumOff val="25000"/>
-                  </a:schemeClr>
-                </a:solidFill>
-                <a:latin typeface="微软雅黑" pitchFamily="34" charset="-122"/>
-                <a:ea typeface="微软雅黑" pitchFamily="34" charset="-122"/>
-              </a:rPr>
-              <a:t>:check</a:t>
-            </a:r>
-            <a:r>
-              <a:rPr lang="zh-CN" altLang="en-US" sz="2400" dirty="0" smtClean="0">
-                <a:solidFill>
-                  <a:schemeClr val="tx1">
-                    <a:lumMod val="75000"/>
-                    <a:lumOff val="25000"/>
-                  </a:schemeClr>
-                </a:solidFill>
-                <a:latin typeface="微软雅黑" pitchFamily="34" charset="-122"/>
-                <a:ea typeface="微软雅黑" pitchFamily="34" charset="-122"/>
-              </a:rPr>
-              <a:t>和兄弟选择</a:t>
-            </a:r>
-            <a:r>
-              <a:rPr lang="zh-CN" altLang="en-US" sz="2400" dirty="0" smtClean="0">
-                <a:solidFill>
-                  <a:schemeClr val="tx1">
-                    <a:lumMod val="75000"/>
-                    <a:lumOff val="25000"/>
-                  </a:schemeClr>
-                </a:solidFill>
-                <a:latin typeface="微软雅黑" pitchFamily="34" charset="-122"/>
-                <a:ea typeface="微软雅黑" pitchFamily="34" charset="-122"/>
-              </a:rPr>
-              <a:t>器实现按钮</a:t>
-            </a:r>
-            <a:r>
-              <a:rPr lang="zh-CN" altLang="en-US" sz="2400" b="1" dirty="0">
-                <a:solidFill>
-                  <a:srgbClr val="C00000"/>
-                </a:solidFill>
-                <a:latin typeface="微软雅黑" pitchFamily="34" charset="-122"/>
-                <a:ea typeface="微软雅黑" pitchFamily="34" charset="-122"/>
-              </a:rPr>
-              <a:t>开关</a:t>
-            </a:r>
-            <a:r>
-              <a:rPr lang="zh-CN" altLang="en-US" sz="2400" dirty="0" smtClean="0">
-                <a:solidFill>
-                  <a:schemeClr val="tx1">
-                    <a:lumMod val="75000"/>
-                    <a:lumOff val="25000"/>
-                  </a:schemeClr>
-                </a:solidFill>
-                <a:latin typeface="微软雅黑" pitchFamily="34" charset="-122"/>
-                <a:ea typeface="微软雅黑" pitchFamily="34" charset="-122"/>
-              </a:rPr>
-              <a:t>霓虹灯</a:t>
-            </a:r>
-            <a:r>
-              <a:rPr lang="zh-CN" altLang="en-US" sz="2400" dirty="0" smtClean="0">
-                <a:solidFill>
-                  <a:schemeClr val="tx1">
-                    <a:lumMod val="75000"/>
-                    <a:lumOff val="25000"/>
-                  </a:schemeClr>
-                </a:solidFill>
-                <a:latin typeface="微软雅黑" pitchFamily="34" charset="-122"/>
-                <a:ea typeface="微软雅黑" pitchFamily="34" charset="-122"/>
-              </a:rPr>
-              <a:t>！</a:t>
+              <a:t>霓虹灯！</a:t>
             </a:r>
             <a:endParaRPr lang="en-US" altLang="zh-CN" sz="2400" dirty="0" smtClean="0">
               <a:solidFill>
@@ -8107,16 +8877,426 @@
           <a:chExt cx="0" cy="0"/>
         </a:xfrm>
       </p:grpSpPr>
-      <p:sp>
-        <p:nvSpPr>
-          <p:cNvPr id="4" name="TextBox 3"/>
+      <p:pic>
+        <p:nvPicPr>
+          <p:cNvPr id="2" name="图片 1" descr="屏幕剪辑"/>
+          <p:cNvPicPr>
+            <a:picLocks noChangeAspect="1"/>
+          </p:cNvPicPr>
+          <p:nvPr/>
+        </p:nvPicPr>
+        <p:blipFill>
+          <a:blip r:embed="rId2">
+            <a:extLst>
+              <a:ext uri="{28A0092B-C50C-407E-A947-70E740481C1C}">
+                <a14:useLocalDpi xmlns:a14="http://schemas.microsoft.com/office/drawing/2010/main" val="0"/>
+              </a:ext>
+            </a:extLst>
+          </a:blip>
+          <a:stretch>
+            <a:fillRect/>
+          </a:stretch>
+        </p:blipFill>
+        <p:spPr>
+          <a:xfrm>
+            <a:off x="827584" y="692696"/>
+            <a:ext cx="4629796" cy="2029108"/>
+          </a:xfrm>
+          <a:prstGeom prst="rect">
+            <a:avLst/>
+          </a:prstGeom>
+          <a:ln>
+            <a:noFill/>
+          </a:ln>
+          <a:effectLst>
+            <a:outerShdw blurRad="292100" dist="139700" dir="2700000" algn="tl" rotWithShape="0">
+              <a:srgbClr val="333333">
+                <a:alpha val="65000"/>
+              </a:srgbClr>
+            </a:outerShdw>
+          </a:effectLst>
+        </p:spPr>
+      </p:pic>
+      <p:pic>
+        <p:nvPicPr>
+          <p:cNvPr id="3" name="图片 2" descr="屏幕剪辑"/>
+          <p:cNvPicPr>
+            <a:picLocks noChangeAspect="1"/>
+          </p:cNvPicPr>
+          <p:nvPr/>
+        </p:nvPicPr>
+        <p:blipFill>
+          <a:blip r:embed="rId3">
+            <a:extLst>
+              <a:ext uri="{28A0092B-C50C-407E-A947-70E740481C1C}">
+                <a14:useLocalDpi xmlns:a14="http://schemas.microsoft.com/office/drawing/2010/main" val="0"/>
+              </a:ext>
+            </a:extLst>
+          </a:blip>
+          <a:stretch>
+            <a:fillRect/>
+          </a:stretch>
+        </p:blipFill>
+        <p:spPr>
+          <a:xfrm>
+            <a:off x="840284" y="3717032"/>
+            <a:ext cx="4020111" cy="2086266"/>
+          </a:xfrm>
+          <a:prstGeom prst="rect">
+            <a:avLst/>
+          </a:prstGeom>
+          <a:ln>
+            <a:noFill/>
+          </a:ln>
+          <a:effectLst>
+            <a:outerShdw blurRad="292100" dist="139700" dir="2700000" algn="tl" rotWithShape="0">
+              <a:srgbClr val="333333">
+                <a:alpha val="65000"/>
+              </a:srgbClr>
+            </a:outerShdw>
+          </a:effectLst>
+        </p:spPr>
+      </p:pic>
+      <p:sp>
+        <p:nvSpPr>
+          <p:cNvPr id="4" name="圆角矩形标注 3"/>
+          <p:cNvSpPr/>
+          <p:nvPr/>
+        </p:nvSpPr>
+        <p:spPr>
+          <a:xfrm>
+            <a:off x="2627784" y="2516200"/>
+            <a:ext cx="3816424" cy="912800"/>
+          </a:xfrm>
+          <a:prstGeom prst="wedgeRoundRectCallout">
+            <a:avLst>
+              <a:gd name="adj1" fmla="val -27273"/>
+              <a:gd name="adj2" fmla="val -68747"/>
+              <a:gd name="adj3" fmla="val 16667"/>
+            </a:avLst>
+          </a:prstGeom>
+        </p:spPr>
+        <p:style>
+          <a:lnRef idx="2">
+            <a:schemeClr val="accent5"/>
+          </a:lnRef>
+          <a:fillRef idx="1">
+            <a:schemeClr val="lt1"/>
+          </a:fillRef>
+          <a:effectRef idx="0">
+            <a:schemeClr val="accent5"/>
+          </a:effectRef>
+          <a:fontRef idx="minor">
+            <a:schemeClr val="dk1"/>
+          </a:fontRef>
+        </p:style>
+        <p:txBody>
+          <a:bodyPr rtlCol="0" anchor="ctr"/>
+          <a:lstStyle/>
+          <a:p>
+            <a:pPr>
+              <a:lnSpc>
+                <a:spcPct val="150000"/>
+              </a:lnSpc>
+            </a:pPr>
+            <a:r>
+              <a:rPr lang="en-US" altLang="zh-CN" sz="2000" dirty="0" smtClean="0">
+                <a:solidFill>
+                  <a:schemeClr val="tx1">
+                    <a:lumMod val="75000"/>
+                    <a:lumOff val="25000"/>
+                  </a:schemeClr>
+                </a:solidFill>
+                <a:latin typeface="微软雅黑" panose="020B0503020204020204" pitchFamily="34" charset="-122"/>
+                <a:ea typeface="微软雅黑" panose="020B0503020204020204" pitchFamily="34" charset="-122"/>
+              </a:rPr>
+              <a:t> </a:t>
+            </a:r>
+            <a:r>
+              <a:rPr lang="zh-CN" altLang="en-US" sz="2000" dirty="0" smtClean="0">
+                <a:solidFill>
+                  <a:schemeClr val="tx1">
+                    <a:lumMod val="75000"/>
+                    <a:lumOff val="25000"/>
+                  </a:schemeClr>
+                </a:solidFill>
+                <a:latin typeface="微软雅黑" panose="020B0503020204020204" pitchFamily="34" charset="-122"/>
+                <a:ea typeface="微软雅黑" panose="020B0503020204020204" pitchFamily="34" charset="-122"/>
+              </a:rPr>
+              <a:t>打开开关，背景颜色和条纹同时移动，变成红色底面</a:t>
+            </a:r>
+            <a:endParaRPr lang="zh-CN" altLang="en-US" sz="2000" dirty="0">
+              <a:solidFill>
+                <a:schemeClr val="tx1">
+                  <a:lumMod val="75000"/>
+                  <a:lumOff val="25000"/>
+                </a:schemeClr>
+              </a:solidFill>
+              <a:latin typeface="微软雅黑" panose="020B0503020204020204" pitchFamily="34" charset="-122"/>
+              <a:ea typeface="微软雅黑" panose="020B0503020204020204" pitchFamily="34" charset="-122"/>
+            </a:endParaRPr>
+          </a:p>
+        </p:txBody>
+      </p:sp>
+      <p:sp>
+        <p:nvSpPr>
+          <p:cNvPr id="5" name="圆角矩形标注 4"/>
+          <p:cNvSpPr/>
+          <p:nvPr/>
+        </p:nvSpPr>
+        <p:spPr>
+          <a:xfrm>
+            <a:off x="3275856" y="5646525"/>
+            <a:ext cx="2843953" cy="912800"/>
+          </a:xfrm>
+          <a:prstGeom prst="wedgeRoundRectCallout">
+            <a:avLst>
+              <a:gd name="adj1" fmla="val -27273"/>
+              <a:gd name="adj2" fmla="val -68747"/>
+              <a:gd name="adj3" fmla="val 16667"/>
+            </a:avLst>
+          </a:prstGeom>
+        </p:spPr>
+        <p:style>
+          <a:lnRef idx="2">
+            <a:schemeClr val="accent5"/>
+          </a:lnRef>
+          <a:fillRef idx="1">
+            <a:schemeClr val="lt1"/>
+          </a:fillRef>
+          <a:effectRef idx="0">
+            <a:schemeClr val="accent5"/>
+          </a:effectRef>
+          <a:fontRef idx="minor">
+            <a:schemeClr val="dk1"/>
+          </a:fontRef>
+        </p:style>
+        <p:txBody>
+          <a:bodyPr rtlCol="0" anchor="ctr"/>
+          <a:lstStyle/>
+          <a:p>
+            <a:pPr>
+              <a:lnSpc>
+                <a:spcPct val="150000"/>
+              </a:lnSpc>
+            </a:pPr>
+            <a:r>
+              <a:rPr lang="en-US" altLang="zh-CN" sz="2000" dirty="0" smtClean="0">
+                <a:solidFill>
+                  <a:schemeClr val="tx1">
+                    <a:lumMod val="75000"/>
+                    <a:lumOff val="25000"/>
+                  </a:schemeClr>
+                </a:solidFill>
+                <a:latin typeface="微软雅黑" panose="020B0503020204020204" pitchFamily="34" charset="-122"/>
+                <a:ea typeface="微软雅黑" panose="020B0503020204020204" pitchFamily="34" charset="-122"/>
+              </a:rPr>
+              <a:t> </a:t>
+            </a:r>
+            <a:r>
+              <a:rPr lang="zh-CN" altLang="en-US" sz="2000" dirty="0" smtClean="0">
+                <a:solidFill>
+                  <a:schemeClr val="tx1">
+                    <a:lumMod val="75000"/>
+                    <a:lumOff val="25000"/>
+                  </a:schemeClr>
+                </a:solidFill>
+                <a:latin typeface="微软雅黑" panose="020B0503020204020204" pitchFamily="34" charset="-122"/>
+                <a:ea typeface="微软雅黑" panose="020B0503020204020204" pitchFamily="34" charset="-122"/>
+              </a:rPr>
+              <a:t>打开开关，按钮从左侧移动到移动到右侧</a:t>
+            </a:r>
+            <a:endParaRPr lang="zh-CN" altLang="en-US" sz="2000" dirty="0">
+              <a:solidFill>
+                <a:schemeClr val="tx1">
+                  <a:lumMod val="75000"/>
+                  <a:lumOff val="25000"/>
+                </a:schemeClr>
+              </a:solidFill>
+              <a:latin typeface="微软雅黑" panose="020B0503020204020204" pitchFamily="34" charset="-122"/>
+              <a:ea typeface="微软雅黑" panose="020B0503020204020204" pitchFamily="34" charset="-122"/>
+            </a:endParaRPr>
+          </a:p>
+        </p:txBody>
+      </p:sp>
+    </p:spTree>
+    <p:extLst>
+      <p:ext uri="{BB962C8B-B14F-4D97-AF65-F5344CB8AC3E}">
+        <p14:creationId xmlns:p14="http://schemas.microsoft.com/office/powerpoint/2010/main" val="132669425"/>
+      </p:ext>
+    </p:extLst>
+  </p:cSld>
+  <p:clrMapOvr>
+    <a:masterClrMapping/>
+  </p:clrMapOvr>
+</p:sld>
+</file>
+
+<file path=ppt/slides/slide21.xml><?xml version="1.0" encoding="utf-8"?>
+<p:sld xmlns:a="http://schemas.openxmlformats.org/drawingml/2006/main" xmlns:r="http://schemas.openxmlformats.org/officeDocument/2006/relationships" xmlns:p="http://schemas.openxmlformats.org/presentationml/2006/main">
+  <p:cSld>
+    <p:spTree>
+      <p:nvGrpSpPr>
+        <p:cNvPr id="1" name=""/>
+        <p:cNvGrpSpPr/>
+        <p:nvPr/>
+      </p:nvGrpSpPr>
+      <p:grpSpPr>
+        <a:xfrm>
+          <a:off x="0" y="0"/>
+          <a:ext cx="0" cy="0"/>
+          <a:chOff x="0" y="0"/>
+          <a:chExt cx="0" cy="0"/>
+        </a:xfrm>
+      </p:grpSpPr>
+      <p:pic>
+        <p:nvPicPr>
+          <p:cNvPr id="2" name="图片 1" descr="屏幕剪辑"/>
+          <p:cNvPicPr>
+            <a:picLocks noChangeAspect="1"/>
+          </p:cNvPicPr>
+          <p:nvPr/>
+        </p:nvPicPr>
+        <p:blipFill>
+          <a:blip r:embed="rId2">
+            <a:extLst>
+              <a:ext uri="{28A0092B-C50C-407E-A947-70E740481C1C}">
+                <a14:useLocalDpi xmlns:a14="http://schemas.microsoft.com/office/drawing/2010/main" val="0"/>
+              </a:ext>
+            </a:extLst>
+          </a:blip>
+          <a:stretch>
+            <a:fillRect/>
+          </a:stretch>
+        </p:blipFill>
+        <p:spPr>
+          <a:xfrm>
+            <a:off x="971600" y="836712"/>
+            <a:ext cx="4953691" cy="4115374"/>
+          </a:xfrm>
+          <a:prstGeom prst="rect">
+            <a:avLst/>
+          </a:prstGeom>
+          <a:ln>
+            <a:noFill/>
+          </a:ln>
+          <a:effectLst>
+            <a:outerShdw blurRad="292100" dist="139700" dir="2700000" algn="tl" rotWithShape="0">
+              <a:srgbClr val="333333">
+                <a:alpha val="65000"/>
+              </a:srgbClr>
+            </a:outerShdw>
+          </a:effectLst>
+        </p:spPr>
+      </p:pic>
+      <p:sp>
+        <p:nvSpPr>
+          <p:cNvPr id="3" name="圆角矩形标注 2"/>
+          <p:cNvSpPr/>
+          <p:nvPr/>
+        </p:nvSpPr>
+        <p:spPr>
+          <a:xfrm>
+            <a:off x="6012160" y="2060848"/>
+            <a:ext cx="1296144" cy="936104"/>
+          </a:xfrm>
+          <a:prstGeom prst="wedgeRoundRectCallout">
+            <a:avLst>
+              <a:gd name="adj1" fmla="val -57810"/>
+              <a:gd name="adj2" fmla="val -22020"/>
+              <a:gd name="adj3" fmla="val 16667"/>
+            </a:avLst>
+          </a:prstGeom>
+        </p:spPr>
+        <p:style>
+          <a:lnRef idx="2">
+            <a:schemeClr val="accent5"/>
+          </a:lnRef>
+          <a:fillRef idx="1">
+            <a:schemeClr val="lt1"/>
+          </a:fillRef>
+          <a:effectRef idx="0">
+            <a:schemeClr val="accent5"/>
+          </a:effectRef>
+          <a:fontRef idx="minor">
+            <a:schemeClr val="dk1"/>
+          </a:fontRef>
+        </p:style>
+        <p:txBody>
+          <a:bodyPr rtlCol="0" anchor="ctr"/>
+          <a:lstStyle/>
+          <a:p>
+            <a:pPr>
+              <a:lnSpc>
+                <a:spcPct val="150000"/>
+              </a:lnSpc>
+            </a:pPr>
+            <a:r>
+              <a:rPr lang="zh-CN" altLang="en-US" sz="2000" dirty="0" smtClean="0">
+                <a:solidFill>
+                  <a:schemeClr val="tx1">
+                    <a:lumMod val="75000"/>
+                    <a:lumOff val="25000"/>
+                  </a:schemeClr>
+                </a:solidFill>
+                <a:latin typeface="微软雅黑" panose="020B0503020204020204" pitchFamily="34" charset="-122"/>
+                <a:ea typeface="微软雅黑" panose="020B0503020204020204" pitchFamily="34" charset="-122"/>
+              </a:rPr>
+              <a:t>背景和按钮的动画</a:t>
+            </a:r>
+            <a:endParaRPr lang="zh-CN" altLang="en-US" sz="2000" dirty="0">
+              <a:solidFill>
+                <a:schemeClr val="tx1">
+                  <a:lumMod val="75000"/>
+                  <a:lumOff val="25000"/>
+                </a:schemeClr>
+              </a:solidFill>
+              <a:latin typeface="微软雅黑" panose="020B0503020204020204" pitchFamily="34" charset="-122"/>
+              <a:ea typeface="微软雅黑" panose="020B0503020204020204" pitchFamily="34" charset="-122"/>
+            </a:endParaRPr>
+          </a:p>
+        </p:txBody>
+      </p:sp>
+    </p:spTree>
+    <p:extLst>
+      <p:ext uri="{BB962C8B-B14F-4D97-AF65-F5344CB8AC3E}">
+        <p14:creationId xmlns:p14="http://schemas.microsoft.com/office/powerpoint/2010/main" val="3957460068"/>
+      </p:ext>
+    </p:extLst>
+  </p:cSld>
+  <p:clrMapOvr>
+    <a:masterClrMapping/>
+  </p:clrMapOvr>
+</p:sld>
+</file>
+
+<file path=ppt/slides/slide22.xml><?xml version="1.0" encoding="utf-8"?>
+<p:sld xmlns:a="http://schemas.openxmlformats.org/drawingml/2006/main" xmlns:r="http://schemas.openxmlformats.org/officeDocument/2006/relationships" xmlns:p="http://schemas.openxmlformats.org/presentationml/2006/main">
+  <p:cSld>
+    <p:spTree>
+      <p:nvGrpSpPr>
+        <p:cNvPr id="1" name=""/>
+        <p:cNvGrpSpPr/>
+        <p:nvPr/>
+      </p:nvGrpSpPr>
+      <p:grpSpPr>
+        <a:xfrm>
+          <a:off x="0" y="0"/>
+          <a:ext cx="0" cy="0"/>
+          <a:chOff x="0" y="0"/>
+          <a:chExt cx="0" cy="0"/>
+        </a:xfrm>
+      </p:grpSpPr>
+      <p:sp>
+        <p:nvSpPr>
+          <p:cNvPr id="2" name="TextBox 3"/>
           <p:cNvSpPr txBox="1"/>
           <p:nvPr/>
         </p:nvSpPr>
         <p:spPr>
           <a:xfrm>
             <a:off x="467544" y="476672"/>
-            <a:ext cx="7776864" cy="523220"/>
+            <a:ext cx="7200800" cy="662554"/>
           </a:xfrm>
           <a:prstGeom prst="rect">
             <a:avLst/>
@@ -8129,6 +9309,11 @@
           </a:bodyPr>
           <a:lstStyle/>
           <a:p>
+            <a:pPr>
+              <a:lnSpc>
+                <a:spcPct val="150000"/>
+              </a:lnSpc>
+            </a:pPr>
             <a:r>
               <a:rPr lang="en-US" altLang="zh-CN" sz="2800" dirty="0">
                 <a:solidFill>
@@ -8140,7 +9325,7 @@
                 <a:latin typeface="微软雅黑" pitchFamily="34" charset="-122"/>
                 <a:ea typeface="微软雅黑" pitchFamily="34" charset="-122"/>
               </a:rPr>
-              <a:t>9</a:t>
+              <a:t>7</a:t>
             </a:r>
             <a:r>
               <a:rPr lang="en-US" altLang="zh-CN" sz="2800" dirty="0" smtClean="0">
@@ -8166,7 +9351,33 @@
                 <a:latin typeface="微软雅黑" pitchFamily="34" charset="-122"/>
                 <a:ea typeface="微软雅黑" pitchFamily="34" charset="-122"/>
               </a:rPr>
-              <a:t>更多思考</a:t>
+              <a:t>开启</a:t>
+            </a:r>
+            <a:r>
+              <a:rPr lang="en-US" altLang="zh-CN" sz="2800" dirty="0" smtClean="0">
+                <a:solidFill>
+                  <a:schemeClr val="tx1">
+                    <a:lumMod val="75000"/>
+                    <a:lumOff val="25000"/>
+                  </a:schemeClr>
+                </a:solidFill>
+                <a:latin typeface="微软雅黑" pitchFamily="34" charset="-122"/>
+                <a:ea typeface="微软雅黑" pitchFamily="34" charset="-122"/>
+              </a:rPr>
+              <a:t>/</a:t>
+            </a:r>
+            <a:r>
+              <a:rPr lang="zh-CN" altLang="en-US" sz="2800" dirty="0" smtClean="0">
+                <a:solidFill>
+                  <a:schemeClr val="tx1">
+                    <a:lumMod val="75000"/>
+                    <a:lumOff val="25000"/>
+                  </a:schemeClr>
+                </a:solidFill>
+                <a:latin typeface="微软雅黑" pitchFamily="34" charset="-122"/>
+                <a:ea typeface="微软雅黑" pitchFamily="34" charset="-122"/>
+              </a:rPr>
+              <a:t>关闭霓虹灯</a:t>
             </a:r>
             <a:endParaRPr lang="zh-CN" altLang="en-US" sz="2800" dirty="0">
               <a:solidFill>
@@ -8183,14 +9394,14 @@
       </p:sp>
       <p:sp>
         <p:nvSpPr>
-          <p:cNvPr id="9" name="TextBox 8"/>
+          <p:cNvPr id="3" name="TextBox 4"/>
           <p:cNvSpPr txBox="1"/>
           <p:nvPr/>
         </p:nvSpPr>
         <p:spPr>
           <a:xfrm>
-            <a:off x="467544" y="3645024"/>
-            <a:ext cx="7776864" cy="1384995"/>
+            <a:off x="539552" y="1340768"/>
+            <a:ext cx="7200800" cy="1135054"/>
           </a:xfrm>
           <a:prstGeom prst="rect">
             <a:avLst/>
@@ -8203,33 +9414,129 @@
           </a:bodyPr>
           <a:lstStyle/>
           <a:p>
-            <a:r>
-              <a:rPr lang="en-US" altLang="zh-CN" sz="2800" dirty="0" smtClean="0">
-                <a:solidFill>
-                  <a:schemeClr val="tx1">
-                    <a:lumMod val="75000"/>
-                    <a:lumOff val="25000"/>
-                  </a:schemeClr>
-                </a:solidFill>
-                <a:latin typeface="微软雅黑" pitchFamily="34" charset="-122"/>
-                <a:ea typeface="微软雅黑" pitchFamily="34" charset="-122"/>
-              </a:rPr>
-              <a:t>	</a:t>
-            </a:r>
-            <a:r>
-              <a:rPr lang="zh-CN" altLang="en-US" sz="2800" dirty="0" smtClean="0">
-                <a:solidFill>
-                  <a:schemeClr val="tx1">
-                    <a:lumMod val="75000"/>
-                    <a:lumOff val="25000"/>
-                  </a:schemeClr>
-                </a:solidFill>
-                <a:latin typeface="微软雅黑" pitchFamily="34" charset="-122"/>
-                <a:ea typeface="微软雅黑" pitchFamily="34" charset="-122"/>
-              </a:rPr>
-              <a:t>本期内容就讲到这里，谢谢大家！</a:t>
-            </a:r>
-            <a:endParaRPr lang="en-US" altLang="zh-CN" sz="2800" dirty="0" smtClean="0">
+            <a:pPr>
+              <a:lnSpc>
+                <a:spcPct val="150000"/>
+              </a:lnSpc>
+            </a:pPr>
+            <a:r>
+              <a:rPr lang="zh-CN" altLang="en-US" sz="2400" dirty="0" smtClean="0">
+                <a:solidFill>
+                  <a:schemeClr val="tx1">
+                    <a:lumMod val="75000"/>
+                    <a:lumOff val="25000"/>
+                  </a:schemeClr>
+                </a:solidFill>
+                <a:latin typeface="微软雅黑" pitchFamily="34" charset="-122"/>
+                <a:ea typeface="微软雅黑" pitchFamily="34" charset="-122"/>
+              </a:rPr>
+              <a:t>霓虹灯的</a:t>
+            </a:r>
+            <a:r>
+              <a:rPr lang="en-US" altLang="zh-CN" sz="2400" dirty="0" smtClean="0">
+                <a:solidFill>
+                  <a:schemeClr val="tx1">
+                    <a:lumMod val="75000"/>
+                    <a:lumOff val="25000"/>
+                  </a:schemeClr>
+                </a:solidFill>
+                <a:latin typeface="微软雅黑" pitchFamily="34" charset="-122"/>
+                <a:ea typeface="微软雅黑" pitchFamily="34" charset="-122"/>
+              </a:rPr>
+              <a:t>&lt;a&gt;</a:t>
+            </a:r>
+            <a:r>
+              <a:rPr lang="zh-CN" altLang="en-US" sz="2400" dirty="0" smtClean="0">
+                <a:solidFill>
+                  <a:schemeClr val="tx1">
+                    <a:lumMod val="75000"/>
+                    <a:lumOff val="25000"/>
+                  </a:schemeClr>
+                </a:solidFill>
+                <a:latin typeface="微软雅黑" pitchFamily="34" charset="-122"/>
+                <a:ea typeface="微软雅黑" pitchFamily="34" charset="-122"/>
+              </a:rPr>
+              <a:t>标签作为</a:t>
+            </a:r>
+            <a:r>
+              <a:rPr lang="en-US" altLang="zh-CN" sz="2400" dirty="0" smtClean="0">
+                <a:solidFill>
+                  <a:schemeClr val="tx1">
+                    <a:lumMod val="75000"/>
+                    <a:lumOff val="25000"/>
+                  </a:schemeClr>
+                </a:solidFill>
+                <a:latin typeface="微软雅黑" pitchFamily="34" charset="-122"/>
+                <a:ea typeface="微软雅黑" pitchFamily="34" charset="-122"/>
+              </a:rPr>
+              <a:t>&lt;input</a:t>
+            </a:r>
+            <a:r>
+              <a:rPr lang="en-US" altLang="zh-CN" sz="2400" dirty="0" smtClean="0">
+                <a:solidFill>
+                  <a:schemeClr val="tx1">
+                    <a:lumMod val="75000"/>
+                    <a:lumOff val="25000"/>
+                  </a:schemeClr>
+                </a:solidFill>
+                <a:latin typeface="微软雅黑" pitchFamily="34" charset="-122"/>
+                <a:ea typeface="微软雅黑" pitchFamily="34" charset="-122"/>
+              </a:rPr>
+              <a:t>&gt;</a:t>
+            </a:r>
+            <a:r>
+              <a:rPr lang="zh-CN" altLang="en-US" sz="2400" dirty="0" smtClean="0">
+                <a:solidFill>
+                  <a:schemeClr val="tx1">
+                    <a:lumMod val="75000"/>
+                    <a:lumOff val="25000"/>
+                  </a:schemeClr>
+                </a:solidFill>
+                <a:latin typeface="微软雅黑" pitchFamily="34" charset="-122"/>
+                <a:ea typeface="微软雅黑" pitchFamily="34" charset="-122"/>
+              </a:rPr>
+              <a:t>标签</a:t>
+            </a:r>
+            <a:r>
+              <a:rPr lang="zh-CN" altLang="en-US" sz="2400" dirty="0" smtClean="0">
+                <a:solidFill>
+                  <a:schemeClr val="tx1">
+                    <a:lumMod val="75000"/>
+                    <a:lumOff val="25000"/>
+                  </a:schemeClr>
+                </a:solidFill>
+                <a:latin typeface="微软雅黑" pitchFamily="34" charset="-122"/>
+                <a:ea typeface="微软雅黑" pitchFamily="34" charset="-122"/>
+              </a:rPr>
+              <a:t>的兄弟标签，仍然可以使用 </a:t>
+            </a:r>
+            <a:r>
+              <a:rPr lang="en-US" altLang="zh-CN" sz="2400" dirty="0" smtClean="0">
+                <a:solidFill>
+                  <a:schemeClr val="tx1">
+                    <a:lumMod val="75000"/>
+                    <a:lumOff val="25000"/>
+                  </a:schemeClr>
+                </a:solidFill>
+                <a:latin typeface="微软雅黑" pitchFamily="34" charset="-122"/>
+                <a:ea typeface="微软雅黑" pitchFamily="34" charset="-122"/>
+              </a:rPr>
+              <a:t>:checked</a:t>
+            </a:r>
+            <a:r>
+              <a:rPr lang="zh-CN" altLang="en-US" sz="2400" dirty="0" smtClean="0">
+                <a:solidFill>
+                  <a:schemeClr val="tx1">
+                    <a:lumMod val="75000"/>
+                    <a:lumOff val="25000"/>
+                  </a:schemeClr>
+                </a:solidFill>
+                <a:latin typeface="微软雅黑" pitchFamily="34" charset="-122"/>
+                <a:ea typeface="微软雅黑" pitchFamily="34" charset="-122"/>
+              </a:rPr>
+              <a:t>和兄弟选择器来开启关闭。</a:t>
+            </a:r>
+            <a:endParaRPr lang="en-US" altLang="zh-CN" sz="2400" dirty="0" smtClean="0">
               <a:solidFill>
                 <a:schemeClr val="tx1">
                   <a:lumMod val="75000"/>
@@ -8240,8 +9547,213 @@
               <a:ea typeface="微软雅黑" pitchFamily="34" charset="-122"/>
             </a:endParaRPr>
           </a:p>
-          <a:p>
-            <a:endParaRPr lang="en-US" altLang="zh-CN" sz="2800" dirty="0" smtClean="0">
+        </p:txBody>
+      </p:sp>
+      <p:pic>
+        <p:nvPicPr>
+          <p:cNvPr id="4" name="图片 3" descr="屏幕剪辑"/>
+          <p:cNvPicPr>
+            <a:picLocks noChangeAspect="1"/>
+          </p:cNvPicPr>
+          <p:nvPr/>
+        </p:nvPicPr>
+        <p:blipFill>
+          <a:blip r:embed="rId2">
+            <a:extLst>
+              <a:ext uri="{28A0092B-C50C-407E-A947-70E740481C1C}">
+                <a14:useLocalDpi xmlns:a14="http://schemas.microsoft.com/office/drawing/2010/main" val="0"/>
+              </a:ext>
+            </a:extLst>
+          </a:blip>
+          <a:stretch>
+            <a:fillRect/>
+          </a:stretch>
+        </p:blipFill>
+        <p:spPr>
+          <a:xfrm>
+            <a:off x="683568" y="2924944"/>
+            <a:ext cx="2410161" cy="323895"/>
+          </a:xfrm>
+          <a:prstGeom prst="rect">
+            <a:avLst/>
+          </a:prstGeom>
+          <a:ln>
+            <a:noFill/>
+          </a:ln>
+          <a:effectLst>
+            <a:outerShdw blurRad="292100" dist="139700" dir="2700000" algn="tl" rotWithShape="0">
+              <a:srgbClr val="333333">
+                <a:alpha val="65000"/>
+              </a:srgbClr>
+            </a:outerShdw>
+          </a:effectLst>
+        </p:spPr>
+      </p:pic>
+      <p:sp>
+        <p:nvSpPr>
+          <p:cNvPr id="5" name="圆角矩形标注 4"/>
+          <p:cNvSpPr/>
+          <p:nvPr/>
+        </p:nvSpPr>
+        <p:spPr>
+          <a:xfrm>
+            <a:off x="3491880" y="2963208"/>
+            <a:ext cx="2880320" cy="411206"/>
+          </a:xfrm>
+          <a:prstGeom prst="wedgeRoundRectCallout">
+            <a:avLst>
+              <a:gd name="adj1" fmla="val -56949"/>
+              <a:gd name="adj2" fmla="val -24284"/>
+              <a:gd name="adj3" fmla="val 16667"/>
+            </a:avLst>
+          </a:prstGeom>
+        </p:spPr>
+        <p:style>
+          <a:lnRef idx="2">
+            <a:schemeClr val="accent5"/>
+          </a:lnRef>
+          <a:fillRef idx="1">
+            <a:schemeClr val="lt1"/>
+          </a:fillRef>
+          <a:effectRef idx="0">
+            <a:schemeClr val="accent5"/>
+          </a:effectRef>
+          <a:fontRef idx="minor">
+            <a:schemeClr val="dk1"/>
+          </a:fontRef>
+        </p:style>
+        <p:txBody>
+          <a:bodyPr rtlCol="0" anchor="ctr"/>
+          <a:lstStyle/>
+          <a:p>
+            <a:pPr>
+              <a:lnSpc>
+                <a:spcPct val="150000"/>
+              </a:lnSpc>
+            </a:pPr>
+            <a:r>
+              <a:rPr lang="en-US" altLang="zh-CN" sz="2000" dirty="0" smtClean="0">
+                <a:solidFill>
+                  <a:schemeClr val="tx1">
+                    <a:lumMod val="75000"/>
+                    <a:lumOff val="25000"/>
+                  </a:schemeClr>
+                </a:solidFill>
+                <a:latin typeface="微软雅黑" panose="020B0503020204020204" pitchFamily="34" charset="-122"/>
+                <a:ea typeface="微软雅黑" panose="020B0503020204020204" pitchFamily="34" charset="-122"/>
+              </a:rPr>
+              <a:t> </a:t>
+            </a:r>
+            <a:r>
+              <a:rPr lang="zh-CN" altLang="en-US" sz="2000" dirty="0" smtClean="0">
+                <a:solidFill>
+                  <a:schemeClr val="tx1">
+                    <a:lumMod val="75000"/>
+                    <a:lumOff val="25000"/>
+                  </a:schemeClr>
+                </a:solidFill>
+                <a:latin typeface="微软雅黑" panose="020B0503020204020204" pitchFamily="34" charset="-122"/>
+                <a:ea typeface="微软雅黑" panose="020B0503020204020204" pitchFamily="34" charset="-122"/>
+              </a:rPr>
+              <a:t>选中复选框时的霓虹灯</a:t>
+            </a:r>
+            <a:endParaRPr lang="zh-CN" altLang="en-US" sz="2000" dirty="0">
+              <a:solidFill>
+                <a:schemeClr val="tx1">
+                  <a:lumMod val="75000"/>
+                  <a:lumOff val="25000"/>
+                </a:schemeClr>
+              </a:solidFill>
+              <a:latin typeface="微软雅黑" panose="020B0503020204020204" pitchFamily="34" charset="-122"/>
+              <a:ea typeface="微软雅黑" panose="020B0503020204020204" pitchFamily="34" charset="-122"/>
+            </a:endParaRPr>
+          </a:p>
+        </p:txBody>
+      </p:sp>
+    </p:spTree>
+    <p:extLst>
+      <p:ext uri="{BB962C8B-B14F-4D97-AF65-F5344CB8AC3E}">
+        <p14:creationId xmlns:p14="http://schemas.microsoft.com/office/powerpoint/2010/main" val="3776918312"/>
+      </p:ext>
+    </p:extLst>
+  </p:cSld>
+  <p:clrMapOvr>
+    <a:masterClrMapping/>
+  </p:clrMapOvr>
+</p:sld>
+</file>
+
+<file path=ppt/slides/slide23.xml><?xml version="1.0" encoding="utf-8"?>
+<p:sld xmlns:a="http://schemas.openxmlformats.org/drawingml/2006/main" xmlns:r="http://schemas.openxmlformats.org/officeDocument/2006/relationships" xmlns:p="http://schemas.openxmlformats.org/presentationml/2006/main">
+  <p:cSld>
+    <p:spTree>
+      <p:nvGrpSpPr>
+        <p:cNvPr id="1" name=""/>
+        <p:cNvGrpSpPr/>
+        <p:nvPr/>
+      </p:nvGrpSpPr>
+      <p:grpSpPr>
+        <a:xfrm>
+          <a:off x="0" y="0"/>
+          <a:ext cx="0" cy="0"/>
+          <a:chOff x="0" y="0"/>
+          <a:chExt cx="0" cy="0"/>
+        </a:xfrm>
+      </p:grpSpPr>
+      <p:sp>
+        <p:nvSpPr>
+          <p:cNvPr id="2" name="TextBox 4"/>
+          <p:cNvSpPr txBox="1"/>
+          <p:nvPr/>
+        </p:nvSpPr>
+        <p:spPr>
+          <a:xfrm>
+            <a:off x="552499" y="260648"/>
+            <a:ext cx="7200800" cy="6186309"/>
+          </a:xfrm>
+          <a:prstGeom prst="rect">
+            <a:avLst/>
+          </a:prstGeom>
+          <a:noFill/>
+        </p:spPr>
+        <p:txBody>
+          <a:bodyPr wrap="square" rtlCol="0">
+            <a:spAutoFit/>
+          </a:bodyPr>
+          <a:lstStyle/>
+          <a:p>
+            <a:pPr>
+              <a:lnSpc>
+                <a:spcPct val="150000"/>
+              </a:lnSpc>
+            </a:pPr>
+            <a:r>
+              <a:rPr lang="en-US" altLang="zh-CN" sz="2400" b="1" dirty="0" smtClean="0">
+                <a:solidFill>
+                  <a:schemeClr val="tx1">
+                    <a:lumMod val="75000"/>
+                    <a:lumOff val="25000"/>
+                  </a:schemeClr>
+                </a:solidFill>
+                <a:latin typeface="微软雅黑" pitchFamily="34" charset="-122"/>
+                <a:ea typeface="微软雅黑" pitchFamily="34" charset="-122"/>
+              </a:rPr>
+              <a:t>1)</a:t>
+            </a:r>
+            <a:r>
+              <a:rPr lang="zh-CN" altLang="en-US" sz="2400" b="1" dirty="0" smtClean="0">
+                <a:solidFill>
+                  <a:schemeClr val="tx1">
+                    <a:lumMod val="75000"/>
+                    <a:lumOff val="25000"/>
+                  </a:schemeClr>
+                </a:solidFill>
+                <a:latin typeface="微软雅黑" pitchFamily="34" charset="-122"/>
+                <a:ea typeface="微软雅黑" pitchFamily="34" charset="-122"/>
+              </a:rPr>
+              <a:t>开关打开</a:t>
+            </a:r>
+            <a:endParaRPr lang="en-US" altLang="zh-CN" sz="2400" b="1" dirty="0" smtClean="0">
               <a:solidFill>
                 <a:schemeClr val="tx1">
                   <a:lumMod val="75000"/>
@@ -8253,6 +9765,2163 @@
             </a:endParaRPr>
           </a:p>
           <a:p>
+            <a:pPr>
+              <a:lnSpc>
+                <a:spcPct val="150000"/>
+              </a:lnSpc>
+            </a:pPr>
+            <a:r>
+              <a:rPr lang="zh-CN" altLang="en-US" sz="2400" dirty="0" smtClean="0">
+                <a:solidFill>
+                  <a:schemeClr val="tx1">
+                    <a:lumMod val="75000"/>
+                    <a:lumOff val="25000"/>
+                  </a:schemeClr>
+                </a:solidFill>
+                <a:latin typeface="微软雅黑" pitchFamily="34" charset="-122"/>
+                <a:ea typeface="微软雅黑" pitchFamily="34" charset="-122"/>
+              </a:rPr>
+              <a:t>霓虹灯文本颜色：</a:t>
+            </a:r>
+            <a:endParaRPr lang="en-US" altLang="zh-CN" sz="2400" dirty="0" smtClean="0">
+              <a:solidFill>
+                <a:schemeClr val="tx1">
+                  <a:lumMod val="75000"/>
+                  <a:lumOff val="25000"/>
+                </a:schemeClr>
+              </a:solidFill>
+              <a:latin typeface="微软雅黑" pitchFamily="34" charset="-122"/>
+              <a:ea typeface="微软雅黑" pitchFamily="34" charset="-122"/>
+            </a:endParaRPr>
+          </a:p>
+          <a:p>
+            <a:pPr>
+              <a:lnSpc>
+                <a:spcPct val="150000"/>
+              </a:lnSpc>
+            </a:pPr>
+            <a:r>
+              <a:rPr lang="en-US" altLang="zh-CN" sz="2400" dirty="0">
+                <a:solidFill>
+                  <a:schemeClr val="tx1">
+                    <a:lumMod val="75000"/>
+                    <a:lumOff val="25000"/>
+                  </a:schemeClr>
+                </a:solidFill>
+                <a:latin typeface="微软雅黑" pitchFamily="34" charset="-122"/>
+                <a:ea typeface="微软雅黑" pitchFamily="34" charset="-122"/>
+              </a:rPr>
+              <a:t>	</a:t>
+            </a:r>
+            <a:r>
+              <a:rPr lang="zh-CN" altLang="en-US" sz="2400" dirty="0" smtClean="0">
+                <a:solidFill>
+                  <a:schemeClr val="tx1">
+                    <a:lumMod val="75000"/>
+                    <a:lumOff val="25000"/>
+                  </a:schemeClr>
+                </a:solidFill>
+                <a:latin typeface="微软雅黑" pitchFamily="34" charset="-122"/>
+                <a:ea typeface="微软雅黑" pitchFamily="34" charset="-122"/>
+              </a:rPr>
+              <a:t>从</a:t>
+            </a:r>
+            <a:r>
+              <a:rPr lang="zh-CN" altLang="en-US" sz="2400" b="1" dirty="0" smtClean="0">
+                <a:solidFill>
+                  <a:srgbClr val="C00000"/>
+                </a:solidFill>
+                <a:latin typeface="微软雅黑" pitchFamily="34" charset="-122"/>
+                <a:ea typeface="微软雅黑" pitchFamily="34" charset="-122"/>
+              </a:rPr>
+              <a:t>红色</a:t>
+            </a:r>
+            <a:r>
+              <a:rPr lang="zh-CN" altLang="en-US" sz="2400" dirty="0" smtClean="0">
+                <a:solidFill>
+                  <a:schemeClr val="tx1">
+                    <a:lumMod val="75000"/>
+                    <a:lumOff val="25000"/>
+                  </a:schemeClr>
+                </a:solidFill>
+                <a:latin typeface="微软雅黑" pitchFamily="34" charset="-122"/>
+                <a:ea typeface="微软雅黑" pitchFamily="34" charset="-122"/>
+              </a:rPr>
+              <a:t>变到</a:t>
+            </a:r>
+            <a:r>
+              <a:rPr lang="zh-CN" altLang="en-US" sz="2400" b="1" dirty="0" smtClean="0">
+                <a:solidFill>
+                  <a:schemeClr val="tx1">
+                    <a:lumMod val="75000"/>
+                    <a:lumOff val="25000"/>
+                  </a:schemeClr>
+                </a:solidFill>
+                <a:latin typeface="微软雅黑" pitchFamily="34" charset="-122"/>
+                <a:ea typeface="微软雅黑" pitchFamily="34" charset="-122"/>
+              </a:rPr>
+              <a:t>白色</a:t>
+            </a:r>
+            <a:endParaRPr lang="en-US" altLang="zh-CN" sz="2400" b="1" dirty="0" smtClean="0">
+              <a:solidFill>
+                <a:schemeClr val="tx1">
+                  <a:lumMod val="75000"/>
+                  <a:lumOff val="25000"/>
+                </a:schemeClr>
+              </a:solidFill>
+              <a:latin typeface="微软雅黑" pitchFamily="34" charset="-122"/>
+              <a:ea typeface="微软雅黑" pitchFamily="34" charset="-122"/>
+            </a:endParaRPr>
+          </a:p>
+          <a:p>
+            <a:pPr>
+              <a:lnSpc>
+                <a:spcPct val="150000"/>
+              </a:lnSpc>
+            </a:pPr>
+            <a:r>
+              <a:rPr lang="zh-CN" altLang="en-US" sz="2400" dirty="0" smtClean="0">
+                <a:solidFill>
+                  <a:schemeClr val="tx1">
+                    <a:lumMod val="75000"/>
+                    <a:lumOff val="25000"/>
+                  </a:schemeClr>
+                </a:solidFill>
+                <a:latin typeface="微软雅黑" pitchFamily="34" charset="-122"/>
+                <a:ea typeface="微软雅黑" pitchFamily="34" charset="-122"/>
+              </a:rPr>
+              <a:t>霓虹灯光晕：</a:t>
+            </a:r>
+            <a:endParaRPr lang="en-US" altLang="zh-CN" sz="2400" dirty="0" smtClean="0">
+              <a:solidFill>
+                <a:schemeClr val="tx1">
+                  <a:lumMod val="75000"/>
+                  <a:lumOff val="25000"/>
+                </a:schemeClr>
+              </a:solidFill>
+              <a:latin typeface="微软雅黑" pitchFamily="34" charset="-122"/>
+              <a:ea typeface="微软雅黑" pitchFamily="34" charset="-122"/>
+            </a:endParaRPr>
+          </a:p>
+          <a:p>
+            <a:pPr>
+              <a:lnSpc>
+                <a:spcPct val="150000"/>
+              </a:lnSpc>
+            </a:pPr>
+            <a:r>
+              <a:rPr lang="en-US" altLang="zh-CN" sz="2400" dirty="0" smtClean="0">
+                <a:solidFill>
+                  <a:schemeClr val="tx1">
+                    <a:lumMod val="75000"/>
+                    <a:lumOff val="25000"/>
+                  </a:schemeClr>
+                </a:solidFill>
+                <a:latin typeface="微软雅黑" pitchFamily="34" charset="-122"/>
+                <a:ea typeface="微软雅黑" pitchFamily="34" charset="-122"/>
+              </a:rPr>
+              <a:t>	box-shadow </a:t>
+            </a:r>
+            <a:r>
+              <a:rPr lang="zh-CN" altLang="en-US" sz="2400" dirty="0" smtClean="0">
+                <a:solidFill>
+                  <a:schemeClr val="tx1">
+                    <a:lumMod val="75000"/>
+                    <a:lumOff val="25000"/>
+                  </a:schemeClr>
+                </a:solidFill>
+                <a:latin typeface="微软雅黑" pitchFamily="34" charset="-122"/>
+                <a:ea typeface="微软雅黑" pitchFamily="34" charset="-122"/>
+              </a:rPr>
+              <a:t>从</a:t>
+            </a:r>
+            <a:r>
+              <a:rPr lang="en-US" altLang="zh-CN" sz="2400" b="1" dirty="0" smtClean="0">
+                <a:solidFill>
+                  <a:schemeClr val="tx1">
+                    <a:lumMod val="75000"/>
+                    <a:lumOff val="25000"/>
+                  </a:schemeClr>
+                </a:solidFill>
+                <a:latin typeface="微软雅黑" pitchFamily="34" charset="-122"/>
+                <a:ea typeface="微软雅黑" pitchFamily="34" charset="-122"/>
+              </a:rPr>
+              <a:t>none</a:t>
+            </a:r>
+            <a:r>
+              <a:rPr lang="en-US" altLang="zh-CN" sz="2400" dirty="0" smtClean="0">
+                <a:solidFill>
+                  <a:schemeClr val="tx1">
+                    <a:lumMod val="75000"/>
+                    <a:lumOff val="25000"/>
+                  </a:schemeClr>
+                </a:solidFill>
+                <a:latin typeface="微软雅黑" pitchFamily="34" charset="-122"/>
+                <a:ea typeface="微软雅黑" pitchFamily="34" charset="-122"/>
+              </a:rPr>
+              <a:t> </a:t>
+            </a:r>
+            <a:r>
+              <a:rPr lang="zh-CN" altLang="en-US" sz="2400" dirty="0" smtClean="0">
+                <a:solidFill>
+                  <a:schemeClr val="tx1">
+                    <a:lumMod val="75000"/>
+                    <a:lumOff val="25000"/>
+                  </a:schemeClr>
+                </a:solidFill>
+                <a:latin typeface="微软雅黑" pitchFamily="34" charset="-122"/>
+                <a:ea typeface="微软雅黑" pitchFamily="34" charset="-122"/>
+              </a:rPr>
+              <a:t>到 </a:t>
+            </a:r>
+            <a:r>
+              <a:rPr lang="zh-CN" altLang="en-US" sz="2400" b="1" dirty="0" smtClean="0">
+                <a:solidFill>
+                  <a:srgbClr val="C00000"/>
+                </a:solidFill>
+                <a:latin typeface="微软雅黑" pitchFamily="34" charset="-122"/>
+                <a:ea typeface="微软雅黑" pitchFamily="34" charset="-122"/>
+              </a:rPr>
+              <a:t>显示和闪烁</a:t>
+            </a:r>
+            <a:endParaRPr lang="en-US" altLang="zh-CN" sz="2400" b="1" dirty="0" smtClean="0">
+              <a:solidFill>
+                <a:srgbClr val="C00000"/>
+              </a:solidFill>
+              <a:latin typeface="微软雅黑" pitchFamily="34" charset="-122"/>
+              <a:ea typeface="微软雅黑" pitchFamily="34" charset="-122"/>
+            </a:endParaRPr>
+          </a:p>
+          <a:p>
+            <a:pPr>
+              <a:lnSpc>
+                <a:spcPct val="150000"/>
+              </a:lnSpc>
+            </a:pPr>
+            <a:r>
+              <a:rPr lang="en-US" altLang="zh-CN" sz="2400" b="1" dirty="0" smtClean="0">
+                <a:solidFill>
+                  <a:schemeClr val="tx1">
+                    <a:lumMod val="75000"/>
+                    <a:lumOff val="25000"/>
+                  </a:schemeClr>
+                </a:solidFill>
+                <a:latin typeface="微软雅黑" pitchFamily="34" charset="-122"/>
+                <a:ea typeface="微软雅黑" pitchFamily="34" charset="-122"/>
+              </a:rPr>
+              <a:t>2)</a:t>
+            </a:r>
+            <a:r>
+              <a:rPr lang="zh-CN" altLang="en-US" sz="2400" b="1" dirty="0" smtClean="0">
+                <a:solidFill>
+                  <a:schemeClr val="tx1">
+                    <a:lumMod val="75000"/>
+                    <a:lumOff val="25000"/>
+                  </a:schemeClr>
+                </a:solidFill>
+                <a:latin typeface="微软雅黑" pitchFamily="34" charset="-122"/>
+                <a:ea typeface="微软雅黑" pitchFamily="34" charset="-122"/>
+              </a:rPr>
+              <a:t>开关关闭</a:t>
+            </a:r>
+            <a:endParaRPr lang="en-US" altLang="zh-CN" sz="2400" b="1" dirty="0" smtClean="0">
+              <a:solidFill>
+                <a:schemeClr val="tx1">
+                  <a:lumMod val="75000"/>
+                  <a:lumOff val="25000"/>
+                </a:schemeClr>
+              </a:solidFill>
+              <a:latin typeface="微软雅黑" pitchFamily="34" charset="-122"/>
+              <a:ea typeface="微软雅黑" pitchFamily="34" charset="-122"/>
+            </a:endParaRPr>
+          </a:p>
+          <a:p>
+            <a:pPr>
+              <a:lnSpc>
+                <a:spcPct val="150000"/>
+              </a:lnSpc>
+            </a:pPr>
+            <a:r>
+              <a:rPr lang="zh-CN" altLang="en-US" sz="2400" dirty="0" smtClean="0">
+                <a:solidFill>
+                  <a:schemeClr val="tx1">
+                    <a:lumMod val="75000"/>
+                    <a:lumOff val="25000"/>
+                  </a:schemeClr>
+                </a:solidFill>
+                <a:latin typeface="微软雅黑" pitchFamily="34" charset="-122"/>
+                <a:ea typeface="微软雅黑" pitchFamily="34" charset="-122"/>
+              </a:rPr>
+              <a:t>霓虹灯</a:t>
+            </a:r>
+            <a:r>
+              <a:rPr lang="zh-CN" altLang="en-US" sz="2400" dirty="0">
+                <a:solidFill>
+                  <a:schemeClr val="tx1">
+                    <a:lumMod val="75000"/>
+                    <a:lumOff val="25000"/>
+                  </a:schemeClr>
+                </a:solidFill>
+                <a:latin typeface="微软雅黑" pitchFamily="34" charset="-122"/>
+                <a:ea typeface="微软雅黑" pitchFamily="34" charset="-122"/>
+              </a:rPr>
+              <a:t>文本颜色：</a:t>
+            </a:r>
+            <a:endParaRPr lang="en-US" altLang="zh-CN" sz="2400" dirty="0">
+              <a:solidFill>
+                <a:schemeClr val="tx1">
+                  <a:lumMod val="75000"/>
+                  <a:lumOff val="25000"/>
+                </a:schemeClr>
+              </a:solidFill>
+              <a:latin typeface="微软雅黑" pitchFamily="34" charset="-122"/>
+              <a:ea typeface="微软雅黑" pitchFamily="34" charset="-122"/>
+            </a:endParaRPr>
+          </a:p>
+          <a:p>
+            <a:pPr>
+              <a:lnSpc>
+                <a:spcPct val="150000"/>
+              </a:lnSpc>
+            </a:pPr>
+            <a:r>
+              <a:rPr lang="en-US" altLang="zh-CN" sz="2400" dirty="0">
+                <a:solidFill>
+                  <a:schemeClr val="tx1">
+                    <a:lumMod val="75000"/>
+                    <a:lumOff val="25000"/>
+                  </a:schemeClr>
+                </a:solidFill>
+                <a:latin typeface="微软雅黑" pitchFamily="34" charset="-122"/>
+                <a:ea typeface="微软雅黑" pitchFamily="34" charset="-122"/>
+              </a:rPr>
+              <a:t>	</a:t>
+            </a:r>
+            <a:r>
+              <a:rPr lang="zh-CN" altLang="en-US" sz="2400" dirty="0" smtClean="0">
+                <a:solidFill>
+                  <a:schemeClr val="tx1">
+                    <a:lumMod val="75000"/>
+                    <a:lumOff val="25000"/>
+                  </a:schemeClr>
+                </a:solidFill>
+                <a:latin typeface="微软雅黑" pitchFamily="34" charset="-122"/>
+                <a:ea typeface="微软雅黑" pitchFamily="34" charset="-122"/>
+              </a:rPr>
+              <a:t>从</a:t>
+            </a:r>
+            <a:r>
+              <a:rPr lang="zh-CN" altLang="en-US" sz="2400" b="1" dirty="0" smtClean="0">
+                <a:solidFill>
+                  <a:schemeClr val="tx1">
+                    <a:lumMod val="75000"/>
+                    <a:lumOff val="25000"/>
+                  </a:schemeClr>
+                </a:solidFill>
+                <a:latin typeface="微软雅黑" pitchFamily="34" charset="-122"/>
+                <a:ea typeface="微软雅黑" pitchFamily="34" charset="-122"/>
+              </a:rPr>
+              <a:t>白色</a:t>
+            </a:r>
+            <a:r>
+              <a:rPr lang="zh-CN" altLang="en-US" sz="2400" dirty="0" smtClean="0">
+                <a:solidFill>
+                  <a:schemeClr val="tx1">
+                    <a:lumMod val="75000"/>
+                    <a:lumOff val="25000"/>
+                  </a:schemeClr>
+                </a:solidFill>
+                <a:latin typeface="微软雅黑" pitchFamily="34" charset="-122"/>
+                <a:ea typeface="微软雅黑" pitchFamily="34" charset="-122"/>
+              </a:rPr>
+              <a:t>变到</a:t>
+            </a:r>
+            <a:r>
+              <a:rPr lang="zh-CN" altLang="en-US" sz="2400" b="1" dirty="0">
+                <a:solidFill>
+                  <a:srgbClr val="C00000"/>
+                </a:solidFill>
+                <a:latin typeface="微软雅黑" pitchFamily="34" charset="-122"/>
+                <a:ea typeface="微软雅黑" pitchFamily="34" charset="-122"/>
+              </a:rPr>
+              <a:t>红色</a:t>
+            </a:r>
+            <a:endParaRPr lang="en-US" altLang="zh-CN" sz="2400" dirty="0" smtClean="0">
+              <a:solidFill>
+                <a:schemeClr val="tx1">
+                  <a:lumMod val="75000"/>
+                  <a:lumOff val="25000"/>
+                </a:schemeClr>
+              </a:solidFill>
+              <a:latin typeface="微软雅黑" pitchFamily="34" charset="-122"/>
+              <a:ea typeface="微软雅黑" pitchFamily="34" charset="-122"/>
+            </a:endParaRPr>
+          </a:p>
+          <a:p>
+            <a:pPr>
+              <a:lnSpc>
+                <a:spcPct val="150000"/>
+              </a:lnSpc>
+            </a:pPr>
+            <a:r>
+              <a:rPr lang="zh-CN" altLang="en-US" sz="2400" dirty="0" smtClean="0">
+                <a:solidFill>
+                  <a:schemeClr val="tx1">
+                    <a:lumMod val="75000"/>
+                    <a:lumOff val="25000"/>
+                  </a:schemeClr>
+                </a:solidFill>
+                <a:latin typeface="微软雅黑" pitchFamily="34" charset="-122"/>
+                <a:ea typeface="微软雅黑" pitchFamily="34" charset="-122"/>
+              </a:rPr>
+              <a:t>霓虹灯</a:t>
+            </a:r>
+            <a:r>
+              <a:rPr lang="zh-CN" altLang="en-US" sz="2400" dirty="0">
+                <a:solidFill>
+                  <a:schemeClr val="tx1">
+                    <a:lumMod val="75000"/>
+                    <a:lumOff val="25000"/>
+                  </a:schemeClr>
+                </a:solidFill>
+                <a:latin typeface="微软雅黑" pitchFamily="34" charset="-122"/>
+                <a:ea typeface="微软雅黑" pitchFamily="34" charset="-122"/>
+              </a:rPr>
+              <a:t>光晕：</a:t>
+            </a:r>
+            <a:endParaRPr lang="en-US" altLang="zh-CN" sz="2400" dirty="0">
+              <a:solidFill>
+                <a:schemeClr val="tx1">
+                  <a:lumMod val="75000"/>
+                  <a:lumOff val="25000"/>
+                </a:schemeClr>
+              </a:solidFill>
+              <a:latin typeface="微软雅黑" pitchFamily="34" charset="-122"/>
+              <a:ea typeface="微软雅黑" pitchFamily="34" charset="-122"/>
+            </a:endParaRPr>
+          </a:p>
+          <a:p>
+            <a:pPr>
+              <a:lnSpc>
+                <a:spcPct val="150000"/>
+              </a:lnSpc>
+            </a:pPr>
+            <a:r>
+              <a:rPr lang="en-US" altLang="zh-CN" sz="2400" dirty="0">
+                <a:solidFill>
+                  <a:schemeClr val="tx1">
+                    <a:lumMod val="75000"/>
+                    <a:lumOff val="25000"/>
+                  </a:schemeClr>
+                </a:solidFill>
+                <a:latin typeface="微软雅黑" pitchFamily="34" charset="-122"/>
+                <a:ea typeface="微软雅黑" pitchFamily="34" charset="-122"/>
+              </a:rPr>
+              <a:t>	box-shadow </a:t>
+            </a:r>
+            <a:r>
+              <a:rPr lang="zh-CN" altLang="en-US" sz="2400" dirty="0" smtClean="0">
+                <a:solidFill>
+                  <a:schemeClr val="tx1">
+                    <a:lumMod val="75000"/>
+                    <a:lumOff val="25000"/>
+                  </a:schemeClr>
+                </a:solidFill>
+                <a:latin typeface="微软雅黑" pitchFamily="34" charset="-122"/>
+                <a:ea typeface="微软雅黑" pitchFamily="34" charset="-122"/>
+              </a:rPr>
+              <a:t>从</a:t>
+            </a:r>
+            <a:r>
+              <a:rPr lang="zh-CN" altLang="en-US" sz="2400" b="1" dirty="0">
+                <a:solidFill>
+                  <a:srgbClr val="C00000"/>
+                </a:solidFill>
+                <a:latin typeface="微软雅黑" pitchFamily="34" charset="-122"/>
+                <a:ea typeface="微软雅黑" pitchFamily="34" charset="-122"/>
+              </a:rPr>
+              <a:t>显示和</a:t>
+            </a:r>
+            <a:r>
+              <a:rPr lang="zh-CN" altLang="en-US" sz="2400" b="1" dirty="0" smtClean="0">
+                <a:solidFill>
+                  <a:srgbClr val="C00000"/>
+                </a:solidFill>
+                <a:latin typeface="微软雅黑" pitchFamily="34" charset="-122"/>
+                <a:ea typeface="微软雅黑" pitchFamily="34" charset="-122"/>
+              </a:rPr>
+              <a:t>闪烁</a:t>
+            </a:r>
+            <a:r>
+              <a:rPr lang="zh-CN" altLang="en-US" sz="2400" dirty="0">
+                <a:solidFill>
+                  <a:schemeClr val="tx1">
+                    <a:lumMod val="75000"/>
+                    <a:lumOff val="25000"/>
+                  </a:schemeClr>
+                </a:solidFill>
+                <a:latin typeface="微软雅黑" pitchFamily="34" charset="-122"/>
+                <a:ea typeface="微软雅黑" pitchFamily="34" charset="-122"/>
+              </a:rPr>
+              <a:t>到</a:t>
+            </a:r>
+            <a:r>
+              <a:rPr lang="en-US" altLang="zh-CN" sz="2400" b="1" dirty="0" smtClean="0">
+                <a:solidFill>
+                  <a:schemeClr val="tx1">
+                    <a:lumMod val="75000"/>
+                    <a:lumOff val="25000"/>
+                  </a:schemeClr>
+                </a:solidFill>
+                <a:latin typeface="微软雅黑" pitchFamily="34" charset="-122"/>
+                <a:ea typeface="微软雅黑" pitchFamily="34" charset="-122"/>
+              </a:rPr>
+              <a:t>none</a:t>
+            </a:r>
+            <a:r>
+              <a:rPr lang="en-US" altLang="zh-CN" sz="2400" dirty="0" smtClean="0">
+                <a:solidFill>
+                  <a:schemeClr val="tx1">
+                    <a:lumMod val="75000"/>
+                    <a:lumOff val="25000"/>
+                  </a:schemeClr>
+                </a:solidFill>
+                <a:latin typeface="微软雅黑" pitchFamily="34" charset="-122"/>
+                <a:ea typeface="微软雅黑" pitchFamily="34" charset="-122"/>
+              </a:rPr>
+              <a:t/>
+            </a:r>
+            <a:br>
+              <a:rPr lang="en-US" altLang="zh-CN" sz="2400" dirty="0" smtClean="0">
+                <a:solidFill>
+                  <a:schemeClr val="tx1">
+                    <a:lumMod val="75000"/>
+                    <a:lumOff val="25000"/>
+                  </a:schemeClr>
+                </a:solidFill>
+                <a:latin typeface="微软雅黑" pitchFamily="34" charset="-122"/>
+                <a:ea typeface="微软雅黑" pitchFamily="34" charset="-122"/>
+              </a:rPr>
+            </a:br>
+            <a:endParaRPr lang="en-US" altLang="zh-CN" sz="2400" dirty="0" smtClean="0">
+              <a:solidFill>
+                <a:schemeClr val="tx1">
+                  <a:lumMod val="75000"/>
+                  <a:lumOff val="25000"/>
+                </a:schemeClr>
+              </a:solidFill>
+              <a:latin typeface="微软雅黑" pitchFamily="34" charset="-122"/>
+              <a:ea typeface="微软雅黑" pitchFamily="34" charset="-122"/>
+            </a:endParaRPr>
+          </a:p>
+        </p:txBody>
+      </p:sp>
+    </p:spTree>
+    <p:extLst>
+      <p:ext uri="{BB962C8B-B14F-4D97-AF65-F5344CB8AC3E}">
+        <p14:creationId xmlns:p14="http://schemas.microsoft.com/office/powerpoint/2010/main" val="1767660752"/>
+      </p:ext>
+    </p:extLst>
+  </p:cSld>
+  <p:clrMapOvr>
+    <a:masterClrMapping/>
+  </p:clrMapOvr>
+</p:sld>
+</file>
+
+<file path=ppt/slides/slide24.xml><?xml version="1.0" encoding="utf-8"?>
+<p:sld xmlns:a="http://schemas.openxmlformats.org/drawingml/2006/main" xmlns:r="http://schemas.openxmlformats.org/officeDocument/2006/relationships" xmlns:p="http://schemas.openxmlformats.org/presentationml/2006/main">
+  <p:cSld>
+    <p:spTree>
+      <p:nvGrpSpPr>
+        <p:cNvPr id="1" name=""/>
+        <p:cNvGrpSpPr/>
+        <p:nvPr/>
+      </p:nvGrpSpPr>
+      <p:grpSpPr>
+        <a:xfrm>
+          <a:off x="0" y="0"/>
+          <a:ext cx="0" cy="0"/>
+          <a:chOff x="0" y="0"/>
+          <a:chExt cx="0" cy="0"/>
+        </a:xfrm>
+      </p:grpSpPr>
+      <p:pic>
+        <p:nvPicPr>
+          <p:cNvPr id="2" name="图片 1" descr="屏幕剪辑"/>
+          <p:cNvPicPr>
+            <a:picLocks noChangeAspect="1"/>
+          </p:cNvPicPr>
+          <p:nvPr/>
+        </p:nvPicPr>
+        <p:blipFill>
+          <a:blip r:embed="rId2">
+            <a:extLst>
+              <a:ext uri="{28A0092B-C50C-407E-A947-70E740481C1C}">
+                <a14:useLocalDpi xmlns:a14="http://schemas.microsoft.com/office/drawing/2010/main" val="0"/>
+              </a:ext>
+            </a:extLst>
+          </a:blip>
+          <a:stretch>
+            <a:fillRect/>
+          </a:stretch>
+        </p:blipFill>
+        <p:spPr>
+          <a:xfrm>
+            <a:off x="755576" y="1124744"/>
+            <a:ext cx="6239746" cy="1705213"/>
+          </a:xfrm>
+          <a:prstGeom prst="rect">
+            <a:avLst/>
+          </a:prstGeom>
+          <a:ln>
+            <a:noFill/>
+          </a:ln>
+          <a:effectLst>
+            <a:outerShdw blurRad="292100" dist="139700" dir="2700000" algn="tl" rotWithShape="0">
+              <a:srgbClr val="333333">
+                <a:alpha val="65000"/>
+              </a:srgbClr>
+            </a:outerShdw>
+          </a:effectLst>
+        </p:spPr>
+      </p:pic>
+      <p:sp>
+        <p:nvSpPr>
+          <p:cNvPr id="3" name="圆角矩形标注 2"/>
+          <p:cNvSpPr/>
+          <p:nvPr/>
+        </p:nvSpPr>
+        <p:spPr>
+          <a:xfrm>
+            <a:off x="1180519" y="139442"/>
+            <a:ext cx="3124495" cy="985302"/>
+          </a:xfrm>
+          <a:prstGeom prst="wedgeRoundRectCallout">
+            <a:avLst>
+              <a:gd name="adj1" fmla="val 5329"/>
+              <a:gd name="adj2" fmla="val 113575"/>
+              <a:gd name="adj3" fmla="val 16667"/>
+            </a:avLst>
+          </a:prstGeom>
+        </p:spPr>
+        <p:style>
+          <a:lnRef idx="2">
+            <a:schemeClr val="accent5"/>
+          </a:lnRef>
+          <a:fillRef idx="1">
+            <a:schemeClr val="lt1"/>
+          </a:fillRef>
+          <a:effectRef idx="0">
+            <a:schemeClr val="accent5"/>
+          </a:effectRef>
+          <a:fontRef idx="minor">
+            <a:schemeClr val="dk1"/>
+          </a:fontRef>
+        </p:style>
+        <p:txBody>
+          <a:bodyPr rtlCol="0" anchor="ctr"/>
+          <a:lstStyle/>
+          <a:p>
+            <a:pPr>
+              <a:lnSpc>
+                <a:spcPct val="150000"/>
+              </a:lnSpc>
+            </a:pPr>
+            <a:r>
+              <a:rPr lang="en-US" altLang="zh-CN" sz="2000" dirty="0" smtClean="0">
+                <a:solidFill>
+                  <a:schemeClr val="tx1">
+                    <a:lumMod val="75000"/>
+                    <a:lumOff val="25000"/>
+                  </a:schemeClr>
+                </a:solidFill>
+                <a:latin typeface="微软雅黑" panose="020B0503020204020204" pitchFamily="34" charset="-122"/>
+                <a:ea typeface="微软雅黑" panose="020B0503020204020204" pitchFamily="34" charset="-122"/>
+              </a:rPr>
+              <a:t> </a:t>
+            </a:r>
+            <a:r>
+              <a:rPr lang="zh-CN" altLang="en-US" sz="2000" dirty="0" smtClean="0">
+                <a:solidFill>
+                  <a:schemeClr val="tx1">
+                    <a:lumMod val="75000"/>
+                    <a:lumOff val="25000"/>
+                  </a:schemeClr>
+                </a:solidFill>
+                <a:latin typeface="微软雅黑" panose="020B0503020204020204" pitchFamily="34" charset="-122"/>
+                <a:ea typeface="微软雅黑" panose="020B0503020204020204" pitchFamily="34" charset="-122"/>
+              </a:rPr>
+              <a:t>关光晕动画，延迟</a:t>
+            </a:r>
+            <a:r>
+              <a:rPr lang="en-US" altLang="zh-CN" sz="2000" dirty="0" smtClean="0">
+                <a:solidFill>
+                  <a:schemeClr val="tx1">
+                    <a:lumMod val="75000"/>
+                    <a:lumOff val="25000"/>
+                  </a:schemeClr>
+                </a:solidFill>
+                <a:latin typeface="微软雅黑" panose="020B0503020204020204" pitchFamily="34" charset="-122"/>
+                <a:ea typeface="微软雅黑" panose="020B0503020204020204" pitchFamily="34" charset="-122"/>
+              </a:rPr>
+              <a:t>0.5s</a:t>
+            </a:r>
+            <a:r>
+              <a:rPr lang="zh-CN" altLang="en-US" sz="2000" dirty="0" smtClean="0">
+                <a:solidFill>
+                  <a:schemeClr val="tx1">
+                    <a:lumMod val="75000"/>
+                    <a:lumOff val="25000"/>
+                  </a:schemeClr>
+                </a:solidFill>
+                <a:latin typeface="微软雅黑" panose="020B0503020204020204" pitchFamily="34" charset="-122"/>
+                <a:ea typeface="微软雅黑" panose="020B0503020204020204" pitchFamily="34" charset="-122"/>
+              </a:rPr>
+              <a:t>，</a:t>
+            </a:r>
+            <a:r>
+              <a:rPr lang="zh-CN" altLang="en-US" sz="2000" dirty="0" smtClean="0">
+                <a:solidFill>
+                  <a:schemeClr val="tx1">
+                    <a:lumMod val="75000"/>
+                    <a:lumOff val="25000"/>
+                  </a:schemeClr>
+                </a:solidFill>
+                <a:latin typeface="微软雅黑" panose="020B0503020204020204" pitchFamily="34" charset="-122"/>
+                <a:ea typeface="微软雅黑" panose="020B0503020204020204" pitchFamily="34" charset="-122"/>
+              </a:rPr>
+              <a:t>等到开关动画结束之后</a:t>
+            </a:r>
+            <a:endParaRPr lang="zh-CN" altLang="en-US" sz="2000" dirty="0">
+              <a:solidFill>
+                <a:schemeClr val="tx1">
+                  <a:lumMod val="75000"/>
+                  <a:lumOff val="25000"/>
+                </a:schemeClr>
+              </a:solidFill>
+              <a:latin typeface="微软雅黑" panose="020B0503020204020204" pitchFamily="34" charset="-122"/>
+              <a:ea typeface="微软雅黑" panose="020B0503020204020204" pitchFamily="34" charset="-122"/>
+            </a:endParaRPr>
+          </a:p>
+        </p:txBody>
+      </p:sp>
+      <p:sp>
+        <p:nvSpPr>
+          <p:cNvPr id="4" name="圆角矩形标注 3"/>
+          <p:cNvSpPr/>
+          <p:nvPr/>
+        </p:nvSpPr>
+        <p:spPr>
+          <a:xfrm>
+            <a:off x="1187624" y="2653287"/>
+            <a:ext cx="3857626" cy="1008112"/>
+          </a:xfrm>
+          <a:prstGeom prst="wedgeRoundRectCallout">
+            <a:avLst>
+              <a:gd name="adj1" fmla="val -28255"/>
+              <a:gd name="adj2" fmla="val -64192"/>
+              <a:gd name="adj3" fmla="val 16667"/>
+            </a:avLst>
+          </a:prstGeom>
+        </p:spPr>
+        <p:style>
+          <a:lnRef idx="2">
+            <a:schemeClr val="accent5"/>
+          </a:lnRef>
+          <a:fillRef idx="1">
+            <a:schemeClr val="lt1"/>
+          </a:fillRef>
+          <a:effectRef idx="0">
+            <a:schemeClr val="accent5"/>
+          </a:effectRef>
+          <a:fontRef idx="minor">
+            <a:schemeClr val="dk1"/>
+          </a:fontRef>
+        </p:style>
+        <p:txBody>
+          <a:bodyPr rtlCol="0" anchor="ctr"/>
+          <a:lstStyle/>
+          <a:p>
+            <a:pPr>
+              <a:lnSpc>
+                <a:spcPct val="150000"/>
+              </a:lnSpc>
+            </a:pPr>
+            <a:r>
+              <a:rPr lang="en-US" altLang="zh-CN" sz="2000" dirty="0" smtClean="0">
+                <a:solidFill>
+                  <a:schemeClr val="tx1">
+                    <a:lumMod val="75000"/>
+                    <a:lumOff val="25000"/>
+                  </a:schemeClr>
+                </a:solidFill>
+                <a:latin typeface="微软雅黑" panose="020B0503020204020204" pitchFamily="34" charset="-122"/>
+                <a:ea typeface="微软雅黑" panose="020B0503020204020204" pitchFamily="34" charset="-122"/>
+              </a:rPr>
+              <a:t> </a:t>
+            </a:r>
+            <a:r>
+              <a:rPr lang="zh-CN" altLang="en-US" sz="2000" dirty="0" smtClean="0">
+                <a:solidFill>
+                  <a:schemeClr val="tx1">
+                    <a:lumMod val="75000"/>
+                    <a:lumOff val="25000"/>
+                  </a:schemeClr>
+                </a:solidFill>
+                <a:latin typeface="微软雅黑" panose="020B0503020204020204" pitchFamily="34" charset="-122"/>
+                <a:ea typeface="微软雅黑" panose="020B0503020204020204" pitchFamily="34" charset="-122"/>
+              </a:rPr>
+              <a:t>文本切成红色，同样延迟</a:t>
+            </a:r>
+            <a:r>
+              <a:rPr lang="en-US" altLang="zh-CN" sz="2000" dirty="0" smtClean="0">
+                <a:solidFill>
+                  <a:schemeClr val="tx1">
+                    <a:lumMod val="75000"/>
+                    <a:lumOff val="25000"/>
+                  </a:schemeClr>
+                </a:solidFill>
+                <a:latin typeface="微软雅黑" panose="020B0503020204020204" pitchFamily="34" charset="-122"/>
+                <a:ea typeface="微软雅黑" panose="020B0503020204020204" pitchFamily="34" charset="-122"/>
+              </a:rPr>
+              <a:t>0.5s</a:t>
+            </a:r>
+            <a:r>
+              <a:rPr lang="zh-CN" altLang="en-US" sz="2000" dirty="0" smtClean="0">
+                <a:solidFill>
+                  <a:schemeClr val="tx1">
+                    <a:lumMod val="75000"/>
+                    <a:lumOff val="25000"/>
+                  </a:schemeClr>
+                </a:solidFill>
+                <a:latin typeface="微软雅黑" panose="020B0503020204020204" pitchFamily="34" charset="-122"/>
+                <a:ea typeface="微软雅黑" panose="020B0503020204020204" pitchFamily="34" charset="-122"/>
+              </a:rPr>
+              <a:t>。动画开始前保持动画白色</a:t>
+            </a:r>
+            <a:endParaRPr lang="zh-CN" altLang="en-US" sz="2000" dirty="0">
+              <a:solidFill>
+                <a:schemeClr val="tx1">
+                  <a:lumMod val="75000"/>
+                  <a:lumOff val="25000"/>
+                </a:schemeClr>
+              </a:solidFill>
+              <a:latin typeface="微软雅黑" panose="020B0503020204020204" pitchFamily="34" charset="-122"/>
+              <a:ea typeface="微软雅黑" panose="020B0503020204020204" pitchFamily="34" charset="-122"/>
+            </a:endParaRPr>
+          </a:p>
+        </p:txBody>
+      </p:sp>
+      <p:sp>
+        <p:nvSpPr>
+          <p:cNvPr id="5" name="圆角矩形标注 4"/>
+          <p:cNvSpPr/>
+          <p:nvPr/>
+        </p:nvSpPr>
+        <p:spPr>
+          <a:xfrm>
+            <a:off x="4366327" y="96389"/>
+            <a:ext cx="3626001" cy="1940957"/>
+          </a:xfrm>
+          <a:prstGeom prst="wedgeRoundRectCallout">
+            <a:avLst>
+              <a:gd name="adj1" fmla="val -58967"/>
+              <a:gd name="adj2" fmla="val 40094"/>
+              <a:gd name="adj3" fmla="val 16667"/>
+            </a:avLst>
+          </a:prstGeom>
+        </p:spPr>
+        <p:style>
+          <a:lnRef idx="2">
+            <a:schemeClr val="accent5"/>
+          </a:lnRef>
+          <a:fillRef idx="1">
+            <a:schemeClr val="lt1"/>
+          </a:fillRef>
+          <a:effectRef idx="0">
+            <a:schemeClr val="accent5"/>
+          </a:effectRef>
+          <a:fontRef idx="minor">
+            <a:schemeClr val="dk1"/>
+          </a:fontRef>
+        </p:style>
+        <p:txBody>
+          <a:bodyPr wrap="square">
+            <a:spAutoFit/>
+          </a:bodyPr>
+          <a:lstStyle/>
+          <a:p>
+            <a:pPr>
+              <a:lnSpc>
+                <a:spcPct val="150000"/>
+              </a:lnSpc>
+            </a:pPr>
+            <a:r>
+              <a:rPr lang="zh-CN" altLang="en-US" dirty="0" smtClean="0">
+                <a:solidFill>
+                  <a:schemeClr val="tx1">
+                    <a:lumMod val="75000"/>
+                    <a:lumOff val="25000"/>
+                  </a:schemeClr>
+                </a:solidFill>
+                <a:latin typeface="微软雅黑" panose="020B0503020204020204" pitchFamily="34" charset="-122"/>
+                <a:ea typeface="微软雅黑" panose="020B0503020204020204" pitchFamily="34" charset="-122"/>
+              </a:rPr>
+              <a:t>因延迟，动画</a:t>
+            </a:r>
+            <a:r>
+              <a:rPr lang="zh-CN" altLang="en-US" dirty="0">
+                <a:solidFill>
+                  <a:schemeClr val="tx1">
+                    <a:lumMod val="75000"/>
+                    <a:lumOff val="25000"/>
+                  </a:schemeClr>
+                </a:solidFill>
+                <a:latin typeface="微软雅黑" panose="020B0503020204020204" pitchFamily="34" charset="-122"/>
+                <a:ea typeface="微软雅黑" panose="020B0503020204020204" pitchFamily="34" charset="-122"/>
+              </a:rPr>
+              <a:t>前要保持有光晕，动画后要保持</a:t>
+            </a:r>
+            <a:r>
+              <a:rPr lang="zh-CN" altLang="en-US" dirty="0" smtClean="0">
+                <a:solidFill>
+                  <a:schemeClr val="tx1">
+                    <a:lumMod val="75000"/>
+                    <a:lumOff val="25000"/>
+                  </a:schemeClr>
+                </a:solidFill>
+                <a:latin typeface="微软雅黑" panose="020B0503020204020204" pitchFamily="34" charset="-122"/>
+                <a:ea typeface="微软雅黑" panose="020B0503020204020204" pitchFamily="34" charset="-122"/>
+              </a:rPr>
+              <a:t>没光晕，这样的话</a:t>
+            </a:r>
+            <a:r>
+              <a:rPr lang="en-US" altLang="zh-CN" dirty="0" smtClean="0">
+                <a:solidFill>
+                  <a:schemeClr val="tx1">
+                    <a:lumMod val="75000"/>
+                    <a:lumOff val="25000"/>
+                  </a:schemeClr>
+                </a:solidFill>
+                <a:latin typeface="微软雅黑" panose="020B0503020204020204" pitchFamily="34" charset="-122"/>
+                <a:ea typeface="微软雅黑" panose="020B0503020204020204" pitchFamily="34" charset="-122"/>
+              </a:rPr>
+              <a:t>@</a:t>
+            </a:r>
+            <a:r>
+              <a:rPr lang="en-US" altLang="zh-CN" dirty="0" err="1" smtClean="0">
+                <a:solidFill>
+                  <a:schemeClr val="tx1">
+                    <a:lumMod val="75000"/>
+                    <a:lumOff val="25000"/>
+                  </a:schemeClr>
+                </a:solidFill>
+                <a:latin typeface="微软雅黑" panose="020B0503020204020204" pitchFamily="34" charset="-122"/>
+                <a:ea typeface="微软雅黑" panose="020B0503020204020204" pitchFamily="34" charset="-122"/>
+              </a:rPr>
+              <a:t>keyframe</a:t>
+            </a:r>
+            <a:r>
+              <a:rPr lang="zh-CN" altLang="en-US" dirty="0" smtClean="0">
+                <a:solidFill>
+                  <a:schemeClr val="tx1">
+                    <a:lumMod val="75000"/>
+                    <a:lumOff val="25000"/>
+                  </a:schemeClr>
+                </a:solidFill>
+                <a:latin typeface="微软雅黑" panose="020B0503020204020204" pitchFamily="34" charset="-122"/>
+                <a:ea typeface="微软雅黑" panose="020B0503020204020204" pitchFamily="34" charset="-122"/>
+              </a:rPr>
+              <a:t>之外不再需要设置</a:t>
+            </a:r>
+            <a:r>
+              <a:rPr lang="en-US" altLang="zh-CN" dirty="0" smtClean="0">
+                <a:solidFill>
+                  <a:schemeClr val="tx1">
+                    <a:lumMod val="75000"/>
+                    <a:lumOff val="25000"/>
+                  </a:schemeClr>
+                </a:solidFill>
+                <a:latin typeface="微软雅黑" panose="020B0503020204020204" pitchFamily="34" charset="-122"/>
+                <a:ea typeface="微软雅黑" panose="020B0503020204020204" pitchFamily="34" charset="-122"/>
+              </a:rPr>
+              <a:t>box-shadow</a:t>
+            </a:r>
+            <a:r>
+              <a:rPr lang="zh-CN" altLang="en-US" dirty="0" smtClean="0">
+                <a:solidFill>
+                  <a:schemeClr val="tx1">
+                    <a:lumMod val="75000"/>
+                    <a:lumOff val="25000"/>
+                  </a:schemeClr>
+                </a:solidFill>
+                <a:latin typeface="微软雅黑" panose="020B0503020204020204" pitchFamily="34" charset="-122"/>
+                <a:ea typeface="微软雅黑" panose="020B0503020204020204" pitchFamily="34" charset="-122"/>
+              </a:rPr>
+              <a:t>的样式</a:t>
+            </a:r>
+            <a:endParaRPr lang="zh-CN" altLang="en-US" dirty="0">
+              <a:solidFill>
+                <a:schemeClr val="tx1">
+                  <a:lumMod val="75000"/>
+                  <a:lumOff val="25000"/>
+                </a:schemeClr>
+              </a:solidFill>
+              <a:latin typeface="微软雅黑" panose="020B0503020204020204" pitchFamily="34" charset="-122"/>
+              <a:ea typeface="微软雅黑" panose="020B0503020204020204" pitchFamily="34" charset="-122"/>
+            </a:endParaRPr>
+          </a:p>
+        </p:txBody>
+      </p:sp>
+    </p:spTree>
+    <p:extLst>
+      <p:ext uri="{BB962C8B-B14F-4D97-AF65-F5344CB8AC3E}">
+        <p14:creationId xmlns:p14="http://schemas.microsoft.com/office/powerpoint/2010/main" val="2645260725"/>
+      </p:ext>
+    </p:extLst>
+  </p:cSld>
+  <p:clrMapOvr>
+    <a:masterClrMapping/>
+  </p:clrMapOvr>
+</p:sld>
+</file>
+
+<file path=ppt/slides/slide25.xml><?xml version="1.0" encoding="utf-8"?>
+<p:sld xmlns:a="http://schemas.openxmlformats.org/drawingml/2006/main" xmlns:r="http://schemas.openxmlformats.org/officeDocument/2006/relationships" xmlns:p="http://schemas.openxmlformats.org/presentationml/2006/main">
+  <p:cSld>
+    <p:spTree>
+      <p:nvGrpSpPr>
+        <p:cNvPr id="1" name=""/>
+        <p:cNvGrpSpPr/>
+        <p:nvPr/>
+      </p:nvGrpSpPr>
+      <p:grpSpPr>
+        <a:xfrm>
+          <a:off x="0" y="0"/>
+          <a:ext cx="0" cy="0"/>
+          <a:chOff x="0" y="0"/>
+          <a:chExt cx="0" cy="0"/>
+        </a:xfrm>
+      </p:grpSpPr>
+      <p:pic>
+        <p:nvPicPr>
+          <p:cNvPr id="2" name="图片 1" descr="屏幕剪辑"/>
+          <p:cNvPicPr>
+            <a:picLocks noChangeAspect="1"/>
+          </p:cNvPicPr>
+          <p:nvPr/>
+        </p:nvPicPr>
+        <p:blipFill>
+          <a:blip r:embed="rId2">
+            <a:extLst>
+              <a:ext uri="{28A0092B-C50C-407E-A947-70E740481C1C}">
+                <a14:useLocalDpi xmlns:a14="http://schemas.microsoft.com/office/drawing/2010/main" val="0"/>
+              </a:ext>
+            </a:extLst>
+          </a:blip>
+          <a:stretch>
+            <a:fillRect/>
+          </a:stretch>
+        </p:blipFill>
+        <p:spPr>
+          <a:xfrm>
+            <a:off x="4267118" y="476672"/>
+            <a:ext cx="3467584" cy="1009791"/>
+          </a:xfrm>
+          <a:prstGeom prst="rect">
+            <a:avLst/>
+          </a:prstGeom>
+          <a:ln>
+            <a:noFill/>
+          </a:ln>
+          <a:effectLst>
+            <a:outerShdw blurRad="292100" dist="139700" dir="2700000" algn="tl" rotWithShape="0">
+              <a:srgbClr val="333333">
+                <a:alpha val="65000"/>
+              </a:srgbClr>
+            </a:outerShdw>
+          </a:effectLst>
+        </p:spPr>
+      </p:pic>
+      <p:pic>
+        <p:nvPicPr>
+          <p:cNvPr id="3" name="图片 2" descr="屏幕剪辑"/>
+          <p:cNvPicPr>
+            <a:picLocks noChangeAspect="1"/>
+          </p:cNvPicPr>
+          <p:nvPr/>
+        </p:nvPicPr>
+        <p:blipFill>
+          <a:blip r:embed="rId3">
+            <a:extLst>
+              <a:ext uri="{28A0092B-C50C-407E-A947-70E740481C1C}">
+                <a14:useLocalDpi xmlns:a14="http://schemas.microsoft.com/office/drawing/2010/main" val="0"/>
+              </a:ext>
+            </a:extLst>
+          </a:blip>
+          <a:stretch>
+            <a:fillRect/>
+          </a:stretch>
+        </p:blipFill>
+        <p:spPr>
+          <a:xfrm>
+            <a:off x="1187624" y="476672"/>
+            <a:ext cx="2943636" cy="5496692"/>
+          </a:xfrm>
+          <a:prstGeom prst="rect">
+            <a:avLst/>
+          </a:prstGeom>
+          <a:ln>
+            <a:noFill/>
+          </a:ln>
+          <a:effectLst>
+            <a:outerShdw blurRad="292100" dist="139700" dir="2700000" algn="tl" rotWithShape="0">
+              <a:srgbClr val="333333">
+                <a:alpha val="65000"/>
+              </a:srgbClr>
+            </a:outerShdw>
+          </a:effectLst>
+        </p:spPr>
+      </p:pic>
+      <p:sp>
+        <p:nvSpPr>
+          <p:cNvPr id="4" name="圆角矩形标注 3"/>
+          <p:cNvSpPr/>
+          <p:nvPr/>
+        </p:nvSpPr>
+        <p:spPr>
+          <a:xfrm>
+            <a:off x="4615857" y="1486463"/>
+            <a:ext cx="2770105" cy="864096"/>
+          </a:xfrm>
+          <a:prstGeom prst="wedgeRoundRectCallout">
+            <a:avLst>
+              <a:gd name="adj1" fmla="val 11753"/>
+              <a:gd name="adj2" fmla="val -66374"/>
+              <a:gd name="adj3" fmla="val 16667"/>
+            </a:avLst>
+          </a:prstGeom>
+        </p:spPr>
+        <p:style>
+          <a:lnRef idx="2">
+            <a:schemeClr val="accent5"/>
+          </a:lnRef>
+          <a:fillRef idx="1">
+            <a:schemeClr val="lt1"/>
+          </a:fillRef>
+          <a:effectRef idx="0">
+            <a:schemeClr val="accent5"/>
+          </a:effectRef>
+          <a:fontRef idx="minor">
+            <a:schemeClr val="dk1"/>
+          </a:fontRef>
+        </p:style>
+        <p:txBody>
+          <a:bodyPr rtlCol="0" anchor="ctr"/>
+          <a:lstStyle/>
+          <a:p>
+            <a:pPr>
+              <a:lnSpc>
+                <a:spcPct val="150000"/>
+              </a:lnSpc>
+            </a:pPr>
+            <a:r>
+              <a:rPr lang="en-US" altLang="zh-CN" sz="2000" dirty="0" smtClean="0">
+                <a:solidFill>
+                  <a:schemeClr val="tx1">
+                    <a:lumMod val="75000"/>
+                    <a:lumOff val="25000"/>
+                  </a:schemeClr>
+                </a:solidFill>
+                <a:latin typeface="微软雅黑" panose="020B0503020204020204" pitchFamily="34" charset="-122"/>
+                <a:ea typeface="微软雅黑" panose="020B0503020204020204" pitchFamily="34" charset="-122"/>
+              </a:rPr>
+              <a:t> </a:t>
+            </a:r>
+            <a:r>
+              <a:rPr lang="en-US" altLang="zh-CN" sz="2000" dirty="0" smtClean="0">
+                <a:solidFill>
+                  <a:schemeClr val="tx1">
+                    <a:lumMod val="75000"/>
+                    <a:lumOff val="25000"/>
+                  </a:schemeClr>
+                </a:solidFill>
+                <a:latin typeface="微软雅黑" panose="020B0503020204020204" pitchFamily="34" charset="-122"/>
+                <a:ea typeface="微软雅黑" panose="020B0503020204020204" pitchFamily="34" charset="-122"/>
+              </a:rPr>
+              <a:t>100%</a:t>
+            </a:r>
+            <a:r>
+              <a:rPr lang="zh-CN" altLang="en-US" sz="2000" dirty="0" smtClean="0">
+                <a:solidFill>
+                  <a:schemeClr val="tx1">
+                    <a:lumMod val="75000"/>
+                    <a:lumOff val="25000"/>
+                  </a:schemeClr>
+                </a:solidFill>
+                <a:latin typeface="微软雅黑" panose="020B0503020204020204" pitchFamily="34" charset="-122"/>
+                <a:ea typeface="微软雅黑" panose="020B0503020204020204" pitchFamily="34" charset="-122"/>
+              </a:rPr>
+              <a:t>的样式，在静态</a:t>
+            </a:r>
+            <a:r>
+              <a:rPr lang="en-US" altLang="zh-CN" sz="2000" dirty="0" err="1" smtClean="0">
+                <a:solidFill>
+                  <a:schemeClr val="tx1">
+                    <a:lumMod val="75000"/>
+                    <a:lumOff val="25000"/>
+                  </a:schemeClr>
+                </a:solidFill>
+                <a:latin typeface="微软雅黑" panose="020B0503020204020204" pitchFamily="34" charset="-122"/>
+                <a:ea typeface="微软雅黑" panose="020B0503020204020204" pitchFamily="34" charset="-122"/>
+              </a:rPr>
+              <a:t>css</a:t>
+            </a:r>
+            <a:r>
+              <a:rPr lang="zh-CN" altLang="en-US" sz="2000" dirty="0" smtClean="0">
+                <a:solidFill>
+                  <a:schemeClr val="tx1">
+                    <a:lumMod val="75000"/>
+                    <a:lumOff val="25000"/>
+                  </a:schemeClr>
+                </a:solidFill>
+                <a:latin typeface="微软雅黑" panose="020B0503020204020204" pitchFamily="34" charset="-122"/>
+                <a:ea typeface="微软雅黑" panose="020B0503020204020204" pitchFamily="34" charset="-122"/>
+              </a:rPr>
+              <a:t>中设置</a:t>
+            </a:r>
+            <a:endParaRPr lang="zh-CN" altLang="en-US" sz="2000" dirty="0">
+              <a:solidFill>
+                <a:schemeClr val="tx1">
+                  <a:lumMod val="75000"/>
+                  <a:lumOff val="25000"/>
+                </a:schemeClr>
+              </a:solidFill>
+              <a:latin typeface="微软雅黑" panose="020B0503020204020204" pitchFamily="34" charset="-122"/>
+              <a:ea typeface="微软雅黑" panose="020B0503020204020204" pitchFamily="34" charset="-122"/>
+            </a:endParaRPr>
+          </a:p>
+        </p:txBody>
+      </p:sp>
+      <p:pic>
+        <p:nvPicPr>
+          <p:cNvPr id="5" name="图片 4" descr="屏幕剪辑"/>
+          <p:cNvPicPr>
+            <a:picLocks noChangeAspect="1"/>
+          </p:cNvPicPr>
+          <p:nvPr/>
+        </p:nvPicPr>
+        <p:blipFill>
+          <a:blip r:embed="rId4">
+            <a:extLst>
+              <a:ext uri="{28A0092B-C50C-407E-A947-70E740481C1C}">
+                <a14:useLocalDpi xmlns:a14="http://schemas.microsoft.com/office/drawing/2010/main" val="0"/>
+              </a:ext>
+            </a:extLst>
+          </a:blip>
+          <a:stretch>
+            <a:fillRect/>
+          </a:stretch>
+        </p:blipFill>
+        <p:spPr>
+          <a:xfrm>
+            <a:off x="5163878" y="2677254"/>
+            <a:ext cx="2238687" cy="1095528"/>
+          </a:xfrm>
+          <a:prstGeom prst="rect">
+            <a:avLst/>
+          </a:prstGeom>
+          <a:ln>
+            <a:noFill/>
+          </a:ln>
+          <a:effectLst>
+            <a:outerShdw blurRad="292100" dist="139700" dir="2700000" algn="tl" rotWithShape="0">
+              <a:srgbClr val="333333">
+                <a:alpha val="65000"/>
+              </a:srgbClr>
+            </a:outerShdw>
+          </a:effectLst>
+        </p:spPr>
+      </p:pic>
+      <p:sp>
+        <p:nvSpPr>
+          <p:cNvPr id="6" name="圆角矩形标注 5"/>
+          <p:cNvSpPr/>
+          <p:nvPr/>
+        </p:nvSpPr>
+        <p:spPr>
+          <a:xfrm>
+            <a:off x="5436096" y="3757356"/>
+            <a:ext cx="2144426" cy="432048"/>
+          </a:xfrm>
+          <a:prstGeom prst="wedgeRoundRectCallout">
+            <a:avLst>
+              <a:gd name="adj1" fmla="val 11753"/>
+              <a:gd name="adj2" fmla="val -66374"/>
+              <a:gd name="adj3" fmla="val 16667"/>
+            </a:avLst>
+          </a:prstGeom>
+        </p:spPr>
+        <p:style>
+          <a:lnRef idx="2">
+            <a:schemeClr val="accent5"/>
+          </a:lnRef>
+          <a:fillRef idx="1">
+            <a:schemeClr val="lt1"/>
+          </a:fillRef>
+          <a:effectRef idx="0">
+            <a:schemeClr val="accent5"/>
+          </a:effectRef>
+          <a:fontRef idx="minor">
+            <a:schemeClr val="dk1"/>
+          </a:fontRef>
+        </p:style>
+        <p:txBody>
+          <a:bodyPr rtlCol="0" anchor="ctr"/>
+          <a:lstStyle/>
+          <a:p>
+            <a:pPr>
+              <a:lnSpc>
+                <a:spcPct val="150000"/>
+              </a:lnSpc>
+            </a:pPr>
+            <a:r>
+              <a:rPr lang="en-US" altLang="zh-CN" sz="2000" dirty="0" smtClean="0">
+                <a:solidFill>
+                  <a:schemeClr val="tx1">
+                    <a:lumMod val="75000"/>
+                    <a:lumOff val="25000"/>
+                  </a:schemeClr>
+                </a:solidFill>
+                <a:latin typeface="微软雅黑" panose="020B0503020204020204" pitchFamily="34" charset="-122"/>
+                <a:ea typeface="微软雅黑" panose="020B0503020204020204" pitchFamily="34" charset="-122"/>
+              </a:rPr>
+              <a:t> </a:t>
+            </a:r>
+            <a:r>
+              <a:rPr lang="en-US" altLang="zh-CN" sz="2000" dirty="0" smtClean="0">
+                <a:solidFill>
+                  <a:schemeClr val="tx1">
+                    <a:lumMod val="75000"/>
+                    <a:lumOff val="25000"/>
+                  </a:schemeClr>
+                </a:solidFill>
+                <a:latin typeface="微软雅黑" panose="020B0503020204020204" pitchFamily="34" charset="-122"/>
+                <a:ea typeface="微软雅黑" panose="020B0503020204020204" pitchFamily="34" charset="-122"/>
+              </a:rPr>
+              <a:t>100%</a:t>
+            </a:r>
+            <a:r>
+              <a:rPr lang="zh-CN" altLang="en-US" sz="2000" dirty="0" smtClean="0">
+                <a:solidFill>
+                  <a:schemeClr val="tx1">
+                    <a:lumMod val="75000"/>
+                    <a:lumOff val="25000"/>
+                  </a:schemeClr>
+                </a:solidFill>
+                <a:latin typeface="微软雅黑" panose="020B0503020204020204" pitchFamily="34" charset="-122"/>
+                <a:ea typeface="微软雅黑" panose="020B0503020204020204" pitchFamily="34" charset="-122"/>
+              </a:rPr>
+              <a:t>的动画</a:t>
+            </a:r>
+            <a:endParaRPr lang="zh-CN" altLang="en-US" sz="2000" dirty="0">
+              <a:solidFill>
+                <a:schemeClr val="tx1">
+                  <a:lumMod val="75000"/>
+                  <a:lumOff val="25000"/>
+                </a:schemeClr>
+              </a:solidFill>
+              <a:latin typeface="微软雅黑" panose="020B0503020204020204" pitchFamily="34" charset="-122"/>
+              <a:ea typeface="微软雅黑" panose="020B0503020204020204" pitchFamily="34" charset="-122"/>
+            </a:endParaRPr>
+          </a:p>
+        </p:txBody>
+      </p:sp>
+      <p:sp>
+        <p:nvSpPr>
+          <p:cNvPr id="7" name="圆角矩形标注 6"/>
+          <p:cNvSpPr/>
+          <p:nvPr/>
+        </p:nvSpPr>
+        <p:spPr>
+          <a:xfrm>
+            <a:off x="4051043" y="4437112"/>
+            <a:ext cx="2770105" cy="864096"/>
+          </a:xfrm>
+          <a:prstGeom prst="wedgeRoundRectCallout">
+            <a:avLst>
+              <a:gd name="adj1" fmla="val -62317"/>
+              <a:gd name="adj2" fmla="val -39273"/>
+              <a:gd name="adj3" fmla="val 16667"/>
+            </a:avLst>
+          </a:prstGeom>
+        </p:spPr>
+        <p:style>
+          <a:lnRef idx="2">
+            <a:schemeClr val="accent5"/>
+          </a:lnRef>
+          <a:fillRef idx="1">
+            <a:schemeClr val="lt1"/>
+          </a:fillRef>
+          <a:effectRef idx="0">
+            <a:schemeClr val="accent5"/>
+          </a:effectRef>
+          <a:fontRef idx="minor">
+            <a:schemeClr val="dk1"/>
+          </a:fontRef>
+        </p:style>
+        <p:txBody>
+          <a:bodyPr rtlCol="0" anchor="ctr"/>
+          <a:lstStyle/>
+          <a:p>
+            <a:pPr>
+              <a:lnSpc>
+                <a:spcPct val="150000"/>
+              </a:lnSpc>
+            </a:pPr>
+            <a:r>
+              <a:rPr lang="en-US" altLang="zh-CN" sz="2000" dirty="0" smtClean="0">
+                <a:solidFill>
+                  <a:schemeClr val="tx1">
+                    <a:lumMod val="75000"/>
+                    <a:lumOff val="25000"/>
+                  </a:schemeClr>
+                </a:solidFill>
+                <a:latin typeface="微软雅黑" panose="020B0503020204020204" pitchFamily="34" charset="-122"/>
+                <a:ea typeface="微软雅黑" panose="020B0503020204020204" pitchFamily="34" charset="-122"/>
+              </a:rPr>
+              <a:t> </a:t>
+            </a:r>
+            <a:r>
+              <a:rPr lang="zh-CN" altLang="en-US" sz="2000" dirty="0" smtClean="0">
+                <a:solidFill>
+                  <a:schemeClr val="tx1">
+                    <a:lumMod val="75000"/>
+                    <a:lumOff val="25000"/>
+                  </a:schemeClr>
+                </a:solidFill>
+                <a:latin typeface="微软雅黑" panose="020B0503020204020204" pitchFamily="34" charset="-122"/>
+                <a:ea typeface="微软雅黑" panose="020B0503020204020204" pitchFamily="34" charset="-122"/>
+              </a:rPr>
+              <a:t>这个样式是关闭前的霓虹灯光晕样式</a:t>
+            </a:r>
+            <a:endParaRPr lang="zh-CN" altLang="en-US" sz="2000" dirty="0">
+              <a:solidFill>
+                <a:schemeClr val="tx1">
+                  <a:lumMod val="75000"/>
+                  <a:lumOff val="25000"/>
+                </a:schemeClr>
+              </a:solidFill>
+              <a:latin typeface="微软雅黑" panose="020B0503020204020204" pitchFamily="34" charset="-122"/>
+              <a:ea typeface="微软雅黑" panose="020B0503020204020204" pitchFamily="34" charset="-122"/>
+            </a:endParaRPr>
+          </a:p>
+        </p:txBody>
+      </p:sp>
+    </p:spTree>
+    <p:extLst>
+      <p:ext uri="{BB962C8B-B14F-4D97-AF65-F5344CB8AC3E}">
+        <p14:creationId xmlns:p14="http://schemas.microsoft.com/office/powerpoint/2010/main" val="3096573828"/>
+      </p:ext>
+    </p:extLst>
+  </p:cSld>
+  <p:clrMapOvr>
+    <a:masterClrMapping/>
+  </p:clrMapOvr>
+</p:sld>
+</file>
+
+<file path=ppt/slides/slide26.xml><?xml version="1.0" encoding="utf-8"?>
+<p:sld xmlns:a="http://schemas.openxmlformats.org/drawingml/2006/main" xmlns:r="http://schemas.openxmlformats.org/officeDocument/2006/relationships" xmlns:p="http://schemas.openxmlformats.org/presentationml/2006/main">
+  <p:cSld>
+    <p:spTree>
+      <p:nvGrpSpPr>
+        <p:cNvPr id="1" name=""/>
+        <p:cNvGrpSpPr/>
+        <p:nvPr/>
+      </p:nvGrpSpPr>
+      <p:grpSpPr>
+        <a:xfrm>
+          <a:off x="0" y="0"/>
+          <a:ext cx="0" cy="0"/>
+          <a:chOff x="0" y="0"/>
+          <a:chExt cx="0" cy="0"/>
+        </a:xfrm>
+      </p:grpSpPr>
+      <p:pic>
+        <p:nvPicPr>
+          <p:cNvPr id="2" name="图片 1" descr="屏幕剪辑"/>
+          <p:cNvPicPr>
+            <a:picLocks noChangeAspect="1"/>
+          </p:cNvPicPr>
+          <p:nvPr/>
+        </p:nvPicPr>
+        <p:blipFill>
+          <a:blip r:embed="rId2">
+            <a:extLst>
+              <a:ext uri="{28A0092B-C50C-407E-A947-70E740481C1C}">
+                <a14:useLocalDpi xmlns:a14="http://schemas.microsoft.com/office/drawing/2010/main" val="0"/>
+              </a:ext>
+            </a:extLst>
+          </a:blip>
+          <a:stretch>
+            <a:fillRect/>
+          </a:stretch>
+        </p:blipFill>
+        <p:spPr>
+          <a:xfrm>
+            <a:off x="755576" y="548680"/>
+            <a:ext cx="6496957" cy="1724266"/>
+          </a:xfrm>
+          <a:prstGeom prst="rect">
+            <a:avLst/>
+          </a:prstGeom>
+          <a:ln>
+            <a:noFill/>
+          </a:ln>
+          <a:effectLst>
+            <a:outerShdw blurRad="292100" dist="139700" dir="2700000" algn="tl" rotWithShape="0">
+              <a:srgbClr val="333333">
+                <a:alpha val="65000"/>
+              </a:srgbClr>
+            </a:outerShdw>
+          </a:effectLst>
+        </p:spPr>
+      </p:pic>
+      <p:sp>
+        <p:nvSpPr>
+          <p:cNvPr id="3" name="圆角矩形标注 2"/>
+          <p:cNvSpPr/>
+          <p:nvPr/>
+        </p:nvSpPr>
+        <p:spPr>
+          <a:xfrm>
+            <a:off x="3851920" y="260648"/>
+            <a:ext cx="3600400" cy="864096"/>
+          </a:xfrm>
+          <a:prstGeom prst="wedgeRoundRectCallout">
+            <a:avLst>
+              <a:gd name="adj1" fmla="val 14571"/>
+              <a:gd name="adj2" fmla="val 66548"/>
+              <a:gd name="adj3" fmla="val 16667"/>
+            </a:avLst>
+          </a:prstGeom>
+        </p:spPr>
+        <p:style>
+          <a:lnRef idx="2">
+            <a:schemeClr val="accent5"/>
+          </a:lnRef>
+          <a:fillRef idx="1">
+            <a:schemeClr val="lt1"/>
+          </a:fillRef>
+          <a:effectRef idx="0">
+            <a:schemeClr val="accent5"/>
+          </a:effectRef>
+          <a:fontRef idx="minor">
+            <a:schemeClr val="dk1"/>
+          </a:fontRef>
+        </p:style>
+        <p:txBody>
+          <a:bodyPr rtlCol="0" anchor="ctr"/>
+          <a:lstStyle/>
+          <a:p>
+            <a:pPr>
+              <a:lnSpc>
+                <a:spcPct val="150000"/>
+              </a:lnSpc>
+            </a:pPr>
+            <a:r>
+              <a:rPr lang="en-US" altLang="zh-CN" sz="2000" dirty="0" smtClean="0">
+                <a:solidFill>
+                  <a:schemeClr val="tx1">
+                    <a:lumMod val="75000"/>
+                    <a:lumOff val="25000"/>
+                  </a:schemeClr>
+                </a:solidFill>
+                <a:latin typeface="微软雅黑" panose="020B0503020204020204" pitchFamily="34" charset="-122"/>
+                <a:ea typeface="微软雅黑" panose="020B0503020204020204" pitchFamily="34" charset="-122"/>
+              </a:rPr>
+              <a:t> </a:t>
+            </a:r>
+            <a:r>
+              <a:rPr lang="zh-CN" altLang="en-US" sz="2000" dirty="0" smtClean="0">
+                <a:solidFill>
+                  <a:schemeClr val="tx1">
+                    <a:lumMod val="75000"/>
+                    <a:lumOff val="25000"/>
+                  </a:schemeClr>
+                </a:solidFill>
+                <a:latin typeface="微软雅黑" panose="020B0503020204020204" pitchFamily="34" charset="-122"/>
+                <a:ea typeface="微软雅黑" panose="020B0503020204020204" pitchFamily="34" charset="-122"/>
+              </a:rPr>
+              <a:t>交替，闪烁动画，要延迟，等待开关动画和文本颜色动画</a:t>
+            </a:r>
+            <a:endParaRPr lang="zh-CN" altLang="en-US" sz="2000" dirty="0">
+              <a:solidFill>
+                <a:schemeClr val="tx1">
+                  <a:lumMod val="75000"/>
+                  <a:lumOff val="25000"/>
+                </a:schemeClr>
+              </a:solidFill>
+              <a:latin typeface="微软雅黑" panose="020B0503020204020204" pitchFamily="34" charset="-122"/>
+              <a:ea typeface="微软雅黑" panose="020B0503020204020204" pitchFamily="34" charset="-122"/>
+            </a:endParaRPr>
+          </a:p>
+        </p:txBody>
+      </p:sp>
+      <p:sp>
+        <p:nvSpPr>
+          <p:cNvPr id="5" name="圆角矩形标注 4"/>
+          <p:cNvSpPr/>
+          <p:nvPr/>
+        </p:nvSpPr>
+        <p:spPr>
+          <a:xfrm>
+            <a:off x="3059832" y="2124678"/>
+            <a:ext cx="3384376" cy="864096"/>
+          </a:xfrm>
+          <a:prstGeom prst="wedgeRoundRectCallout">
+            <a:avLst>
+              <a:gd name="adj1" fmla="val 14571"/>
+              <a:gd name="adj2" fmla="val -68955"/>
+              <a:gd name="adj3" fmla="val 16667"/>
+            </a:avLst>
+          </a:prstGeom>
+        </p:spPr>
+        <p:style>
+          <a:lnRef idx="2">
+            <a:schemeClr val="accent5"/>
+          </a:lnRef>
+          <a:fillRef idx="1">
+            <a:schemeClr val="lt1"/>
+          </a:fillRef>
+          <a:effectRef idx="0">
+            <a:schemeClr val="accent5"/>
+          </a:effectRef>
+          <a:fontRef idx="minor">
+            <a:schemeClr val="dk1"/>
+          </a:fontRef>
+        </p:style>
+        <p:txBody>
+          <a:bodyPr rtlCol="0" anchor="ctr"/>
+          <a:lstStyle/>
+          <a:p>
+            <a:pPr>
+              <a:lnSpc>
+                <a:spcPct val="150000"/>
+              </a:lnSpc>
+            </a:pPr>
+            <a:r>
+              <a:rPr lang="en-US" altLang="zh-CN" sz="2000" dirty="0" smtClean="0">
+                <a:solidFill>
+                  <a:schemeClr val="tx1">
+                    <a:lumMod val="75000"/>
+                    <a:lumOff val="25000"/>
+                  </a:schemeClr>
+                </a:solidFill>
+                <a:latin typeface="微软雅黑" panose="020B0503020204020204" pitchFamily="34" charset="-122"/>
+                <a:ea typeface="微软雅黑" panose="020B0503020204020204" pitchFamily="34" charset="-122"/>
+              </a:rPr>
+              <a:t> </a:t>
+            </a:r>
+            <a:r>
+              <a:rPr lang="zh-CN" altLang="en-US" sz="2000" dirty="0" smtClean="0">
+                <a:solidFill>
+                  <a:schemeClr val="tx1">
+                    <a:lumMod val="75000"/>
+                    <a:lumOff val="25000"/>
+                  </a:schemeClr>
+                </a:solidFill>
+                <a:latin typeface="微软雅黑" panose="020B0503020204020204" pitchFamily="34" charset="-122"/>
+                <a:ea typeface="微软雅黑" panose="020B0503020204020204" pitchFamily="34" charset="-122"/>
+              </a:rPr>
+              <a:t>动画</a:t>
+            </a:r>
+            <a:r>
+              <a:rPr lang="zh-CN" altLang="en-US" sz="2000" dirty="0" smtClean="0">
+                <a:solidFill>
+                  <a:schemeClr val="tx1">
+                    <a:lumMod val="75000"/>
+                    <a:lumOff val="25000"/>
+                  </a:schemeClr>
+                </a:solidFill>
+                <a:latin typeface="微软雅黑" panose="020B0503020204020204" pitchFamily="34" charset="-122"/>
+                <a:ea typeface="微软雅黑" panose="020B0503020204020204" pitchFamily="34" charset="-122"/>
+              </a:rPr>
+              <a:t>后保持文本颜色，这样就不需要单独设置颜色</a:t>
+            </a:r>
+            <a:endParaRPr lang="zh-CN" altLang="en-US" sz="2000" dirty="0">
+              <a:solidFill>
+                <a:schemeClr val="tx1">
+                  <a:lumMod val="75000"/>
+                  <a:lumOff val="25000"/>
+                </a:schemeClr>
+              </a:solidFill>
+              <a:latin typeface="微软雅黑" panose="020B0503020204020204" pitchFamily="34" charset="-122"/>
+              <a:ea typeface="微软雅黑" panose="020B0503020204020204" pitchFamily="34" charset="-122"/>
+            </a:endParaRPr>
+          </a:p>
+        </p:txBody>
+      </p:sp>
+      <p:pic>
+        <p:nvPicPr>
+          <p:cNvPr id="7" name="图片 6" descr="屏幕剪辑"/>
+          <p:cNvPicPr>
+            <a:picLocks noChangeAspect="1"/>
+          </p:cNvPicPr>
+          <p:nvPr/>
+        </p:nvPicPr>
+        <p:blipFill>
+          <a:blip r:embed="rId3">
+            <a:extLst>
+              <a:ext uri="{28A0092B-C50C-407E-A947-70E740481C1C}">
+                <a14:useLocalDpi xmlns:a14="http://schemas.microsoft.com/office/drawing/2010/main" val="0"/>
+              </a:ext>
+            </a:extLst>
+          </a:blip>
+          <a:stretch>
+            <a:fillRect/>
+          </a:stretch>
+        </p:blipFill>
+        <p:spPr>
+          <a:xfrm>
+            <a:off x="774326" y="3861048"/>
+            <a:ext cx="3524742" cy="1057423"/>
+          </a:xfrm>
+          <a:prstGeom prst="rect">
+            <a:avLst/>
+          </a:prstGeom>
+          <a:ln>
+            <a:noFill/>
+          </a:ln>
+          <a:effectLst>
+            <a:outerShdw blurRad="292100" dist="139700" dir="2700000" algn="tl" rotWithShape="0">
+              <a:srgbClr val="333333">
+                <a:alpha val="65000"/>
+              </a:srgbClr>
+            </a:outerShdw>
+          </a:effectLst>
+        </p:spPr>
+      </p:pic>
+      <p:sp>
+        <p:nvSpPr>
+          <p:cNvPr id="8" name="圆角矩形标注 7"/>
+          <p:cNvSpPr/>
+          <p:nvPr/>
+        </p:nvSpPr>
+        <p:spPr>
+          <a:xfrm>
+            <a:off x="774326" y="5229200"/>
+            <a:ext cx="3384376" cy="864096"/>
+          </a:xfrm>
+          <a:prstGeom prst="wedgeRoundRectCallout">
+            <a:avLst>
+              <a:gd name="adj1" fmla="val 14571"/>
+              <a:gd name="adj2" fmla="val -68955"/>
+              <a:gd name="adj3" fmla="val 16667"/>
+            </a:avLst>
+          </a:prstGeom>
+        </p:spPr>
+        <p:style>
+          <a:lnRef idx="2">
+            <a:schemeClr val="accent5"/>
+          </a:lnRef>
+          <a:fillRef idx="1">
+            <a:schemeClr val="lt1"/>
+          </a:fillRef>
+          <a:effectRef idx="0">
+            <a:schemeClr val="accent5"/>
+          </a:effectRef>
+          <a:fontRef idx="minor">
+            <a:schemeClr val="dk1"/>
+          </a:fontRef>
+        </p:style>
+        <p:txBody>
+          <a:bodyPr rtlCol="0" anchor="ctr"/>
+          <a:lstStyle/>
+          <a:p>
+            <a:pPr>
+              <a:lnSpc>
+                <a:spcPct val="150000"/>
+              </a:lnSpc>
+            </a:pPr>
+            <a:r>
+              <a:rPr lang="en-US" altLang="zh-CN" sz="2000" dirty="0" smtClean="0">
+                <a:solidFill>
+                  <a:schemeClr val="tx1">
+                    <a:lumMod val="75000"/>
+                    <a:lumOff val="25000"/>
+                  </a:schemeClr>
+                </a:solidFill>
+                <a:latin typeface="微软雅黑" panose="020B0503020204020204" pitchFamily="34" charset="-122"/>
+                <a:ea typeface="微软雅黑" panose="020B0503020204020204" pitchFamily="34" charset="-122"/>
+              </a:rPr>
+              <a:t> </a:t>
+            </a:r>
+            <a:r>
+              <a:rPr lang="zh-CN" altLang="en-US" sz="2000" dirty="0" smtClean="0">
+                <a:solidFill>
+                  <a:schemeClr val="tx1">
+                    <a:lumMod val="75000"/>
+                    <a:lumOff val="25000"/>
+                  </a:schemeClr>
+                </a:solidFill>
+                <a:latin typeface="微软雅黑" panose="020B0503020204020204" pitchFamily="34" charset="-122"/>
+                <a:ea typeface="微软雅黑" panose="020B0503020204020204" pitchFamily="34" charset="-122"/>
+              </a:rPr>
+              <a:t>闪烁的动画如前所示，这里是文本动画关键帧的定义</a:t>
+            </a:r>
+            <a:endParaRPr lang="zh-CN" altLang="en-US" sz="2000" dirty="0">
+              <a:solidFill>
+                <a:schemeClr val="tx1">
+                  <a:lumMod val="75000"/>
+                  <a:lumOff val="25000"/>
+                </a:schemeClr>
+              </a:solidFill>
+              <a:latin typeface="微软雅黑" panose="020B0503020204020204" pitchFamily="34" charset="-122"/>
+              <a:ea typeface="微软雅黑" panose="020B0503020204020204" pitchFamily="34" charset="-122"/>
+            </a:endParaRPr>
+          </a:p>
+        </p:txBody>
+      </p:sp>
+    </p:spTree>
+    <p:extLst>
+      <p:ext uri="{BB962C8B-B14F-4D97-AF65-F5344CB8AC3E}">
+        <p14:creationId xmlns:p14="http://schemas.microsoft.com/office/powerpoint/2010/main" val="4255995501"/>
+      </p:ext>
+    </p:extLst>
+  </p:cSld>
+  <p:clrMapOvr>
+    <a:masterClrMapping/>
+  </p:clrMapOvr>
+</p:sld>
+</file>
+
+<file path=ppt/slides/slide27.xml><?xml version="1.0" encoding="utf-8"?>
+<p:sld xmlns:a="http://schemas.openxmlformats.org/drawingml/2006/main" xmlns:r="http://schemas.openxmlformats.org/officeDocument/2006/relationships" xmlns:p="http://schemas.openxmlformats.org/presentationml/2006/main">
+  <p:cSld>
+    <p:spTree>
+      <p:nvGrpSpPr>
+        <p:cNvPr id="1" name=""/>
+        <p:cNvGrpSpPr/>
+        <p:nvPr/>
+      </p:nvGrpSpPr>
+      <p:grpSpPr>
+        <a:xfrm>
+          <a:off x="0" y="0"/>
+          <a:ext cx="0" cy="0"/>
+          <a:chOff x="0" y="0"/>
+          <a:chExt cx="0" cy="0"/>
+        </a:xfrm>
+      </p:grpSpPr>
+      <p:pic>
+        <p:nvPicPr>
+          <p:cNvPr id="2" name="图片 1" descr="屏幕剪辑"/>
+          <p:cNvPicPr>
+            <a:picLocks noChangeAspect="1"/>
+          </p:cNvPicPr>
+          <p:nvPr/>
+        </p:nvPicPr>
+        <p:blipFill>
+          <a:blip r:embed="rId2">
+            <a:extLst>
+              <a:ext uri="{28A0092B-C50C-407E-A947-70E740481C1C}">
+                <a14:useLocalDpi xmlns:a14="http://schemas.microsoft.com/office/drawing/2010/main" val="0"/>
+              </a:ext>
+            </a:extLst>
+          </a:blip>
+          <a:stretch>
+            <a:fillRect/>
+          </a:stretch>
+        </p:blipFill>
+        <p:spPr>
+          <a:xfrm>
+            <a:off x="683568" y="711921"/>
+            <a:ext cx="5458587" cy="2067213"/>
+          </a:xfrm>
+          <a:prstGeom prst="rect">
+            <a:avLst/>
+          </a:prstGeom>
+          <a:ln>
+            <a:noFill/>
+          </a:ln>
+          <a:effectLst>
+            <a:outerShdw blurRad="292100" dist="139700" dir="2700000" algn="tl" rotWithShape="0">
+              <a:srgbClr val="333333">
+                <a:alpha val="65000"/>
+              </a:srgbClr>
+            </a:outerShdw>
+          </a:effectLst>
+        </p:spPr>
+      </p:pic>
+      <p:pic>
+        <p:nvPicPr>
+          <p:cNvPr id="4" name="图片 3" descr="屏幕剪辑"/>
+          <p:cNvPicPr>
+            <a:picLocks noChangeAspect="1"/>
+          </p:cNvPicPr>
+          <p:nvPr/>
+        </p:nvPicPr>
+        <p:blipFill>
+          <a:blip r:embed="rId3">
+            <a:extLst>
+              <a:ext uri="{28A0092B-C50C-407E-A947-70E740481C1C}">
+                <a14:useLocalDpi xmlns:a14="http://schemas.microsoft.com/office/drawing/2010/main" val="0"/>
+              </a:ext>
+            </a:extLst>
+          </a:blip>
+          <a:stretch>
+            <a:fillRect/>
+          </a:stretch>
+        </p:blipFill>
+        <p:spPr>
+          <a:xfrm>
+            <a:off x="683568" y="3284984"/>
+            <a:ext cx="7704856" cy="1961920"/>
+          </a:xfrm>
+          <a:prstGeom prst="rect">
+            <a:avLst/>
+          </a:prstGeom>
+          <a:ln>
+            <a:noFill/>
+          </a:ln>
+          <a:effectLst>
+            <a:outerShdw blurRad="292100" dist="139700" dir="2700000" algn="tl" rotWithShape="0">
+              <a:srgbClr val="333333">
+                <a:alpha val="65000"/>
+              </a:srgbClr>
+            </a:outerShdw>
+          </a:effectLst>
+        </p:spPr>
+      </p:pic>
+      <p:sp>
+        <p:nvSpPr>
+          <p:cNvPr id="5" name="圆角矩形标注 4"/>
+          <p:cNvSpPr/>
+          <p:nvPr/>
+        </p:nvSpPr>
+        <p:spPr>
+          <a:xfrm>
+            <a:off x="2073671" y="5373216"/>
+            <a:ext cx="2880320" cy="864096"/>
+          </a:xfrm>
+          <a:prstGeom prst="wedgeRoundRectCallout">
+            <a:avLst>
+              <a:gd name="adj1" fmla="val 14571"/>
+              <a:gd name="adj2" fmla="val -68955"/>
+              <a:gd name="adj3" fmla="val 16667"/>
+            </a:avLst>
+          </a:prstGeom>
+        </p:spPr>
+        <p:style>
+          <a:lnRef idx="2">
+            <a:schemeClr val="accent6"/>
+          </a:lnRef>
+          <a:fillRef idx="1">
+            <a:schemeClr val="lt1"/>
+          </a:fillRef>
+          <a:effectRef idx="0">
+            <a:schemeClr val="accent6"/>
+          </a:effectRef>
+          <a:fontRef idx="minor">
+            <a:schemeClr val="dk1"/>
+          </a:fontRef>
+        </p:style>
+        <p:txBody>
+          <a:bodyPr rtlCol="0" anchor="ctr"/>
+          <a:lstStyle/>
+          <a:p>
+            <a:pPr>
+              <a:lnSpc>
+                <a:spcPct val="150000"/>
+              </a:lnSpc>
+            </a:pPr>
+            <a:r>
+              <a:rPr lang="en-US" altLang="zh-CN" sz="2000" dirty="0" smtClean="0">
+                <a:solidFill>
+                  <a:schemeClr val="tx1">
+                    <a:lumMod val="75000"/>
+                    <a:lumOff val="25000"/>
+                  </a:schemeClr>
+                </a:solidFill>
+                <a:latin typeface="微软雅黑" panose="020B0503020204020204" pitchFamily="34" charset="-122"/>
+                <a:ea typeface="微软雅黑" panose="020B0503020204020204" pitchFamily="34" charset="-122"/>
+              </a:rPr>
+              <a:t> </a:t>
+            </a:r>
+            <a:r>
+              <a:rPr lang="zh-CN" altLang="en-US" sz="2000" dirty="0" smtClean="0">
+                <a:solidFill>
+                  <a:schemeClr val="tx1">
+                    <a:lumMod val="75000"/>
+                    <a:lumOff val="25000"/>
+                  </a:schemeClr>
+                </a:solidFill>
+                <a:latin typeface="微软雅黑" panose="020B0503020204020204" pitchFamily="34" charset="-122"/>
+                <a:ea typeface="微软雅黑" panose="020B0503020204020204" pitchFamily="34" charset="-122"/>
+              </a:rPr>
+              <a:t>关闭动画中，各属性动画的时序关系</a:t>
+            </a:r>
+            <a:endParaRPr lang="zh-CN" altLang="en-US" sz="2000" dirty="0">
+              <a:solidFill>
+                <a:schemeClr val="tx1">
+                  <a:lumMod val="75000"/>
+                  <a:lumOff val="25000"/>
+                </a:schemeClr>
+              </a:solidFill>
+              <a:latin typeface="微软雅黑" panose="020B0503020204020204" pitchFamily="34" charset="-122"/>
+              <a:ea typeface="微软雅黑" panose="020B0503020204020204" pitchFamily="34" charset="-122"/>
+            </a:endParaRPr>
+          </a:p>
+        </p:txBody>
+      </p:sp>
+      <p:sp>
+        <p:nvSpPr>
+          <p:cNvPr id="6" name="圆角矩形标注 5"/>
+          <p:cNvSpPr/>
+          <p:nvPr/>
+        </p:nvSpPr>
+        <p:spPr>
+          <a:xfrm>
+            <a:off x="6136703" y="1124744"/>
+            <a:ext cx="1819673" cy="1728192"/>
+          </a:xfrm>
+          <a:prstGeom prst="wedgeRoundRectCallout">
+            <a:avLst>
+              <a:gd name="adj1" fmla="val -58354"/>
+              <a:gd name="adj2" fmla="val 16864"/>
+              <a:gd name="adj3" fmla="val 16667"/>
+            </a:avLst>
+          </a:prstGeom>
+        </p:spPr>
+        <p:style>
+          <a:lnRef idx="2">
+            <a:schemeClr val="accent6"/>
+          </a:lnRef>
+          <a:fillRef idx="1">
+            <a:schemeClr val="lt1"/>
+          </a:fillRef>
+          <a:effectRef idx="0">
+            <a:schemeClr val="accent6"/>
+          </a:effectRef>
+          <a:fontRef idx="minor">
+            <a:schemeClr val="dk1"/>
+          </a:fontRef>
+        </p:style>
+        <p:txBody>
+          <a:bodyPr rtlCol="0" anchor="ctr"/>
+          <a:lstStyle/>
+          <a:p>
+            <a:pPr>
+              <a:lnSpc>
+                <a:spcPct val="150000"/>
+              </a:lnSpc>
+            </a:pPr>
+            <a:r>
+              <a:rPr lang="en-US" altLang="zh-CN" sz="2000" dirty="0" smtClean="0">
+                <a:solidFill>
+                  <a:schemeClr val="tx1">
+                    <a:lumMod val="75000"/>
+                    <a:lumOff val="25000"/>
+                  </a:schemeClr>
+                </a:solidFill>
+                <a:latin typeface="微软雅黑" panose="020B0503020204020204" pitchFamily="34" charset="-122"/>
+                <a:ea typeface="微软雅黑" panose="020B0503020204020204" pitchFamily="34" charset="-122"/>
+              </a:rPr>
+              <a:t> </a:t>
+            </a:r>
+            <a:r>
+              <a:rPr lang="zh-CN" altLang="en-US" sz="2000" dirty="0" smtClean="0">
+                <a:solidFill>
+                  <a:schemeClr val="tx1">
+                    <a:lumMod val="75000"/>
+                    <a:lumOff val="25000"/>
+                  </a:schemeClr>
+                </a:solidFill>
+                <a:latin typeface="微软雅黑" panose="020B0503020204020204" pitchFamily="34" charset="-122"/>
+                <a:ea typeface="微软雅黑" panose="020B0503020204020204" pitchFamily="34" charset="-122"/>
+              </a:rPr>
+              <a:t>开启</a:t>
+            </a:r>
+            <a:r>
+              <a:rPr lang="zh-CN" altLang="en-US" sz="2000" dirty="0" smtClean="0">
+                <a:solidFill>
+                  <a:schemeClr val="tx1">
+                    <a:lumMod val="75000"/>
+                    <a:lumOff val="25000"/>
+                  </a:schemeClr>
+                </a:solidFill>
+                <a:latin typeface="微软雅黑" panose="020B0503020204020204" pitchFamily="34" charset="-122"/>
+                <a:ea typeface="微软雅黑" panose="020B0503020204020204" pitchFamily="34" charset="-122"/>
+              </a:rPr>
+              <a:t>动画中，各属性动画的时序关系</a:t>
+            </a:r>
+            <a:endParaRPr lang="zh-CN" altLang="en-US" sz="2000" dirty="0">
+              <a:solidFill>
+                <a:schemeClr val="tx1">
+                  <a:lumMod val="75000"/>
+                  <a:lumOff val="25000"/>
+                </a:schemeClr>
+              </a:solidFill>
+              <a:latin typeface="微软雅黑" panose="020B0503020204020204" pitchFamily="34" charset="-122"/>
+              <a:ea typeface="微软雅黑" panose="020B0503020204020204" pitchFamily="34" charset="-122"/>
+            </a:endParaRPr>
+          </a:p>
+        </p:txBody>
+      </p:sp>
+    </p:spTree>
+    <p:extLst>
+      <p:ext uri="{BB962C8B-B14F-4D97-AF65-F5344CB8AC3E}">
+        <p14:creationId xmlns:p14="http://schemas.microsoft.com/office/powerpoint/2010/main" val="4255995501"/>
+      </p:ext>
+    </p:extLst>
+  </p:cSld>
+  <p:clrMapOvr>
+    <a:masterClrMapping/>
+  </p:clrMapOvr>
+</p:sld>
+</file>
+
+<file path=ppt/slides/slide28.xml><?xml version="1.0" encoding="utf-8"?>
+<p:sld xmlns:a="http://schemas.openxmlformats.org/drawingml/2006/main" xmlns:r="http://schemas.openxmlformats.org/officeDocument/2006/relationships" xmlns:p="http://schemas.openxmlformats.org/presentationml/2006/main">
+  <p:cSld>
+    <p:spTree>
+      <p:nvGrpSpPr>
+        <p:cNvPr id="1" name=""/>
+        <p:cNvGrpSpPr/>
+        <p:nvPr/>
+      </p:nvGrpSpPr>
+      <p:grpSpPr>
+        <a:xfrm>
+          <a:off x="0" y="0"/>
+          <a:ext cx="0" cy="0"/>
+          <a:chOff x="0" y="0"/>
+          <a:chExt cx="0" cy="0"/>
+        </a:xfrm>
+      </p:grpSpPr>
+      <p:sp>
+        <p:nvSpPr>
+          <p:cNvPr id="4" name="TextBox 3"/>
+          <p:cNvSpPr txBox="1"/>
+          <p:nvPr/>
+        </p:nvSpPr>
+        <p:spPr>
+          <a:xfrm>
+            <a:off x="467544" y="476672"/>
+            <a:ext cx="7776864" cy="523220"/>
+          </a:xfrm>
+          <a:prstGeom prst="rect">
+            <a:avLst/>
+          </a:prstGeom>
+          <a:noFill/>
+        </p:spPr>
+        <p:txBody>
+          <a:bodyPr wrap="square" rtlCol="0">
+            <a:spAutoFit/>
+          </a:bodyPr>
+          <a:lstStyle/>
+          <a:p>
             <a:r>
               <a:rPr lang="en-US" altLang="zh-CN" sz="2800" dirty="0">
                 <a:solidFill>
@@ -8264,7 +11933,7 @@
                 <a:latin typeface="微软雅黑" pitchFamily="34" charset="-122"/>
                 <a:ea typeface="微软雅黑" pitchFamily="34" charset="-122"/>
               </a:rPr>
-              <a:t>	</a:t>
+              <a:t>8</a:t>
             </a:r>
             <a:r>
               <a:rPr lang="en-US" altLang="zh-CN" sz="2800" dirty="0" smtClean="0">
@@ -8277,7 +11946,20 @@
                 <a:latin typeface="微软雅黑" pitchFamily="34" charset="-122"/>
                 <a:ea typeface="微软雅黑" pitchFamily="34" charset="-122"/>
               </a:rPr>
-              <a:t>	</a:t>
+              <a:t>.</a:t>
+            </a:r>
+            <a:r>
+              <a:rPr lang="zh-CN" altLang="en-US" sz="2800" dirty="0" smtClean="0">
+                <a:solidFill>
+                  <a:schemeClr val="tx1">
+                    <a:lumMod val="75000"/>
+                    <a:lumOff val="25000"/>
+                  </a:schemeClr>
+                </a:solidFill>
+                <a:latin typeface="微软雅黑" pitchFamily="34" charset="-122"/>
+                <a:ea typeface="微软雅黑" pitchFamily="34" charset="-122"/>
+              </a:rPr>
+              <a:t>更多思考</a:t>
             </a:r>
             <a:endParaRPr lang="zh-CN" altLang="en-US" sz="2800" dirty="0">
               <a:solidFill>
@@ -8294,14 +11976,14 @@
       </p:sp>
       <p:sp>
         <p:nvSpPr>
-          <p:cNvPr id="5" name="TextBox 4"/>
+          <p:cNvPr id="9" name="TextBox 8"/>
           <p:cNvSpPr txBox="1"/>
           <p:nvPr/>
         </p:nvSpPr>
         <p:spPr>
           <a:xfrm>
-            <a:off x="467544" y="1379721"/>
-            <a:ext cx="7992888" cy="874407"/>
+            <a:off x="467544" y="4132237"/>
+            <a:ext cx="7776864" cy="1384995"/>
           </a:xfrm>
           <a:prstGeom prst="rect">
             <a:avLst/>
@@ -8314,38 +11996,33 @@
           </a:bodyPr>
           <a:lstStyle/>
           <a:p>
-            <a:pPr>
-              <a:lnSpc>
-                <a:spcPct val="150000"/>
-              </a:lnSpc>
-            </a:pPr>
-            <a:r>
-              <a:rPr lang="en-US" altLang="zh-CN" dirty="0" smtClean="0">
-                <a:solidFill>
-                  <a:schemeClr val="tx1">
-                    <a:lumMod val="75000"/>
-                    <a:lumOff val="25000"/>
-                  </a:schemeClr>
-                </a:solidFill>
-                <a:latin typeface="微软雅黑" pitchFamily="34" charset="-122"/>
-                <a:ea typeface="微软雅黑" pitchFamily="34" charset="-122"/>
-              </a:rPr>
-              <a:t> </a:t>
-            </a:r>
-            <a:r>
-              <a:rPr lang="zh-CN" altLang="en-US" dirty="0" smtClean="0">
-                <a:solidFill>
-                  <a:schemeClr val="tx1">
-                    <a:lumMod val="75000"/>
-                    <a:lumOff val="25000"/>
-                  </a:schemeClr>
-                </a:solidFill>
-                <a:latin typeface="微软雅黑" pitchFamily="34" charset="-122"/>
-                <a:ea typeface="微软雅黑" pitchFamily="34" charset="-122"/>
-              </a:rPr>
-              <a:t>如果不是鼠标悬浮触发，而改成自动播放的动画，如何实现？</a:t>
-            </a:r>
-            <a:endParaRPr lang="en-US" altLang="zh-CN" dirty="0" smtClean="0">
+            <a:r>
+              <a:rPr lang="en-US" altLang="zh-CN" sz="2800" b="1" dirty="0" smtClean="0">
+                <a:solidFill>
+                  <a:schemeClr val="tx1">
+                    <a:lumMod val="75000"/>
+                    <a:lumOff val="25000"/>
+                  </a:schemeClr>
+                </a:solidFill>
+                <a:latin typeface="微软雅黑" pitchFamily="34" charset="-122"/>
+                <a:ea typeface="微软雅黑" pitchFamily="34" charset="-122"/>
+              </a:rPr>
+              <a:t>	</a:t>
+            </a:r>
+            <a:r>
+              <a:rPr lang="zh-CN" altLang="en-US" sz="2800" b="1" dirty="0" smtClean="0">
+                <a:solidFill>
+                  <a:schemeClr val="tx1">
+                    <a:lumMod val="75000"/>
+                    <a:lumOff val="25000"/>
+                  </a:schemeClr>
+                </a:solidFill>
+                <a:latin typeface="微软雅黑" pitchFamily="34" charset="-122"/>
+                <a:ea typeface="微软雅黑" pitchFamily="34" charset="-122"/>
+              </a:rPr>
+              <a:t>本期内容就讲到这里，谢谢大家！</a:t>
+            </a:r>
+            <a:endParaRPr lang="en-US" altLang="zh-CN" sz="2800" b="1" dirty="0" smtClean="0">
               <a:solidFill>
                 <a:schemeClr val="tx1">
                   <a:lumMod val="75000"/>
@@ -8357,50 +12034,245 @@
             </a:endParaRPr>
           </a:p>
           <a:p>
-            <a:pPr>
+            <a:endParaRPr lang="en-US" altLang="zh-CN" sz="2800" b="1" dirty="0" smtClean="0">
+              <a:solidFill>
+                <a:schemeClr val="tx1">
+                  <a:lumMod val="75000"/>
+                  <a:lumOff val="25000"/>
+                </a:schemeClr>
+              </a:solidFill>
+              <a:latin typeface="微软雅黑" pitchFamily="34" charset="-122"/>
+              <a:ea typeface="微软雅黑" pitchFamily="34" charset="-122"/>
+            </a:endParaRPr>
+          </a:p>
+          <a:p>
+            <a:r>
+              <a:rPr lang="en-US" altLang="zh-CN" sz="2800" b="1" dirty="0">
+                <a:solidFill>
+                  <a:schemeClr val="tx1">
+                    <a:lumMod val="75000"/>
+                    <a:lumOff val="25000"/>
+                  </a:schemeClr>
+                </a:solidFill>
+                <a:latin typeface="微软雅黑" pitchFamily="34" charset="-122"/>
+                <a:ea typeface="微软雅黑" pitchFamily="34" charset="-122"/>
+              </a:rPr>
+              <a:t>	</a:t>
+            </a:r>
+            <a:r>
+              <a:rPr lang="en-US" altLang="zh-CN" sz="2800" b="1" dirty="0" smtClean="0">
+                <a:solidFill>
+                  <a:schemeClr val="tx1">
+                    <a:lumMod val="75000"/>
+                    <a:lumOff val="25000"/>
+                  </a:schemeClr>
+                </a:solidFill>
+                <a:latin typeface="微软雅黑" pitchFamily="34" charset="-122"/>
+                <a:ea typeface="微软雅黑" pitchFamily="34" charset="-122"/>
+              </a:rPr>
+              <a:t>	</a:t>
+            </a:r>
+            <a:endParaRPr lang="zh-CN" altLang="en-US" sz="2800" b="1" dirty="0">
+              <a:solidFill>
+                <a:schemeClr val="tx1">
+                  <a:lumMod val="75000"/>
+                  <a:lumOff val="25000"/>
+                </a:schemeClr>
+              </a:solidFill>
+              <a:latin typeface="微软雅黑" pitchFamily="34" charset="-122"/>
+              <a:ea typeface="微软雅黑" pitchFamily="34" charset="-122"/>
+            </a:endParaRPr>
+          </a:p>
+        </p:txBody>
+      </p:sp>
+      <p:sp>
+        <p:nvSpPr>
+          <p:cNvPr id="5" name="TextBox 4"/>
+          <p:cNvSpPr txBox="1"/>
+          <p:nvPr/>
+        </p:nvSpPr>
+        <p:spPr>
+          <a:xfrm>
+            <a:off x="467544" y="1379721"/>
+            <a:ext cx="7632848" cy="2308324"/>
+          </a:xfrm>
+          <a:prstGeom prst="rect">
+            <a:avLst/>
+          </a:prstGeom>
+          <a:noFill/>
+        </p:spPr>
+        <p:txBody>
+          <a:bodyPr wrap="square" rtlCol="0">
+            <a:spAutoFit/>
+          </a:bodyPr>
+          <a:lstStyle/>
+          <a:p>
+            <a:pPr marL="342900" indent="-342900">
               <a:lnSpc>
                 <a:spcPct val="150000"/>
               </a:lnSpc>
+              <a:buFont typeface="Arial" pitchFamily="34" charset="0"/>
+              <a:buChar char="•"/>
             </a:pPr>
             <a:r>
-              <a:rPr lang="en-US" altLang="zh-CN" dirty="0" smtClean="0">
-                <a:solidFill>
-                  <a:schemeClr val="tx1">
-                    <a:lumMod val="75000"/>
-                    <a:lumOff val="25000"/>
-                  </a:schemeClr>
-                </a:solidFill>
-                <a:latin typeface="微软雅黑" pitchFamily="34" charset="-122"/>
-                <a:ea typeface="微软雅黑" pitchFamily="34" charset="-122"/>
-              </a:rPr>
-              <a:t> </a:t>
-            </a:r>
-            <a:r>
-              <a:rPr lang="zh-CN" altLang="en-US" dirty="0" smtClean="0">
-                <a:solidFill>
-                  <a:schemeClr val="tx1">
-                    <a:lumMod val="75000"/>
-                    <a:lumOff val="25000"/>
-                  </a:schemeClr>
-                </a:solidFill>
-                <a:latin typeface="微软雅黑" pitchFamily="34" charset="-122"/>
-                <a:ea typeface="微软雅黑" pitchFamily="34" charset="-122"/>
-              </a:rPr>
-              <a:t>使用此方式，如何将图片显示为一块一块拼图拼接的效果？</a:t>
-            </a:r>
-            <a:r>
-              <a:rPr lang="en-US" altLang="zh-CN" dirty="0" smtClean="0">
-                <a:solidFill>
-                  <a:schemeClr val="tx1">
-                    <a:lumMod val="75000"/>
-                    <a:lumOff val="25000"/>
-                  </a:schemeClr>
-                </a:solidFill>
-                <a:latin typeface="微软雅黑" pitchFamily="34" charset="-122"/>
-                <a:ea typeface="微软雅黑" pitchFamily="34" charset="-122"/>
-              </a:rPr>
-              <a:t> </a:t>
-            </a:r>
+              <a:rPr lang="zh-CN" altLang="en-US" sz="2400" dirty="0" smtClean="0">
+                <a:solidFill>
+                  <a:schemeClr val="tx1">
+                    <a:lumMod val="75000"/>
+                    <a:lumOff val="25000"/>
+                  </a:schemeClr>
+                </a:solidFill>
+                <a:latin typeface="微软雅黑" pitchFamily="34" charset="-122"/>
+                <a:ea typeface="微软雅黑" pitchFamily="34" charset="-122"/>
+              </a:rPr>
+              <a:t>如果</a:t>
+            </a:r>
+            <a:r>
+              <a:rPr lang="en-US" altLang="zh-CN" sz="2400" dirty="0" smtClean="0">
+                <a:solidFill>
+                  <a:schemeClr val="tx1">
+                    <a:lumMod val="75000"/>
+                    <a:lumOff val="25000"/>
+                  </a:schemeClr>
+                </a:solidFill>
+                <a:latin typeface="微软雅黑" pitchFamily="34" charset="-122"/>
+                <a:ea typeface="微软雅黑" pitchFamily="34" charset="-122"/>
+              </a:rPr>
+              <a:t>transition</a:t>
+            </a:r>
+            <a:r>
+              <a:rPr lang="zh-CN" altLang="en-US" sz="2400" dirty="0" smtClean="0">
+                <a:solidFill>
+                  <a:schemeClr val="tx1">
+                    <a:lumMod val="75000"/>
+                    <a:lumOff val="25000"/>
+                  </a:schemeClr>
+                </a:solidFill>
+                <a:latin typeface="微软雅黑" pitchFamily="34" charset="-122"/>
+                <a:ea typeface="微软雅黑" pitchFamily="34" charset="-122"/>
+              </a:rPr>
+              <a:t>动画和</a:t>
+            </a:r>
+            <a:r>
+              <a:rPr lang="en-US" altLang="zh-CN" sz="2400" dirty="0" smtClean="0">
+                <a:solidFill>
+                  <a:schemeClr val="tx1">
+                    <a:lumMod val="75000"/>
+                    <a:lumOff val="25000"/>
+                  </a:schemeClr>
+                </a:solidFill>
+                <a:latin typeface="微软雅黑" pitchFamily="34" charset="-122"/>
+                <a:ea typeface="微软雅黑" pitchFamily="34" charset="-122"/>
+              </a:rPr>
+              <a:t>animation</a:t>
+            </a:r>
+            <a:r>
+              <a:rPr lang="zh-CN" altLang="en-US" sz="2400" dirty="0" smtClean="0">
+                <a:solidFill>
+                  <a:schemeClr val="tx1">
+                    <a:lumMod val="75000"/>
+                    <a:lumOff val="25000"/>
+                  </a:schemeClr>
+                </a:solidFill>
+                <a:latin typeface="微软雅黑" pitchFamily="34" charset="-122"/>
+                <a:ea typeface="微软雅黑" pitchFamily="34" charset="-122"/>
+              </a:rPr>
+              <a:t>动画同时控制同一元素的同意属性，会发生什么？</a:t>
+            </a:r>
+            <a:endParaRPr lang="en-US" altLang="zh-CN" sz="2400" dirty="0" smtClean="0">
+              <a:solidFill>
+                <a:schemeClr val="tx1">
+                  <a:lumMod val="75000"/>
+                  <a:lumOff val="25000"/>
+                </a:schemeClr>
+              </a:solidFill>
+              <a:latin typeface="微软雅黑" pitchFamily="34" charset="-122"/>
+              <a:ea typeface="微软雅黑" pitchFamily="34" charset="-122"/>
+            </a:endParaRPr>
+          </a:p>
+          <a:p>
+            <a:pPr marL="342900" indent="-342900">
+              <a:lnSpc>
+                <a:spcPct val="150000"/>
+              </a:lnSpc>
+              <a:buFont typeface="Arial" pitchFamily="34" charset="0"/>
+              <a:buChar char="•"/>
+            </a:pPr>
+            <a:r>
+              <a:rPr lang="zh-CN" altLang="en-US" sz="2400" dirty="0" smtClean="0">
+                <a:solidFill>
+                  <a:schemeClr val="tx1">
+                    <a:lumMod val="75000"/>
+                    <a:lumOff val="25000"/>
+                  </a:schemeClr>
+                </a:solidFill>
+                <a:latin typeface="微软雅黑" pitchFamily="34" charset="-122"/>
+                <a:ea typeface="微软雅黑" pitchFamily="34" charset="-122"/>
+              </a:rPr>
+              <a:t>如果配合</a:t>
+            </a:r>
+            <a:r>
+              <a:rPr lang="en-US" altLang="zh-CN" sz="2400" dirty="0" smtClean="0">
+                <a:solidFill>
+                  <a:schemeClr val="tx1">
+                    <a:lumMod val="75000"/>
+                    <a:lumOff val="25000"/>
+                  </a:schemeClr>
+                </a:solidFill>
+                <a:latin typeface="微软雅黑" pitchFamily="34" charset="-122"/>
+                <a:ea typeface="微软雅黑" pitchFamily="34" charset="-122"/>
+              </a:rPr>
+              <a:t>JS</a:t>
+            </a:r>
+            <a:r>
+              <a:rPr lang="zh-CN" altLang="en-US" sz="2400" dirty="0" smtClean="0">
+                <a:solidFill>
+                  <a:schemeClr val="tx1">
+                    <a:lumMod val="75000"/>
+                    <a:lumOff val="25000"/>
+                  </a:schemeClr>
+                </a:solidFill>
+                <a:latin typeface="微软雅黑" pitchFamily="34" charset="-122"/>
+                <a:ea typeface="微软雅黑" pitchFamily="34" charset="-122"/>
+              </a:rPr>
+              <a:t>完成开关功能，可以实现哪些</a:t>
+            </a:r>
+            <a:r>
+              <a:rPr lang="en-US" altLang="zh-CN" sz="2400" dirty="0" smtClean="0">
+                <a:solidFill>
+                  <a:schemeClr val="tx1">
+                    <a:lumMod val="75000"/>
+                    <a:lumOff val="25000"/>
+                  </a:schemeClr>
+                </a:solidFill>
+                <a:latin typeface="微软雅黑" pitchFamily="34" charset="-122"/>
+                <a:ea typeface="微软雅黑" pitchFamily="34" charset="-122"/>
+              </a:rPr>
+              <a:t>CSS</a:t>
+            </a:r>
+            <a:r>
+              <a:rPr lang="zh-CN" altLang="en-US" sz="2400" dirty="0" smtClean="0">
+                <a:solidFill>
+                  <a:schemeClr val="tx1">
+                    <a:lumMod val="75000"/>
+                    <a:lumOff val="25000"/>
+                  </a:schemeClr>
+                </a:solidFill>
+                <a:latin typeface="微软雅黑" pitchFamily="34" charset="-122"/>
+                <a:ea typeface="微软雅黑" pitchFamily="34" charset="-122"/>
+              </a:rPr>
+              <a:t>开关不能实现的效果</a:t>
+            </a:r>
+            <a:endParaRPr lang="en-US" altLang="zh-CN" sz="2400" dirty="0" smtClean="0">
+              <a:solidFill>
+                <a:schemeClr val="tx1">
+                  <a:lumMod val="75000"/>
+                  <a:lumOff val="25000"/>
+                </a:schemeClr>
+              </a:solidFill>
+              <a:latin typeface="微软雅黑" pitchFamily="34" charset="-122"/>
+              <a:ea typeface="微软雅黑" pitchFamily="34" charset="-122"/>
+            </a:endParaRPr>
           </a:p>
         </p:txBody>
       </p:sp>
@@ -8930,7 +12802,33 @@
                 <a:latin typeface="微软雅黑" pitchFamily="34" charset="-122"/>
                 <a:ea typeface="微软雅黑" pitchFamily="34" charset="-122"/>
               </a:rPr>
-              <a:t>复选按钮，以及它特有</a:t>
+              <a:t>复选按钮，以及它特有的</a:t>
+            </a:r>
+            <a:r>
+              <a:rPr lang="en-US" altLang="zh-CN" sz="2400" b="1" dirty="0" smtClean="0">
+                <a:solidFill>
+                  <a:schemeClr val="tx1">
+                    <a:lumMod val="75000"/>
+                    <a:lumOff val="25000"/>
+                  </a:schemeClr>
+                </a:solidFill>
+                <a:latin typeface="微软雅黑" pitchFamily="34" charset="-122"/>
+                <a:ea typeface="微软雅黑" pitchFamily="34" charset="-122"/>
+              </a:rPr>
+              <a:t>:checked</a:t>
+            </a:r>
+            <a:r>
+              <a:rPr lang="zh-CN" altLang="en-US" sz="2400" b="1" dirty="0" smtClean="0">
+                <a:solidFill>
+                  <a:schemeClr val="tx1">
+                    <a:lumMod val="75000"/>
+                    <a:lumOff val="25000"/>
+                  </a:schemeClr>
+                </a:solidFill>
+                <a:latin typeface="微软雅黑" pitchFamily="34" charset="-122"/>
+                <a:ea typeface="微软雅黑" pitchFamily="34" charset="-122"/>
+              </a:rPr>
+              <a:t>选择器</a:t>
             </a:r>
             <a:r>
               <a:rPr lang="zh-CN" altLang="en-US" sz="2400" dirty="0" smtClean="0">
@@ -8943,20 +12841,33 @@
                 <a:latin typeface="微软雅黑" pitchFamily="34" charset="-122"/>
                 <a:ea typeface="微软雅黑" pitchFamily="34" charset="-122"/>
               </a:rPr>
-              <a:t>的</a:t>
-            </a:r>
-            <a:r>
-              <a:rPr lang="en-US" altLang="zh-CN" sz="2400" b="1" dirty="0" smtClean="0">
-                <a:solidFill>
-                  <a:schemeClr val="tx1">
-                    <a:lumMod val="75000"/>
-                    <a:lumOff val="25000"/>
-                  </a:schemeClr>
-                </a:solidFill>
-                <a:latin typeface="微软雅黑" pitchFamily="34" charset="-122"/>
-                <a:ea typeface="微软雅黑" pitchFamily="34" charset="-122"/>
-              </a:rPr>
-              <a:t>:checked</a:t>
+              <a:t>，记录开</a:t>
+            </a:r>
+            <a:r>
+              <a:rPr lang="en-US" altLang="zh-CN" sz="2400" dirty="0" smtClean="0">
+                <a:solidFill>
+                  <a:schemeClr val="tx1">
+                    <a:lumMod val="75000"/>
+                    <a:lumOff val="25000"/>
+                  </a:schemeClr>
+                </a:solidFill>
+                <a:latin typeface="微软雅黑" pitchFamily="34" charset="-122"/>
+                <a:ea typeface="微软雅黑" pitchFamily="34" charset="-122"/>
+              </a:rPr>
+              <a:t>/</a:t>
+            </a:r>
+            <a:r>
+              <a:rPr lang="zh-CN" altLang="en-US" sz="2400" dirty="0" smtClean="0">
+                <a:solidFill>
+                  <a:schemeClr val="tx1">
+                    <a:lumMod val="75000"/>
+                    <a:lumOff val="25000"/>
+                  </a:schemeClr>
+                </a:solidFill>
+                <a:latin typeface="微软雅黑" pitchFamily="34" charset="-122"/>
+                <a:ea typeface="微软雅黑" pitchFamily="34" charset="-122"/>
+              </a:rPr>
+              <a:t>关状态，同时用</a:t>
             </a:r>
             <a:r>
               <a:rPr lang="zh-CN" altLang="en-US" sz="2400" b="1" dirty="0" smtClean="0">
@@ -8969,7 +12880,7 @@
                 <a:latin typeface="微软雅黑" pitchFamily="34" charset="-122"/>
                 <a:ea typeface="微软雅黑" pitchFamily="34" charset="-122"/>
               </a:rPr>
-              <a:t>选择器</a:t>
+              <a:t>兄弟选择器</a:t>
             </a:r>
             <a:r>
               <a:rPr lang="zh-CN" altLang="en-US" sz="2400" dirty="0" smtClean="0">
@@ -8982,124 +12893,7 @@
                 <a:latin typeface="微软雅黑" pitchFamily="34" charset="-122"/>
                 <a:ea typeface="微软雅黑" pitchFamily="34" charset="-122"/>
               </a:rPr>
-              <a:t>，</a:t>
-            </a:r>
-            <a:r>
-              <a:rPr lang="zh-CN" altLang="en-US" sz="2400" dirty="0" smtClean="0">
-                <a:solidFill>
-                  <a:schemeClr val="tx1">
-                    <a:lumMod val="75000"/>
-                    <a:lumOff val="25000"/>
-                  </a:schemeClr>
-                </a:solidFill>
-                <a:latin typeface="微软雅黑" pitchFamily="34" charset="-122"/>
-                <a:ea typeface="微软雅黑" pitchFamily="34" charset="-122"/>
-              </a:rPr>
-              <a:t>记录开</a:t>
-            </a:r>
-            <a:r>
-              <a:rPr lang="en-US" altLang="zh-CN" sz="2400" dirty="0" smtClean="0">
-                <a:solidFill>
-                  <a:schemeClr val="tx1">
-                    <a:lumMod val="75000"/>
-                    <a:lumOff val="25000"/>
-                  </a:schemeClr>
-                </a:solidFill>
-                <a:latin typeface="微软雅黑" pitchFamily="34" charset="-122"/>
-                <a:ea typeface="微软雅黑" pitchFamily="34" charset="-122"/>
-              </a:rPr>
-              <a:t>/</a:t>
-            </a:r>
-            <a:r>
-              <a:rPr lang="zh-CN" altLang="en-US" sz="2400" dirty="0" smtClean="0">
-                <a:solidFill>
-                  <a:schemeClr val="tx1">
-                    <a:lumMod val="75000"/>
-                    <a:lumOff val="25000"/>
-                  </a:schemeClr>
-                </a:solidFill>
-                <a:latin typeface="微软雅黑" pitchFamily="34" charset="-122"/>
-                <a:ea typeface="微软雅黑" pitchFamily="34" charset="-122"/>
-              </a:rPr>
-              <a:t>关状态，</a:t>
-            </a:r>
-            <a:r>
-              <a:rPr lang="zh-CN" altLang="en-US" sz="2400" dirty="0" smtClean="0">
-                <a:solidFill>
-                  <a:schemeClr val="tx1">
-                    <a:lumMod val="75000"/>
-                    <a:lumOff val="25000"/>
-                  </a:schemeClr>
-                </a:solidFill>
-                <a:latin typeface="微软雅黑" pitchFamily="34" charset="-122"/>
-                <a:ea typeface="微软雅黑" pitchFamily="34" charset="-122"/>
-              </a:rPr>
-              <a:t>同时用</a:t>
-            </a:r>
-            <a:r>
-              <a:rPr lang="zh-CN" altLang="en-US" sz="2400" b="1" dirty="0" smtClean="0">
-                <a:solidFill>
-                  <a:schemeClr val="tx1">
-                    <a:lumMod val="75000"/>
-                    <a:lumOff val="25000"/>
-                  </a:schemeClr>
-                </a:solidFill>
-                <a:latin typeface="微软雅黑" pitchFamily="34" charset="-122"/>
-                <a:ea typeface="微软雅黑" pitchFamily="34" charset="-122"/>
-              </a:rPr>
-              <a:t>兄弟选择器</a:t>
-            </a:r>
-            <a:r>
-              <a:rPr lang="zh-CN" altLang="en-US" sz="2400" dirty="0" smtClean="0">
-                <a:solidFill>
-                  <a:schemeClr val="tx1">
-                    <a:lumMod val="75000"/>
-                    <a:lumOff val="25000"/>
-                  </a:schemeClr>
-                </a:solidFill>
-                <a:latin typeface="微软雅黑" pitchFamily="34" charset="-122"/>
-                <a:ea typeface="微软雅黑" pitchFamily="34" charset="-122"/>
-              </a:rPr>
-              <a:t>，关联控制</a:t>
-            </a:r>
-            <a:r>
-              <a:rPr lang="zh-CN" altLang="en-US" sz="2400" dirty="0" smtClean="0">
-                <a:solidFill>
-                  <a:schemeClr val="tx1">
-                    <a:lumMod val="75000"/>
-                    <a:lumOff val="25000"/>
-                  </a:schemeClr>
-                </a:solidFill>
-                <a:latin typeface="微软雅黑" pitchFamily="34" charset="-122"/>
-                <a:ea typeface="微软雅黑" pitchFamily="34" charset="-122"/>
-              </a:rPr>
-              <a:t>霓虹灯</a:t>
-            </a:r>
-            <a:r>
-              <a:rPr lang="zh-CN" altLang="en-US" sz="2400" dirty="0" smtClean="0">
-                <a:solidFill>
-                  <a:schemeClr val="tx1">
-                    <a:lumMod val="75000"/>
-                    <a:lumOff val="25000"/>
-                  </a:schemeClr>
-                </a:solidFill>
-                <a:latin typeface="微软雅黑" pitchFamily="34" charset="-122"/>
-                <a:ea typeface="微软雅黑" pitchFamily="34" charset="-122"/>
-              </a:rPr>
-              <a:t>的</a:t>
-            </a:r>
-            <a:r>
-              <a:rPr lang="zh-CN" altLang="en-US" sz="2400" dirty="0" smtClean="0">
-                <a:solidFill>
-                  <a:schemeClr val="tx1">
-                    <a:lumMod val="75000"/>
-                    <a:lumOff val="25000"/>
-                  </a:schemeClr>
-                </a:solidFill>
-                <a:latin typeface="微软雅黑" pitchFamily="34" charset="-122"/>
-                <a:ea typeface="微软雅黑" pitchFamily="34" charset="-122"/>
-              </a:rPr>
-              <a:t>标签，实现开关功能</a:t>
+              <a:t>，关联控制霓虹灯的标签，实现开关功能</a:t>
             </a:r>
             <a:endParaRPr lang="en-US" altLang="zh-CN" sz="2400" dirty="0" smtClean="0">
               <a:solidFill>
@@ -9442,7 +13236,20 @@
                 <a:latin typeface="微软雅黑" panose="020B0503020204020204" pitchFamily="34" charset="-122"/>
                 <a:ea typeface="微软雅黑" panose="020B0503020204020204" pitchFamily="34" charset="-122"/>
               </a:rPr>
-              <a:t>下载</a:t>
+              <a:t>下载字体文件</a:t>
+            </a:r>
+            <a:r>
+              <a:rPr lang="en-US" altLang="zh-CN" sz="2000" dirty="0" smtClean="0">
+                <a:solidFill>
+                  <a:schemeClr val="tx1">
+                    <a:lumMod val="75000"/>
+                    <a:lumOff val="25000"/>
+                  </a:schemeClr>
+                </a:solidFill>
+                <a:latin typeface="微软雅黑" panose="020B0503020204020204" pitchFamily="34" charset="-122"/>
+                <a:ea typeface="微软雅黑" panose="020B0503020204020204" pitchFamily="34" charset="-122"/>
+              </a:rPr>
+              <a:t>Pacifico.ttf</a:t>
             </a:r>
             <a:r>
               <a:rPr lang="zh-CN" altLang="en-US" sz="2000" dirty="0" smtClean="0">
@@ -9455,59 +13262,7 @@
                 <a:latin typeface="微软雅黑" panose="020B0503020204020204" pitchFamily="34" charset="-122"/>
                 <a:ea typeface="微软雅黑" panose="020B0503020204020204" pitchFamily="34" charset="-122"/>
               </a:rPr>
-              <a:t>字体文件</a:t>
-            </a:r>
-            <a:r>
-              <a:rPr lang="en-US" altLang="zh-CN" sz="2000" dirty="0" smtClean="0">
-                <a:solidFill>
-                  <a:schemeClr val="tx1">
-                    <a:lumMod val="75000"/>
-                    <a:lumOff val="25000"/>
-                  </a:schemeClr>
-                </a:solidFill>
-                <a:latin typeface="微软雅黑" panose="020B0503020204020204" pitchFamily="34" charset="-122"/>
-                <a:ea typeface="微软雅黑" panose="020B0503020204020204" pitchFamily="34" charset="-122"/>
-              </a:rPr>
-              <a:t>Pacifico</a:t>
-            </a:r>
-            <a:r>
-              <a:rPr lang="en-US" altLang="zh-CN" sz="2000" dirty="0" smtClean="0">
-                <a:solidFill>
-                  <a:schemeClr val="tx1">
-                    <a:lumMod val="75000"/>
-                    <a:lumOff val="25000"/>
-                  </a:schemeClr>
-                </a:solidFill>
-                <a:latin typeface="微软雅黑" panose="020B0503020204020204" pitchFamily="34" charset="-122"/>
-                <a:ea typeface="微软雅黑" panose="020B0503020204020204" pitchFamily="34" charset="-122"/>
-              </a:rPr>
-              <a:t>.ttf</a:t>
-            </a:r>
-            <a:r>
-              <a:rPr lang="zh-CN" altLang="en-US" sz="2000" dirty="0" smtClean="0">
-                <a:solidFill>
-                  <a:schemeClr val="tx1">
-                    <a:lumMod val="75000"/>
-                    <a:lumOff val="25000"/>
-                  </a:schemeClr>
-                </a:solidFill>
-                <a:latin typeface="微软雅黑" panose="020B0503020204020204" pitchFamily="34" charset="-122"/>
-                <a:ea typeface="微软雅黑" panose="020B0503020204020204" pitchFamily="34" charset="-122"/>
-              </a:rPr>
-              <a:t>，</a:t>
-            </a:r>
-            <a:r>
-              <a:rPr lang="zh-CN" altLang="en-US" sz="2000" dirty="0" smtClean="0">
-                <a:solidFill>
-                  <a:schemeClr val="tx1">
-                    <a:lumMod val="75000"/>
-                    <a:lumOff val="25000"/>
-                  </a:schemeClr>
-                </a:solidFill>
-                <a:latin typeface="微软雅黑" panose="020B0503020204020204" pitchFamily="34" charset="-122"/>
-                <a:ea typeface="微软雅黑" panose="020B0503020204020204" pitchFamily="34" charset="-122"/>
-              </a:rPr>
-              <a:t>放入工程目录</a:t>
+              <a:t>，放入工程目录</a:t>
             </a:r>
             <a:endParaRPr lang="zh-CN" altLang="en-US" sz="2000" dirty="0">
               <a:solidFill>
@@ -10589,20 +14344,7 @@
                 <a:latin typeface="微软雅黑" panose="020B0503020204020204" pitchFamily="34" charset="-122"/>
                 <a:ea typeface="微软雅黑" panose="020B0503020204020204" pitchFamily="34" charset="-122"/>
               </a:rPr>
-              <a:t>阴影，</a:t>
-            </a:r>
-            <a:r>
-              <a:rPr lang="zh-CN" altLang="en-US" sz="2000" dirty="0" smtClean="0">
-                <a:solidFill>
-                  <a:schemeClr val="tx1">
-                    <a:lumMod val="75000"/>
-                    <a:lumOff val="25000"/>
-                  </a:schemeClr>
-                </a:solidFill>
-                <a:latin typeface="微软雅黑" panose="020B0503020204020204" pitchFamily="34" charset="-122"/>
-                <a:ea typeface="微软雅黑" panose="020B0503020204020204" pitchFamily="34" charset="-122"/>
-              </a:rPr>
-              <a:t>模拟了</a:t>
+              <a:t>阴影，模拟了</a:t>
             </a:r>
             <a:r>
               <a:rPr lang="zh-CN" altLang="en-US" sz="2000" b="1" dirty="0" smtClean="0">
@@ -10778,20 +14520,7 @@
                 <a:latin typeface="微软雅黑" panose="020B0503020204020204" pitchFamily="34" charset="-122"/>
                 <a:ea typeface="微软雅黑" panose="020B0503020204020204" pitchFamily="34" charset="-122"/>
               </a:rPr>
-              <a:t>阴影，</a:t>
-            </a:r>
-            <a:r>
-              <a:rPr lang="zh-CN" altLang="en-US" sz="2000" dirty="0" smtClean="0">
-                <a:solidFill>
-                  <a:schemeClr val="tx1">
-                    <a:lumMod val="75000"/>
-                    <a:lumOff val="25000"/>
-                  </a:schemeClr>
-                </a:solidFill>
-                <a:latin typeface="微软雅黑" panose="020B0503020204020204" pitchFamily="34" charset="-122"/>
-                <a:ea typeface="微软雅黑" panose="020B0503020204020204" pitchFamily="34" charset="-122"/>
-              </a:rPr>
-              <a:t>模拟了</a:t>
+              <a:t>阴影，模拟了</a:t>
             </a:r>
             <a:r>
               <a:rPr lang="zh-CN" altLang="en-US" sz="2000" b="1" dirty="0" smtClean="0">
@@ -11434,16 +15163,6 @@
               </a:rPr>
               <a:t>帧动画</a:t>
             </a:r>
-            <a:endParaRPr lang="zh-CN" altLang="en-US" sz="2000" dirty="0">
-              <a:solidFill>
-                <a:schemeClr val="tx1">
-                  <a:lumMod val="75000"/>
-                  <a:lumOff val="25000"/>
-                </a:schemeClr>
-              </a:solidFill>
-              <a:latin typeface="微软雅黑" panose="020B0503020204020204" pitchFamily="34" charset="-122"/>
-              <a:ea typeface="微软雅黑" panose="020B0503020204020204" pitchFamily="34" charset="-122"/>
-            </a:endParaRPr>
           </a:p>
         </p:txBody>
       </p:sp>
@@ -12206,20 +15925,7 @@
                 <a:latin typeface="微软雅黑" panose="020B0503020204020204" pitchFamily="34" charset="-122"/>
                 <a:ea typeface="微软雅黑" panose="020B0503020204020204" pitchFamily="34" charset="-122"/>
               </a:rPr>
-              <a:t>我们马上将</a:t>
-            </a:r>
-            <a:r>
-              <a:rPr lang="zh-CN" altLang="en-US" sz="2000" dirty="0" smtClean="0">
-                <a:solidFill>
-                  <a:schemeClr val="tx1">
-                    <a:lumMod val="75000"/>
-                    <a:lumOff val="25000"/>
-                  </a:schemeClr>
-                </a:solidFill>
-                <a:latin typeface="微软雅黑" panose="020B0503020204020204" pitchFamily="34" charset="-122"/>
-                <a:ea typeface="微软雅黑" panose="020B0503020204020204" pitchFamily="34" charset="-122"/>
-              </a:rPr>
-              <a:t>把</a:t>
+              <a:t>我们马上将把</a:t>
             </a:r>
             <a:r>
               <a:rPr lang="en-US" altLang="zh-CN" sz="2000" dirty="0" smtClean="0">
